--- a/assets/slides/fa22/07-HOFs_Environments.pptx
+++ b/assets/slides/fa22/07-HOFs_Environments.pptx
@@ -5,26 +5,31 @@
     <p:sldMasterId id="2147483674" r:id="rId1"/>
   </p:sldMasterIdLst>
   <p:notesMasterIdLst>
-    <p:notesMasterId r:id="rId19"/>
+    <p:notesMasterId r:id="rId24"/>
   </p:notesMasterIdLst>
   <p:sldIdLst>
     <p:sldId id="256" r:id="rId2"/>
     <p:sldId id="277" r:id="rId3"/>
-    <p:sldId id="281" r:id="rId4"/>
-    <p:sldId id="286" r:id="rId5"/>
-    <p:sldId id="291" r:id="rId6"/>
-    <p:sldId id="285" r:id="rId7"/>
-    <p:sldId id="268" r:id="rId8"/>
-    <p:sldId id="385" r:id="rId9"/>
-    <p:sldId id="287" r:id="rId10"/>
-    <p:sldId id="386" r:id="rId11"/>
-    <p:sldId id="289" r:id="rId12"/>
-    <p:sldId id="265" r:id="rId13"/>
-    <p:sldId id="388" r:id="rId14"/>
-    <p:sldId id="389" r:id="rId15"/>
-    <p:sldId id="390" r:id="rId16"/>
-    <p:sldId id="387" r:id="rId17"/>
-    <p:sldId id="288" r:id="rId18"/>
+    <p:sldId id="391" r:id="rId4"/>
+    <p:sldId id="290" r:id="rId5"/>
+    <p:sldId id="392" r:id="rId6"/>
+    <p:sldId id="396" r:id="rId7"/>
+    <p:sldId id="394" r:id="rId8"/>
+    <p:sldId id="395" r:id="rId9"/>
+    <p:sldId id="275" r:id="rId10"/>
+    <p:sldId id="286" r:id="rId11"/>
+    <p:sldId id="283" r:id="rId12"/>
+    <p:sldId id="397" r:id="rId13"/>
+    <p:sldId id="393" r:id="rId14"/>
+    <p:sldId id="287" r:id="rId15"/>
+    <p:sldId id="386" r:id="rId16"/>
+    <p:sldId id="289" r:id="rId17"/>
+    <p:sldId id="265" r:id="rId18"/>
+    <p:sldId id="388" r:id="rId19"/>
+    <p:sldId id="389" r:id="rId20"/>
+    <p:sldId id="390" r:id="rId21"/>
+    <p:sldId id="387" r:id="rId22"/>
+    <p:sldId id="288" r:id="rId23"/>
   </p:sldIdLst>
   <p:sldSz cx="12192000" cy="6858000"/>
   <p:notesSz cx="6997700" cy="9194800"/>
@@ -667,7 +672,7 @@
                 <a:latin typeface="Times New Roman"/>
                 <a:ea typeface="ＭＳ Ｐゴシック"/>
               </a:rPr>
-              <a:t>4</a:t>
+              <a:t>3</a:t>
             </a:fld>
             <a:endParaRPr lang="en-US" sz="2400" b="0" strike="noStrike" spc="-1">
               <a:solidFill>
@@ -723,7 +728,7 @@
     </p:spTree>
     <p:extLst>
       <p:ext uri="{BB962C8B-B14F-4D97-AF65-F5344CB8AC3E}">
-        <p14:creationId xmlns:p14="http://schemas.microsoft.com/office/powerpoint/2010/main" val="1952726915"/>
+        <p14:creationId xmlns:p14="http://schemas.microsoft.com/office/powerpoint/2010/main" val="1807331076"/>
       </p:ext>
     </p:extLst>
   </p:cSld>
@@ -791,7 +796,7 @@
                 <a:latin typeface="Times New Roman"/>
                 <a:ea typeface="ＭＳ Ｐゴシック"/>
               </a:rPr>
-              <a:t>9</a:t>
+              <a:t>7</a:t>
             </a:fld>
             <a:endParaRPr lang="en-US" sz="2400" b="0" strike="noStrike" spc="-1">
               <a:solidFill>
@@ -830,7 +835,7 @@
           <a:bodyPr lIns="92880" rIns="92880"/>
           <a:lstStyle/>
           <a:p>
-            <a:endParaRPr lang="en-US" sz="2000" b="0" strike="noStrike" spc="-1" dirty="0">
+            <a:endParaRPr lang="en-US" sz="2000" b="0" strike="noStrike" spc="-1">
               <a:solidFill>
                 <a:srgbClr val="000000"/>
               </a:solidFill>
@@ -847,7 +852,7 @@
     </p:spTree>
     <p:extLst>
       <p:ext uri="{BB962C8B-B14F-4D97-AF65-F5344CB8AC3E}">
-        <p14:creationId xmlns:p14="http://schemas.microsoft.com/office/powerpoint/2010/main" val="3805064127"/>
+        <p14:creationId xmlns:p14="http://schemas.microsoft.com/office/powerpoint/2010/main" val="2746556468"/>
       </p:ext>
     </p:extLst>
   </p:cSld>
@@ -876,67 +881,34 @@
       </p:grpSpPr>
       <p:sp>
         <p:nvSpPr>
-          <p:cNvPr id="2" name="Slide Image Placeholder 1"/>
-          <p:cNvSpPr>
-            <a:spLocks noGrp="1" noRot="1" noChangeAspect="1"/>
-          </p:cNvSpPr>
-          <p:nvPr>
-            <p:ph type="sldImg"/>
-          </p:nvPr>
+          <p:cNvPr id="189" name="TextShape 1"/>
+          <p:cNvSpPr txBox="1"/>
+          <p:nvPr/>
         </p:nvSpPr>
         <p:spPr>
           <a:xfrm>
-            <a:off x="739775" y="1149350"/>
-            <a:ext cx="5518150" cy="3103563"/>
+            <a:off x="3983040" y="8763120"/>
+            <a:ext cx="3038040" cy="409320"/>
           </a:xfrm>
           <a:prstGeom prst="rect">
             <a:avLst/>
           </a:prstGeom>
           <a:noFill/>
-          <a:ln w="12700">
-            <a:solidFill>
-              <a:prstClr val="black"/>
-            </a:solidFill>
+          <a:ln>
+            <a:noFill/>
           </a:ln>
         </p:spPr>
-      </p:sp>
-      <p:sp>
-        <p:nvSpPr>
-          <p:cNvPr id="3" name="Notes Placeholder 2"/>
-          <p:cNvSpPr>
-            <a:spLocks noGrp="1"/>
-          </p:cNvSpPr>
-          <p:nvPr>
-            <p:ph type="body" idx="1"/>
-          </p:nvPr>
-        </p:nvSpPr>
-        <p:spPr/>
         <p:txBody>
-          <a:bodyPr/>
+          <a:bodyPr lIns="17280" tIns="0" rIns="17280" bIns="0" anchor="b"/>
           <a:lstStyle/>
           <a:p>
-            <a:endParaRPr lang="en-US" dirty="0"/>
-          </a:p>
-        </p:txBody>
-      </p:sp>
-      <p:sp>
-        <p:nvSpPr>
-          <p:cNvPr id="4" name="Slide Number Placeholder 3"/>
-          <p:cNvSpPr>
-            <a:spLocks noGrp="1"/>
-          </p:cNvSpPr>
-          <p:nvPr>
-            <p:ph type="sldNum"/>
-          </p:nvPr>
-        </p:nvSpPr>
-        <p:spPr/>
-        <p:txBody>
-          <a:bodyPr/>
-          <a:lstStyle/>
-          <a:p>
-            <a:pPr algn="r"/>
-            <a:fld id="{1E6A0497-FA14-4881-862A-AC8598D64A92}" type="slidenum">
-              <a:rPr lang="en-US" sz="1400" b="0" strike="noStrike" spc="-1" smtClean="0">
+            <a:pPr>
+              <a:lnSpc>
+                <a:spcPct val="100000"/>
+              </a:lnSpc>
+            </a:pPr>
+            <a:fld id="{0DFD83B9-9663-45A3-A75D-FB9D87875DE1}" type="slidenum">
+              <a:rPr lang="en-US" sz="900" b="0" strike="noStrike" spc="-1">
                 <a:solidFill>
                   <a:srgbClr val="000000"/>
                 </a:solidFill>
@@ -946,10 +918,11 @@
                   </a:solidFill>
                 </a:uFill>
                 <a:latin typeface="Times New Roman"/>
+                <a:ea typeface="ＭＳ Ｐゴシック"/>
               </a:rPr>
               <a:t>10</a:t>
             </a:fld>
-            <a:endParaRPr lang="en-US" sz="1400" b="0" strike="noStrike" spc="-1">
+            <a:endParaRPr lang="en-US" sz="2400" b="0" strike="noStrike" spc="-1">
               <a:solidFill>
                 <a:srgbClr val="000000"/>
               </a:solidFill>
@@ -959,6 +932,43 @@
                 </a:solidFill>
               </a:uFill>
               <a:latin typeface="Times New Roman"/>
+            </a:endParaRPr>
+          </a:p>
+        </p:txBody>
+      </p:sp>
+      <p:sp>
+        <p:nvSpPr>
+          <p:cNvPr id="190" name="PlaceHolder 2"/>
+          <p:cNvSpPr>
+            <a:spLocks noGrp="1"/>
+          </p:cNvSpPr>
+          <p:nvPr>
+            <p:ph type="body"/>
+          </p:nvPr>
+        </p:nvSpPr>
+        <p:spPr>
+          <a:xfrm>
+            <a:off x="933480" y="4367160"/>
+            <a:ext cx="5130360" cy="4136760"/>
+          </a:xfrm>
+          <a:prstGeom prst="rect">
+            <a:avLst/>
+          </a:prstGeom>
+        </p:spPr>
+        <p:txBody>
+          <a:bodyPr lIns="92880" rIns="92880"/>
+          <a:lstStyle/>
+          <a:p>
+            <a:endParaRPr lang="en-US" sz="2000" b="0" strike="noStrike" spc="-1">
+              <a:solidFill>
+                <a:srgbClr val="000000"/>
+              </a:solidFill>
+              <a:uFill>
+                <a:solidFill>
+                  <a:srgbClr val="FFFFFF"/>
+                </a:solidFill>
+              </a:uFill>
+              <a:latin typeface="Arial"/>
             </a:endParaRPr>
           </a:p>
         </p:txBody>
@@ -966,7 +976,7 @@
     </p:spTree>
     <p:extLst>
       <p:ext uri="{BB962C8B-B14F-4D97-AF65-F5344CB8AC3E}">
-        <p14:creationId xmlns:p14="http://schemas.microsoft.com/office/powerpoint/2010/main" val="2493999789"/>
+        <p14:creationId xmlns:p14="http://schemas.microsoft.com/office/powerpoint/2010/main" val="798825777"/>
       </p:ext>
     </p:extLst>
   </p:cSld>
@@ -995,67 +1005,34 @@
       </p:grpSpPr>
       <p:sp>
         <p:nvSpPr>
-          <p:cNvPr id="2" name="Slide Image Placeholder 1"/>
-          <p:cNvSpPr>
-            <a:spLocks noGrp="1" noRot="1" noChangeAspect="1"/>
-          </p:cNvSpPr>
-          <p:nvPr>
-            <p:ph type="sldImg"/>
-          </p:nvPr>
+          <p:cNvPr id="189" name="TextShape 1"/>
+          <p:cNvSpPr txBox="1"/>
+          <p:nvPr/>
         </p:nvSpPr>
         <p:spPr>
           <a:xfrm>
-            <a:off x="739775" y="1149350"/>
-            <a:ext cx="5518150" cy="3103563"/>
+            <a:off x="3983040" y="8763120"/>
+            <a:ext cx="3038040" cy="409320"/>
           </a:xfrm>
           <a:prstGeom prst="rect">
             <a:avLst/>
           </a:prstGeom>
           <a:noFill/>
-          <a:ln w="12700">
-            <a:solidFill>
-              <a:prstClr val="black"/>
-            </a:solidFill>
+          <a:ln>
+            <a:noFill/>
           </a:ln>
         </p:spPr>
-      </p:sp>
-      <p:sp>
-        <p:nvSpPr>
-          <p:cNvPr id="3" name="Notes Placeholder 2"/>
-          <p:cNvSpPr>
-            <a:spLocks noGrp="1"/>
-          </p:cNvSpPr>
-          <p:nvPr>
-            <p:ph type="body" idx="1"/>
-          </p:nvPr>
-        </p:nvSpPr>
-        <p:spPr/>
         <p:txBody>
-          <a:bodyPr/>
+          <a:bodyPr lIns="17280" tIns="0" rIns="17280" bIns="0" anchor="b"/>
           <a:lstStyle/>
           <a:p>
-            <a:endParaRPr lang="en-US" dirty="0"/>
-          </a:p>
-        </p:txBody>
-      </p:sp>
-      <p:sp>
-        <p:nvSpPr>
-          <p:cNvPr id="4" name="Slide Number Placeholder 3"/>
-          <p:cNvSpPr>
-            <a:spLocks noGrp="1"/>
-          </p:cNvSpPr>
-          <p:nvPr>
-            <p:ph type="sldNum"/>
-          </p:nvPr>
-        </p:nvSpPr>
-        <p:spPr/>
-        <p:txBody>
-          <a:bodyPr/>
-          <a:lstStyle/>
-          <a:p>
-            <a:pPr algn="r"/>
-            <a:fld id="{1E6A0497-FA14-4881-862A-AC8598D64A92}" type="slidenum">
-              <a:rPr lang="en-US" sz="1400" b="0" strike="noStrike" spc="-1" smtClean="0">
+            <a:pPr>
+              <a:lnSpc>
+                <a:spcPct val="100000"/>
+              </a:lnSpc>
+            </a:pPr>
+            <a:fld id="{0DFD83B9-9663-45A3-A75D-FB9D87875DE1}" type="slidenum">
+              <a:rPr lang="en-US" sz="900" b="0" strike="noStrike" spc="-1">
                 <a:solidFill>
                   <a:srgbClr val="000000"/>
                 </a:solidFill>
@@ -1065,10 +1042,11 @@
                   </a:solidFill>
                 </a:uFill>
                 <a:latin typeface="Times New Roman"/>
-              </a:rPr>
-              <a:t>12</a:t>
+                <a:ea typeface="ＭＳ Ｐゴシック"/>
+              </a:rPr>
+              <a:t>14</a:t>
             </a:fld>
-            <a:endParaRPr lang="en-US" sz="1400" b="0" strike="noStrike" spc="-1">
+            <a:endParaRPr lang="en-US" sz="2400" b="0" strike="noStrike" spc="-1">
               <a:solidFill>
                 <a:srgbClr val="000000"/>
               </a:solidFill>
@@ -1078,6 +1056,43 @@
                 </a:solidFill>
               </a:uFill>
               <a:latin typeface="Times New Roman"/>
+            </a:endParaRPr>
+          </a:p>
+        </p:txBody>
+      </p:sp>
+      <p:sp>
+        <p:nvSpPr>
+          <p:cNvPr id="190" name="PlaceHolder 2"/>
+          <p:cNvSpPr>
+            <a:spLocks noGrp="1"/>
+          </p:cNvSpPr>
+          <p:nvPr>
+            <p:ph type="body"/>
+          </p:nvPr>
+        </p:nvSpPr>
+        <p:spPr>
+          <a:xfrm>
+            <a:off x="933480" y="4367160"/>
+            <a:ext cx="5130360" cy="4136760"/>
+          </a:xfrm>
+          <a:prstGeom prst="rect">
+            <a:avLst/>
+          </a:prstGeom>
+        </p:spPr>
+        <p:txBody>
+          <a:bodyPr lIns="92880" rIns="92880"/>
+          <a:lstStyle/>
+          <a:p>
+            <a:endParaRPr lang="en-US" sz="2000" b="0" strike="noStrike" spc="-1" dirty="0">
+              <a:solidFill>
+                <a:srgbClr val="000000"/>
+              </a:solidFill>
+              <a:uFill>
+                <a:solidFill>
+                  <a:srgbClr val="FFFFFF"/>
+                </a:solidFill>
+              </a:uFill>
+              <a:latin typeface="Arial"/>
             </a:endParaRPr>
           </a:p>
         </p:txBody>
@@ -1085,7 +1100,7 @@
     </p:spTree>
     <p:extLst>
       <p:ext uri="{BB962C8B-B14F-4D97-AF65-F5344CB8AC3E}">
-        <p14:creationId xmlns:p14="http://schemas.microsoft.com/office/powerpoint/2010/main" val="1353438682"/>
+        <p14:creationId xmlns:p14="http://schemas.microsoft.com/office/powerpoint/2010/main" val="3805064127"/>
       </p:ext>
     </p:extLst>
   </p:cSld>
@@ -1185,7 +1200,7 @@
                 </a:uFill>
                 <a:latin typeface="Times New Roman"/>
               </a:rPr>
-              <a:t>16</a:t>
+              <a:t>15</a:t>
             </a:fld>
             <a:endParaRPr lang="en-US" sz="1400" b="0" strike="noStrike" spc="-1">
               <a:solidFill>
@@ -1204,7 +1219,7 @@
     </p:spTree>
     <p:extLst>
       <p:ext uri="{BB962C8B-B14F-4D97-AF65-F5344CB8AC3E}">
-        <p14:creationId xmlns:p14="http://schemas.microsoft.com/office/powerpoint/2010/main" val="4284761204"/>
+        <p14:creationId xmlns:p14="http://schemas.microsoft.com/office/powerpoint/2010/main" val="2493999789"/>
       </p:ext>
     </p:extLst>
   </p:cSld>
@@ -1272,7 +1287,7 @@
           <a:bodyPr/>
           <a:lstStyle/>
           <a:p>
-            <a:endParaRPr lang="en-US"/>
+            <a:endParaRPr lang="en-US" dirty="0"/>
           </a:p>
         </p:txBody>
       </p:sp>
@@ -1305,6 +1320,244 @@
                 <a:latin typeface="Times New Roman"/>
               </a:rPr>
               <a:t>17</a:t>
+            </a:fld>
+            <a:endParaRPr lang="en-US" sz="1400" b="0" strike="noStrike" spc="-1">
+              <a:solidFill>
+                <a:srgbClr val="000000"/>
+              </a:solidFill>
+              <a:uFill>
+                <a:solidFill>
+                  <a:srgbClr val="FFFFFF"/>
+                </a:solidFill>
+              </a:uFill>
+              <a:latin typeface="Times New Roman"/>
+            </a:endParaRPr>
+          </a:p>
+        </p:txBody>
+      </p:sp>
+    </p:spTree>
+    <p:extLst>
+      <p:ext uri="{BB962C8B-B14F-4D97-AF65-F5344CB8AC3E}">
+        <p14:creationId xmlns:p14="http://schemas.microsoft.com/office/powerpoint/2010/main" val="1353438682"/>
+      </p:ext>
+    </p:extLst>
+  </p:cSld>
+  <p:clrMapOvr>
+    <a:masterClrMapping/>
+  </p:clrMapOvr>
+</p:notes>
+</file>
+
+<file path=ppt/notesSlides/notesSlide8.xml><?xml version="1.0" encoding="utf-8"?>
+<p:notes xmlns:a="http://schemas.openxmlformats.org/drawingml/2006/main" xmlns:r="http://schemas.openxmlformats.org/officeDocument/2006/relationships" xmlns:p="http://schemas.openxmlformats.org/presentationml/2006/main">
+  <p:cSld>
+    <p:spTree>
+      <p:nvGrpSpPr>
+        <p:cNvPr id="1" name=""/>
+        <p:cNvGrpSpPr/>
+        <p:nvPr/>
+      </p:nvGrpSpPr>
+      <p:grpSpPr>
+        <a:xfrm>
+          <a:off x="0" y="0"/>
+          <a:ext cx="0" cy="0"/>
+          <a:chOff x="0" y="0"/>
+          <a:chExt cx="0" cy="0"/>
+        </a:xfrm>
+      </p:grpSpPr>
+      <p:sp>
+        <p:nvSpPr>
+          <p:cNvPr id="2" name="Slide Image Placeholder 1"/>
+          <p:cNvSpPr>
+            <a:spLocks noGrp="1" noRot="1" noChangeAspect="1"/>
+          </p:cNvSpPr>
+          <p:nvPr>
+            <p:ph type="sldImg"/>
+          </p:nvPr>
+        </p:nvSpPr>
+        <p:spPr>
+          <a:xfrm>
+            <a:off x="739775" y="1149350"/>
+            <a:ext cx="5518150" cy="3103563"/>
+          </a:xfrm>
+          <a:prstGeom prst="rect">
+            <a:avLst/>
+          </a:prstGeom>
+          <a:noFill/>
+          <a:ln w="12700">
+            <a:solidFill>
+              <a:prstClr val="black"/>
+            </a:solidFill>
+          </a:ln>
+        </p:spPr>
+      </p:sp>
+      <p:sp>
+        <p:nvSpPr>
+          <p:cNvPr id="3" name="Notes Placeholder 2"/>
+          <p:cNvSpPr>
+            <a:spLocks noGrp="1"/>
+          </p:cNvSpPr>
+          <p:nvPr>
+            <p:ph type="body" idx="1"/>
+          </p:nvPr>
+        </p:nvSpPr>
+        <p:spPr/>
+        <p:txBody>
+          <a:bodyPr/>
+          <a:lstStyle/>
+          <a:p>
+            <a:endParaRPr lang="en-US" dirty="0"/>
+          </a:p>
+        </p:txBody>
+      </p:sp>
+      <p:sp>
+        <p:nvSpPr>
+          <p:cNvPr id="4" name="Slide Number Placeholder 3"/>
+          <p:cNvSpPr>
+            <a:spLocks noGrp="1"/>
+          </p:cNvSpPr>
+          <p:nvPr>
+            <p:ph type="sldNum"/>
+          </p:nvPr>
+        </p:nvSpPr>
+        <p:spPr/>
+        <p:txBody>
+          <a:bodyPr/>
+          <a:lstStyle/>
+          <a:p>
+            <a:pPr algn="r"/>
+            <a:fld id="{1E6A0497-FA14-4881-862A-AC8598D64A92}" type="slidenum">
+              <a:rPr lang="en-US" sz="1400" b="0" strike="noStrike" spc="-1" smtClean="0">
+                <a:solidFill>
+                  <a:srgbClr val="000000"/>
+                </a:solidFill>
+                <a:uFill>
+                  <a:solidFill>
+                    <a:srgbClr val="FFFFFF"/>
+                  </a:solidFill>
+                </a:uFill>
+                <a:latin typeface="Times New Roman"/>
+              </a:rPr>
+              <a:t>21</a:t>
+            </a:fld>
+            <a:endParaRPr lang="en-US" sz="1400" b="0" strike="noStrike" spc="-1">
+              <a:solidFill>
+                <a:srgbClr val="000000"/>
+              </a:solidFill>
+              <a:uFill>
+                <a:solidFill>
+                  <a:srgbClr val="FFFFFF"/>
+                </a:solidFill>
+              </a:uFill>
+              <a:latin typeface="Times New Roman"/>
+            </a:endParaRPr>
+          </a:p>
+        </p:txBody>
+      </p:sp>
+    </p:spTree>
+    <p:extLst>
+      <p:ext uri="{BB962C8B-B14F-4D97-AF65-F5344CB8AC3E}">
+        <p14:creationId xmlns:p14="http://schemas.microsoft.com/office/powerpoint/2010/main" val="4284761204"/>
+      </p:ext>
+    </p:extLst>
+  </p:cSld>
+  <p:clrMapOvr>
+    <a:masterClrMapping/>
+  </p:clrMapOvr>
+</p:notes>
+</file>
+
+<file path=ppt/notesSlides/notesSlide9.xml><?xml version="1.0" encoding="utf-8"?>
+<p:notes xmlns:a="http://schemas.openxmlformats.org/drawingml/2006/main" xmlns:r="http://schemas.openxmlformats.org/officeDocument/2006/relationships" xmlns:p="http://schemas.openxmlformats.org/presentationml/2006/main">
+  <p:cSld>
+    <p:spTree>
+      <p:nvGrpSpPr>
+        <p:cNvPr id="1" name=""/>
+        <p:cNvGrpSpPr/>
+        <p:nvPr/>
+      </p:nvGrpSpPr>
+      <p:grpSpPr>
+        <a:xfrm>
+          <a:off x="0" y="0"/>
+          <a:ext cx="0" cy="0"/>
+          <a:chOff x="0" y="0"/>
+          <a:chExt cx="0" cy="0"/>
+        </a:xfrm>
+      </p:grpSpPr>
+      <p:sp>
+        <p:nvSpPr>
+          <p:cNvPr id="2" name="Slide Image Placeholder 1"/>
+          <p:cNvSpPr>
+            <a:spLocks noGrp="1" noRot="1" noChangeAspect="1"/>
+          </p:cNvSpPr>
+          <p:nvPr>
+            <p:ph type="sldImg"/>
+          </p:nvPr>
+        </p:nvSpPr>
+        <p:spPr>
+          <a:xfrm>
+            <a:off x="739775" y="1149350"/>
+            <a:ext cx="5518150" cy="3103563"/>
+          </a:xfrm>
+          <a:prstGeom prst="rect">
+            <a:avLst/>
+          </a:prstGeom>
+          <a:noFill/>
+          <a:ln w="12700">
+            <a:solidFill>
+              <a:prstClr val="black"/>
+            </a:solidFill>
+          </a:ln>
+        </p:spPr>
+      </p:sp>
+      <p:sp>
+        <p:nvSpPr>
+          <p:cNvPr id="3" name="Notes Placeholder 2"/>
+          <p:cNvSpPr>
+            <a:spLocks noGrp="1"/>
+          </p:cNvSpPr>
+          <p:nvPr>
+            <p:ph type="body" idx="1"/>
+          </p:nvPr>
+        </p:nvSpPr>
+        <p:spPr/>
+        <p:txBody>
+          <a:bodyPr/>
+          <a:lstStyle/>
+          <a:p>
+            <a:endParaRPr lang="en-US"/>
+          </a:p>
+        </p:txBody>
+      </p:sp>
+      <p:sp>
+        <p:nvSpPr>
+          <p:cNvPr id="4" name="Slide Number Placeholder 3"/>
+          <p:cNvSpPr>
+            <a:spLocks noGrp="1"/>
+          </p:cNvSpPr>
+          <p:nvPr>
+            <p:ph type="sldNum"/>
+          </p:nvPr>
+        </p:nvSpPr>
+        <p:spPr/>
+        <p:txBody>
+          <a:bodyPr/>
+          <a:lstStyle/>
+          <a:p>
+            <a:pPr algn="r"/>
+            <a:fld id="{1E6A0497-FA14-4881-862A-AC8598D64A92}" type="slidenum">
+              <a:rPr lang="en-US" sz="1400" b="0" strike="noStrike" spc="-1" smtClean="0">
+                <a:solidFill>
+                  <a:srgbClr val="000000"/>
+                </a:solidFill>
+                <a:uFill>
+                  <a:solidFill>
+                    <a:srgbClr val="FFFFFF"/>
+                  </a:solidFill>
+                </a:uFill>
+                <a:latin typeface="Times New Roman"/>
+              </a:rPr>
+              <a:t>22</a:t>
             </a:fld>
             <a:endParaRPr lang="en-US" sz="1400" b="0" strike="noStrike" spc="-1">
               <a:solidFill>
@@ -5442,7 +5695,7 @@
           <a:p>
             <a:r>
               <a:rPr lang="en-US" dirty="0"/>
-              <a:t>Week 4: HOFs &amp; Environment Diagrams</a:t>
+              <a:t>HOFs &amp; Environment Diagrams</a:t>
             </a:r>
           </a:p>
         </p:txBody>
@@ -5547,7 +5800,1519 @@
 </file>
 
 <file path=ppt/slides/slide10.xml><?xml version="1.0" encoding="utf-8"?>
-<p:sld xmlns:a="http://schemas.openxmlformats.org/drawingml/2006/main" xmlns:r="http://schemas.openxmlformats.org/officeDocument/2006/relationships" xmlns:p="http://schemas.openxmlformats.org/presentationml/2006/main" show="0">
+<p:sld xmlns:a="http://schemas.openxmlformats.org/drawingml/2006/main" xmlns:r="http://schemas.openxmlformats.org/officeDocument/2006/relationships" xmlns:p="http://schemas.openxmlformats.org/presentationml/2006/main">
+  <p:cSld>
+    <p:spTree>
+      <p:nvGrpSpPr>
+        <p:cNvPr id="1" name=""/>
+        <p:cNvGrpSpPr/>
+        <p:nvPr/>
+      </p:nvGrpSpPr>
+      <p:grpSpPr>
+        <a:xfrm>
+          <a:off x="0" y="0"/>
+          <a:ext cx="0" cy="0"/>
+          <a:chOff x="0" y="0"/>
+          <a:chExt cx="0" cy="0"/>
+        </a:xfrm>
+      </p:grpSpPr>
+      <p:sp>
+        <p:nvSpPr>
+          <p:cNvPr id="2" name="Title 1">
+            <a:extLst>
+              <a:ext uri="{FF2B5EF4-FFF2-40B4-BE49-F238E27FC236}">
+                <a16:creationId xmlns:a16="http://schemas.microsoft.com/office/drawing/2014/main" id="{D2340843-39A8-4E4A-A923-FEDC64A7AE32}"/>
+              </a:ext>
+            </a:extLst>
+          </p:cNvPr>
+          <p:cNvSpPr>
+            <a:spLocks noGrp="1"/>
+          </p:cNvSpPr>
+          <p:nvPr>
+            <p:ph type="ctrTitle"/>
+          </p:nvPr>
+        </p:nvSpPr>
+        <p:spPr/>
+        <p:txBody>
+          <a:bodyPr/>
+          <a:lstStyle/>
+          <a:p>
+            <a:r>
+              <a:rPr lang="en-US" dirty="0"/>
+              <a:t>Lists &amp; Higher Order Functions</a:t>
+            </a:r>
+            <a:br>
+              <a:rPr lang="en-US" dirty="0"/>
+            </a:br>
+            <a:r>
+              <a:rPr lang="en-US" dirty="0"/>
+              <a:t>Acronym</a:t>
+            </a:r>
+          </a:p>
+        </p:txBody>
+      </p:sp>
+    </p:spTree>
+    <p:extLst>
+      <p:ext uri="{BB962C8B-B14F-4D97-AF65-F5344CB8AC3E}">
+        <p14:creationId xmlns:p14="http://schemas.microsoft.com/office/powerpoint/2010/main" val="583503879"/>
+      </p:ext>
+    </p:extLst>
+  </p:cSld>
+  <p:clrMapOvr>
+    <a:masterClrMapping/>
+  </p:clrMapOvr>
+  <p:timing>
+    <p:tnLst>
+      <p:par>
+        <p:cTn id="1" dur="indefinite" restart="never" nodeType="tmRoot">
+          <p:childTnLst>
+            <p:seq>
+              <p:cTn id="2" nodeType="mainSeq"/>
+              <p:prevCondLst>
+                <p:cond evt="onPrev" delay="0">
+                  <p:tgtEl>
+                    <p:sldTgt/>
+                  </p:tgtEl>
+                </p:cond>
+              </p:prevCondLst>
+              <p:nextCondLst>
+                <p:cond evt="onNext" delay="0">
+                  <p:tgtEl>
+                    <p:sldTgt/>
+                  </p:tgtEl>
+                </p:cond>
+              </p:nextCondLst>
+            </p:seq>
+          </p:childTnLst>
+        </p:cTn>
+      </p:par>
+    </p:tnLst>
+  </p:timing>
+</p:sld>
+</file>
+
+<file path=ppt/slides/slide11.xml><?xml version="1.0" encoding="utf-8"?>
+<p:sld xmlns:a="http://schemas.openxmlformats.org/drawingml/2006/main" xmlns:r="http://schemas.openxmlformats.org/officeDocument/2006/relationships" xmlns:p="http://schemas.openxmlformats.org/presentationml/2006/main">
+  <p:cSld>
+    <p:spTree>
+      <p:nvGrpSpPr>
+        <p:cNvPr id="1" name=""/>
+        <p:cNvGrpSpPr/>
+        <p:nvPr/>
+      </p:nvGrpSpPr>
+      <p:grpSpPr>
+        <a:xfrm>
+          <a:off x="0" y="0"/>
+          <a:ext cx="0" cy="0"/>
+          <a:chOff x="0" y="0"/>
+          <a:chExt cx="0" cy="0"/>
+        </a:xfrm>
+      </p:grpSpPr>
+      <p:sp>
+        <p:nvSpPr>
+          <p:cNvPr id="2" name="Title 1">
+            <a:extLst>
+              <a:ext uri="{FF2B5EF4-FFF2-40B4-BE49-F238E27FC236}">
+                <a16:creationId xmlns:a16="http://schemas.microsoft.com/office/drawing/2014/main" id="{D78DEC67-149D-7747-87F3-D940F8EF2C93}"/>
+              </a:ext>
+            </a:extLst>
+          </p:cNvPr>
+          <p:cNvSpPr>
+            <a:spLocks noGrp="1"/>
+          </p:cNvSpPr>
+          <p:nvPr>
+            <p:ph type="title"/>
+          </p:nvPr>
+        </p:nvSpPr>
+        <p:spPr/>
+        <p:txBody>
+          <a:bodyPr/>
+          <a:lstStyle/>
+          <a:p>
+            <a:r>
+              <a:rPr lang="en-US" dirty="0"/>
+              <a:t>Today’s Task: Acronym</a:t>
+            </a:r>
+          </a:p>
+        </p:txBody>
+      </p:sp>
+      <p:sp>
+        <p:nvSpPr>
+          <p:cNvPr id="4" name="Slide Number Placeholder 3">
+            <a:extLst>
+              <a:ext uri="{FF2B5EF4-FFF2-40B4-BE49-F238E27FC236}">
+                <a16:creationId xmlns:a16="http://schemas.microsoft.com/office/drawing/2014/main" id="{E6BB111F-7444-EB43-BDCE-E385A40E259A}"/>
+              </a:ext>
+            </a:extLst>
+          </p:cNvPr>
+          <p:cNvSpPr>
+            <a:spLocks noGrp="1"/>
+          </p:cNvSpPr>
+          <p:nvPr>
+            <p:ph type="sldNum" sz="quarter" idx="12"/>
+          </p:nvPr>
+        </p:nvSpPr>
+        <p:spPr/>
+        <p:txBody>
+          <a:bodyPr/>
+          <a:lstStyle/>
+          <a:p>
+            <a:pPr>
+              <a:defRPr/>
+            </a:pPr>
+            <a:fld id="{ACA94121-BA6C-AD43-82C2-DF1F24FE5D9C}" type="slidenum">
+              <a:rPr lang="en-US" smtClean="0"/>
+              <a:pPr>
+                <a:defRPr/>
+              </a:pPr>
+              <a:t>11</a:t>
+            </a:fld>
+            <a:endParaRPr lang="en-US" b="0"/>
+          </a:p>
+        </p:txBody>
+      </p:sp>
+      <p:sp>
+        <p:nvSpPr>
+          <p:cNvPr id="5" name="Rectangle 4">
+            <a:extLst>
+              <a:ext uri="{FF2B5EF4-FFF2-40B4-BE49-F238E27FC236}">
+                <a16:creationId xmlns:a16="http://schemas.microsoft.com/office/drawing/2014/main" id="{F4E01054-B4B8-BC41-8667-60CEB7A01846}"/>
+              </a:ext>
+            </a:extLst>
+          </p:cNvPr>
+          <p:cNvSpPr/>
+          <p:nvPr/>
+        </p:nvSpPr>
+        <p:spPr>
+          <a:xfrm>
+            <a:off x="533400" y="1081668"/>
+            <a:ext cx="8610600" cy="2031325"/>
+          </a:xfrm>
+          <a:prstGeom prst="rect">
+            <a:avLst/>
+          </a:prstGeom>
+        </p:spPr>
+        <p:txBody>
+          <a:bodyPr wrap="square">
+            <a:spAutoFit/>
+          </a:bodyPr>
+          <a:lstStyle/>
+          <a:p>
+            <a:pPr>
+              <a:lnSpc>
+                <a:spcPct val="100000"/>
+              </a:lnSpc>
+            </a:pPr>
+            <a:endParaRPr lang="en-US" spc="-1" dirty="0">
+              <a:solidFill>
+                <a:srgbClr val="000000"/>
+              </a:solidFill>
+              <a:uFill>
+                <a:solidFill>
+                  <a:srgbClr val="FFFFFF"/>
+                </a:solidFill>
+              </a:uFill>
+              <a:latin typeface="Source Code Pro" panose="020B0509030403020204" pitchFamily="49" charset="77"/>
+            </a:endParaRPr>
+          </a:p>
+          <a:p>
+            <a:pPr>
+              <a:lnSpc>
+                <a:spcPct val="100000"/>
+              </a:lnSpc>
+            </a:pPr>
+            <a:r>
+              <a:rPr lang="en-US" spc="-1" dirty="0">
+                <a:solidFill>
+                  <a:srgbClr val="000000"/>
+                </a:solidFill>
+                <a:uFill>
+                  <a:solidFill>
+                    <a:srgbClr val="FFFFFF"/>
+                  </a:solidFill>
+                </a:uFill>
+                <a:latin typeface="Source Code Pro" panose="020B0509030403020204" pitchFamily="49" charset="77"/>
+              </a:rPr>
+              <a:t>Input: "The University of California at Berkeley"</a:t>
+            </a:r>
+          </a:p>
+          <a:p>
+            <a:pPr>
+              <a:lnSpc>
+                <a:spcPct val="100000"/>
+              </a:lnSpc>
+            </a:pPr>
+            <a:endParaRPr lang="en-US" spc="-1" dirty="0">
+              <a:solidFill>
+                <a:srgbClr val="000000"/>
+              </a:solidFill>
+              <a:uFill>
+                <a:solidFill>
+                  <a:srgbClr val="FFFFFF"/>
+                </a:solidFill>
+              </a:uFill>
+              <a:latin typeface="Source Code Pro" panose="020B0509030403020204" pitchFamily="49" charset="77"/>
+            </a:endParaRPr>
+          </a:p>
+          <a:p>
+            <a:pPr>
+              <a:lnSpc>
+                <a:spcPct val="100000"/>
+              </a:lnSpc>
+            </a:pPr>
+            <a:r>
+              <a:rPr lang="en-US" spc="-1" dirty="0">
+                <a:solidFill>
+                  <a:srgbClr val="000000"/>
+                </a:solidFill>
+                <a:uFill>
+                  <a:solidFill>
+                    <a:srgbClr val="FFFFFF"/>
+                  </a:solidFill>
+                </a:uFill>
+                <a:latin typeface="Source Code Pro" panose="020B0509030403020204" pitchFamily="49" charset="77"/>
+              </a:rPr>
+              <a:t>Output: "UCB"</a:t>
+            </a:r>
+          </a:p>
+          <a:p>
+            <a:pPr>
+              <a:lnSpc>
+                <a:spcPct val="100000"/>
+              </a:lnSpc>
+            </a:pPr>
+            <a:endParaRPr lang="en-US" spc="-1" dirty="0">
+              <a:solidFill>
+                <a:srgbClr val="000000"/>
+              </a:solidFill>
+              <a:uFill>
+                <a:solidFill>
+                  <a:srgbClr val="FFFFFF"/>
+                </a:solidFill>
+              </a:uFill>
+              <a:latin typeface="Source Code Pro" panose="020B0509030403020204" pitchFamily="49" charset="77"/>
+            </a:endParaRPr>
+          </a:p>
+          <a:p>
+            <a:pPr>
+              <a:lnSpc>
+                <a:spcPct val="100000"/>
+              </a:lnSpc>
+            </a:pPr>
+            <a:r>
+              <a:rPr lang="en-US" spc="-1" dirty="0">
+                <a:solidFill>
+                  <a:srgbClr val="000000"/>
+                </a:solidFill>
+                <a:uFill>
+                  <a:solidFill>
+                    <a:srgbClr val="FFFFFF"/>
+                  </a:solidFill>
+                </a:uFill>
+                <a:latin typeface="Source Code Pro" panose="020B0509030403020204" pitchFamily="49" charset="77"/>
+              </a:rPr>
+              <a:t>def acronym(sentence):</a:t>
+            </a:r>
+          </a:p>
+          <a:p>
+            <a:pPr>
+              <a:lnSpc>
+                <a:spcPct val="100000"/>
+              </a:lnSpc>
+            </a:pPr>
+            <a:r>
+              <a:rPr lang="en-US" spc="-1" dirty="0">
+                <a:solidFill>
+                  <a:srgbClr val="000000"/>
+                </a:solidFill>
+                <a:uFill>
+                  <a:solidFill>
+                    <a:srgbClr val="FFFFFF"/>
+                  </a:solidFill>
+                </a:uFill>
+                <a:latin typeface="Source Code Pro" panose="020B0509030403020204" pitchFamily="49" charset="77"/>
+              </a:rPr>
+              <a:t>	"""YOUR CODE HERE"""</a:t>
+            </a:r>
+          </a:p>
+        </p:txBody>
+      </p:sp>
+      <p:sp>
+        <p:nvSpPr>
+          <p:cNvPr id="7" name="TextShape 11">
+            <a:extLst>
+              <a:ext uri="{FF2B5EF4-FFF2-40B4-BE49-F238E27FC236}">
+                <a16:creationId xmlns:a16="http://schemas.microsoft.com/office/drawing/2014/main" id="{55609106-671F-E84E-8744-3B2453668F27}"/>
+              </a:ext>
+            </a:extLst>
+          </p:cNvPr>
+          <p:cNvSpPr txBox="1"/>
+          <p:nvPr/>
+        </p:nvSpPr>
+        <p:spPr>
+          <a:xfrm>
+            <a:off x="2281080" y="5012456"/>
+            <a:ext cx="7171560" cy="602280"/>
+          </a:xfrm>
+          <a:prstGeom prst="rect">
+            <a:avLst/>
+          </a:prstGeom>
+          <a:noFill/>
+          <a:ln>
+            <a:noFill/>
+          </a:ln>
+        </p:spPr>
+        <p:txBody>
+          <a:bodyPr lIns="90000" tIns="45000" rIns="90000" bIns="45000"/>
+          <a:lstStyle/>
+          <a:p>
+            <a:r>
+              <a:rPr lang="en-US" spc="-1" dirty="0">
+                <a:solidFill>
+                  <a:srgbClr val="000000"/>
+                </a:solidFill>
+                <a:uFill>
+                  <a:solidFill>
+                    <a:srgbClr val="FFFFFF"/>
+                  </a:solidFill>
+                </a:uFill>
+                <a:latin typeface="Arial"/>
+              </a:rPr>
+              <a:t>P.S. Pedantry alert: This is really an </a:t>
+            </a:r>
+            <a:r>
+              <a:rPr lang="en-US" i="1" spc="-1" dirty="0">
+                <a:solidFill>
+                  <a:srgbClr val="000000"/>
+                </a:solidFill>
+                <a:uFill>
+                  <a:solidFill>
+                    <a:srgbClr val="FFFFFF"/>
+                  </a:solidFill>
+                </a:uFill>
+                <a:latin typeface="Arial"/>
+              </a:rPr>
+              <a:t>initialism</a:t>
+            </a:r>
+            <a:r>
+              <a:rPr lang="en-US" spc="-1" dirty="0">
+                <a:solidFill>
+                  <a:srgbClr val="000000"/>
+                </a:solidFill>
+                <a:uFill>
+                  <a:solidFill>
+                    <a:srgbClr val="FFFFFF"/>
+                  </a:solidFill>
+                </a:uFill>
+                <a:latin typeface="Arial"/>
+              </a:rPr>
+              <a:t> but that's rather annoying to say and type. </a:t>
+            </a:r>
+            <a:r>
+              <a:rPr lang="en-US" spc="-1" dirty="0">
+                <a:solidFill>
+                  <a:srgbClr val="000000"/>
+                </a:solidFill>
+                <a:uFill>
+                  <a:solidFill>
+                    <a:srgbClr val="FFFFFF"/>
+                  </a:solidFill>
+                </a:uFill>
+                <a:latin typeface="Arial"/>
+                <a:sym typeface="Wingdings" pitchFamily="2" charset="2"/>
+              </a:rPr>
+              <a:t> (However, the code we write is the same, the difference is in how you pronounce the result.) The more you know!</a:t>
+            </a:r>
+            <a:endParaRPr lang="en-US" spc="-1" dirty="0">
+              <a:solidFill>
+                <a:srgbClr val="000000"/>
+              </a:solidFill>
+              <a:uFill>
+                <a:solidFill>
+                  <a:srgbClr val="FFFFFF"/>
+                </a:solidFill>
+              </a:uFill>
+              <a:latin typeface="Arial"/>
+            </a:endParaRPr>
+          </a:p>
+        </p:txBody>
+      </p:sp>
+    </p:spTree>
+    <p:extLst>
+      <p:ext uri="{BB962C8B-B14F-4D97-AF65-F5344CB8AC3E}">
+        <p14:creationId xmlns:p14="http://schemas.microsoft.com/office/powerpoint/2010/main" val="758197119"/>
+      </p:ext>
+    </p:extLst>
+  </p:cSld>
+  <p:clrMapOvr>
+    <a:masterClrMapping/>
+  </p:clrMapOvr>
+</p:sld>
+</file>
+
+<file path=ppt/slides/slide12.xml><?xml version="1.0" encoding="utf-8"?>
+<p:sld xmlns:a="http://schemas.openxmlformats.org/drawingml/2006/main" xmlns:r="http://schemas.openxmlformats.org/officeDocument/2006/relationships" xmlns:p="http://schemas.openxmlformats.org/presentationml/2006/main">
+  <p:cSld>
+    <p:spTree>
+      <p:nvGrpSpPr>
+        <p:cNvPr id="1" name=""/>
+        <p:cNvGrpSpPr/>
+        <p:nvPr/>
+      </p:nvGrpSpPr>
+      <p:grpSpPr>
+        <a:xfrm>
+          <a:off x="0" y="0"/>
+          <a:ext cx="0" cy="0"/>
+          <a:chOff x="0" y="0"/>
+          <a:chExt cx="0" cy="0"/>
+        </a:xfrm>
+      </p:grpSpPr>
+      <p:sp>
+        <p:nvSpPr>
+          <p:cNvPr id="2" name="Title 1">
+            <a:extLst>
+              <a:ext uri="{FF2B5EF4-FFF2-40B4-BE49-F238E27FC236}">
+                <a16:creationId xmlns:a16="http://schemas.microsoft.com/office/drawing/2014/main" id="{D78DEC67-149D-7747-87F3-D940F8EF2C93}"/>
+              </a:ext>
+            </a:extLst>
+          </p:cNvPr>
+          <p:cNvSpPr>
+            <a:spLocks noGrp="1"/>
+          </p:cNvSpPr>
+          <p:nvPr>
+            <p:ph type="title"/>
+          </p:nvPr>
+        </p:nvSpPr>
+        <p:spPr/>
+        <p:txBody>
+          <a:bodyPr/>
+          <a:lstStyle/>
+          <a:p>
+            <a:r>
+              <a:rPr lang="en-US" dirty="0"/>
+              <a:t>Today’s Task: Acronym</a:t>
+            </a:r>
+          </a:p>
+        </p:txBody>
+      </p:sp>
+      <p:sp>
+        <p:nvSpPr>
+          <p:cNvPr id="4" name="Slide Number Placeholder 3">
+            <a:extLst>
+              <a:ext uri="{FF2B5EF4-FFF2-40B4-BE49-F238E27FC236}">
+                <a16:creationId xmlns:a16="http://schemas.microsoft.com/office/drawing/2014/main" id="{E6BB111F-7444-EB43-BDCE-E385A40E259A}"/>
+              </a:ext>
+            </a:extLst>
+          </p:cNvPr>
+          <p:cNvSpPr>
+            <a:spLocks noGrp="1"/>
+          </p:cNvSpPr>
+          <p:nvPr>
+            <p:ph type="sldNum" sz="quarter" idx="12"/>
+          </p:nvPr>
+        </p:nvSpPr>
+        <p:spPr/>
+        <p:txBody>
+          <a:bodyPr/>
+          <a:lstStyle/>
+          <a:p>
+            <a:pPr>
+              <a:defRPr/>
+            </a:pPr>
+            <a:fld id="{ACA94121-BA6C-AD43-82C2-DF1F24FE5D9C}" type="slidenum">
+              <a:rPr lang="en-US" smtClean="0"/>
+              <a:pPr>
+                <a:defRPr/>
+              </a:pPr>
+              <a:t>12</a:t>
+            </a:fld>
+            <a:endParaRPr lang="en-US" b="0"/>
+          </a:p>
+        </p:txBody>
+      </p:sp>
+      <p:sp>
+        <p:nvSpPr>
+          <p:cNvPr id="5" name="Rectangle 4">
+            <a:extLst>
+              <a:ext uri="{FF2B5EF4-FFF2-40B4-BE49-F238E27FC236}">
+                <a16:creationId xmlns:a16="http://schemas.microsoft.com/office/drawing/2014/main" id="{F4E01054-B4B8-BC41-8667-60CEB7A01846}"/>
+              </a:ext>
+            </a:extLst>
+          </p:cNvPr>
+          <p:cNvSpPr/>
+          <p:nvPr/>
+        </p:nvSpPr>
+        <p:spPr>
+          <a:xfrm>
+            <a:off x="533399" y="1081668"/>
+            <a:ext cx="10372493" cy="2308324"/>
+          </a:xfrm>
+          <a:prstGeom prst="rect">
+            <a:avLst/>
+          </a:prstGeom>
+        </p:spPr>
+        <p:txBody>
+          <a:bodyPr wrap="square">
+            <a:spAutoFit/>
+          </a:bodyPr>
+          <a:lstStyle/>
+          <a:p>
+            <a:pPr>
+              <a:lnSpc>
+                <a:spcPct val="100000"/>
+              </a:lnSpc>
+            </a:pPr>
+            <a:r>
+              <a:rPr lang="en-US" spc="-1" dirty="0">
+                <a:solidFill>
+                  <a:srgbClr val="000000"/>
+                </a:solidFill>
+                <a:uFill>
+                  <a:solidFill>
+                    <a:srgbClr val="FFFFFF"/>
+                  </a:solidFill>
+                </a:uFill>
+                <a:latin typeface="Source Code Pro" panose="020B0509030403020204" pitchFamily="49" charset="77"/>
+              </a:rPr>
+              <a:t>def acronym(sentence):</a:t>
+            </a:r>
+          </a:p>
+          <a:p>
+            <a:pPr>
+              <a:lnSpc>
+                <a:spcPct val="100000"/>
+              </a:lnSpc>
+            </a:pPr>
+            <a:r>
+              <a:rPr lang="en-US" spc="-1" dirty="0">
+                <a:solidFill>
+                  <a:srgbClr val="000000"/>
+                </a:solidFill>
+                <a:uFill>
+                  <a:solidFill>
+                    <a:srgbClr val="FFFFFF"/>
+                  </a:solidFill>
+                </a:uFill>
+                <a:latin typeface="Source Code Pro" panose="020B0509030403020204" pitchFamily="49" charset="77"/>
+              </a:rPr>
+              <a:t>    """</a:t>
+            </a:r>
+          </a:p>
+          <a:p>
+            <a:pPr>
+              <a:lnSpc>
+                <a:spcPct val="100000"/>
+              </a:lnSpc>
+            </a:pPr>
+            <a:r>
+              <a:rPr lang="en-US" spc="-1" dirty="0">
+                <a:solidFill>
+                  <a:srgbClr val="000000"/>
+                </a:solidFill>
+                <a:uFill>
+                  <a:solidFill>
+                    <a:srgbClr val="FFFFFF"/>
+                  </a:solidFill>
+                </a:uFill>
+                <a:latin typeface="Source Code Pro" panose="020B0509030403020204" pitchFamily="49" charset="77"/>
+              </a:rPr>
+              <a:t>    &gt;&gt;&gt; acronym("The University of California at Berkeley")</a:t>
+            </a:r>
+          </a:p>
+          <a:p>
+            <a:pPr>
+              <a:lnSpc>
+                <a:spcPct val="100000"/>
+              </a:lnSpc>
+            </a:pPr>
+            <a:r>
+              <a:rPr lang="en-US" spc="-1" dirty="0">
+                <a:solidFill>
+                  <a:srgbClr val="000000"/>
+                </a:solidFill>
+                <a:uFill>
+                  <a:solidFill>
+                    <a:srgbClr val="FFFFFF"/>
+                  </a:solidFill>
+                </a:uFill>
+                <a:latin typeface="Source Code Pro" panose="020B0509030403020204" pitchFamily="49" charset="77"/>
+              </a:rPr>
+              <a:t>    "UCB"</a:t>
+            </a:r>
+          </a:p>
+          <a:p>
+            <a:pPr>
+              <a:lnSpc>
+                <a:spcPct val="100000"/>
+              </a:lnSpc>
+            </a:pPr>
+            <a:r>
+              <a:rPr lang="en-US" spc="-1" dirty="0">
+                <a:solidFill>
+                  <a:srgbClr val="000000"/>
+                </a:solidFill>
+                <a:uFill>
+                  <a:solidFill>
+                    <a:srgbClr val="FFFFFF"/>
+                  </a:solidFill>
+                </a:uFill>
+                <a:latin typeface="Source Code Pro" panose="020B0509030403020204" pitchFamily="49" charset="77"/>
+              </a:rPr>
+              <a:t>    """</a:t>
+            </a:r>
+          </a:p>
+          <a:p>
+            <a:pPr>
+              <a:lnSpc>
+                <a:spcPct val="100000"/>
+              </a:lnSpc>
+            </a:pPr>
+            <a:r>
+              <a:rPr lang="en-US" spc="-1" dirty="0">
+                <a:solidFill>
+                  <a:srgbClr val="000000"/>
+                </a:solidFill>
+                <a:uFill>
+                  <a:solidFill>
+                    <a:srgbClr val="FFFFFF"/>
+                  </a:solidFill>
+                </a:uFill>
+                <a:latin typeface="Source Code Pro" panose="020B0509030403020204" pitchFamily="49" charset="77"/>
+              </a:rPr>
+              <a:t>    words = </a:t>
+            </a:r>
+            <a:r>
+              <a:rPr lang="en-US" spc="-1" dirty="0" err="1">
+                <a:solidFill>
+                  <a:srgbClr val="000000"/>
+                </a:solidFill>
+                <a:uFill>
+                  <a:solidFill>
+                    <a:srgbClr val="FFFFFF"/>
+                  </a:solidFill>
+                </a:uFill>
+                <a:latin typeface="Source Code Pro" panose="020B0509030403020204" pitchFamily="49" charset="77"/>
+              </a:rPr>
+              <a:t>sentence.split</a:t>
+            </a:r>
+            <a:r>
+              <a:rPr lang="en-US" spc="-1" dirty="0">
+                <a:solidFill>
+                  <a:srgbClr val="000000"/>
+                </a:solidFill>
+                <a:uFill>
+                  <a:solidFill>
+                    <a:srgbClr val="FFFFFF"/>
+                  </a:solidFill>
+                </a:uFill>
+                <a:latin typeface="Source Code Pro" panose="020B0509030403020204" pitchFamily="49" charset="77"/>
+              </a:rPr>
+              <a:t>()</a:t>
+            </a:r>
+          </a:p>
+          <a:p>
+            <a:pPr>
+              <a:lnSpc>
+                <a:spcPct val="100000"/>
+              </a:lnSpc>
+            </a:pPr>
+            <a:r>
+              <a:rPr lang="en-US" spc="-1" dirty="0">
+                <a:solidFill>
+                  <a:srgbClr val="000000"/>
+                </a:solidFill>
+                <a:uFill>
+                  <a:solidFill>
+                    <a:srgbClr val="FFFFFF"/>
+                  </a:solidFill>
+                </a:uFill>
+                <a:latin typeface="Source Code Pro" panose="020B0509030403020204" pitchFamily="49" charset="77"/>
+              </a:rPr>
+              <a:t>    return reduce(add, map(</a:t>
+            </a:r>
+            <a:r>
+              <a:rPr lang="en-US" spc="-1" dirty="0" err="1">
+                <a:solidFill>
+                  <a:srgbClr val="000000"/>
+                </a:solidFill>
+                <a:uFill>
+                  <a:solidFill>
+                    <a:srgbClr val="FFFFFF"/>
+                  </a:solidFill>
+                </a:uFill>
+                <a:latin typeface="Source Code Pro" panose="020B0509030403020204" pitchFamily="49" charset="77"/>
+              </a:rPr>
+              <a:t>first_letter</a:t>
+            </a:r>
+            <a:r>
+              <a:rPr lang="en-US" spc="-1" dirty="0">
+                <a:solidFill>
+                  <a:srgbClr val="000000"/>
+                </a:solidFill>
+                <a:uFill>
+                  <a:solidFill>
+                    <a:srgbClr val="FFFFFF"/>
+                  </a:solidFill>
+                </a:uFill>
+                <a:latin typeface="Source Code Pro" panose="020B0509030403020204" pitchFamily="49" charset="77"/>
+              </a:rPr>
+              <a:t>, filter(</a:t>
+            </a:r>
+            <a:r>
+              <a:rPr lang="en-US" spc="-1" dirty="0" err="1">
+                <a:solidFill>
+                  <a:srgbClr val="000000"/>
+                </a:solidFill>
+                <a:uFill>
+                  <a:solidFill>
+                    <a:srgbClr val="FFFFFF"/>
+                  </a:solidFill>
+                </a:uFill>
+                <a:latin typeface="Source Code Pro" panose="020B0509030403020204" pitchFamily="49" charset="77"/>
+              </a:rPr>
+              <a:t>long_word</a:t>
+            </a:r>
+            <a:r>
+              <a:rPr lang="en-US" spc="-1" dirty="0">
+                <a:solidFill>
+                  <a:srgbClr val="000000"/>
+                </a:solidFill>
+                <a:uFill>
+                  <a:solidFill>
+                    <a:srgbClr val="FFFFFF"/>
+                  </a:solidFill>
+                </a:uFill>
+                <a:latin typeface="Source Code Pro" panose="020B0509030403020204" pitchFamily="49" charset="77"/>
+              </a:rPr>
+              <a:t>, words)))</a:t>
+            </a:r>
+          </a:p>
+          <a:p>
+            <a:pPr>
+              <a:lnSpc>
+                <a:spcPct val="100000"/>
+              </a:lnSpc>
+            </a:pPr>
+            <a:endParaRPr lang="en-US" spc="-1" dirty="0">
+              <a:solidFill>
+                <a:srgbClr val="000000"/>
+              </a:solidFill>
+              <a:uFill>
+                <a:solidFill>
+                  <a:srgbClr val="FFFFFF"/>
+                </a:solidFill>
+              </a:uFill>
+              <a:latin typeface="Source Code Pro" panose="020B0509030403020204" pitchFamily="49" charset="77"/>
+            </a:endParaRPr>
+          </a:p>
+        </p:txBody>
+      </p:sp>
+      <p:sp>
+        <p:nvSpPr>
+          <p:cNvPr id="7" name="TextShape 11">
+            <a:extLst>
+              <a:ext uri="{FF2B5EF4-FFF2-40B4-BE49-F238E27FC236}">
+                <a16:creationId xmlns:a16="http://schemas.microsoft.com/office/drawing/2014/main" id="{55609106-671F-E84E-8744-3B2453668F27}"/>
+              </a:ext>
+            </a:extLst>
+          </p:cNvPr>
+          <p:cNvSpPr txBox="1"/>
+          <p:nvPr/>
+        </p:nvSpPr>
+        <p:spPr>
+          <a:xfrm>
+            <a:off x="2281080" y="5012456"/>
+            <a:ext cx="7171560" cy="602280"/>
+          </a:xfrm>
+          <a:prstGeom prst="rect">
+            <a:avLst/>
+          </a:prstGeom>
+          <a:noFill/>
+          <a:ln>
+            <a:noFill/>
+          </a:ln>
+        </p:spPr>
+        <p:txBody>
+          <a:bodyPr lIns="90000" tIns="45000" rIns="90000" bIns="45000"/>
+          <a:lstStyle/>
+          <a:p>
+            <a:r>
+              <a:rPr lang="en-US" spc="-1" dirty="0">
+                <a:solidFill>
+                  <a:srgbClr val="000000"/>
+                </a:solidFill>
+                <a:uFill>
+                  <a:solidFill>
+                    <a:srgbClr val="FFFFFF"/>
+                  </a:solidFill>
+                </a:uFill>
+                <a:latin typeface="Arial"/>
+              </a:rPr>
+              <a:t>P.S. Pedantry alert: This is really an </a:t>
+            </a:r>
+            <a:r>
+              <a:rPr lang="en-US" i="1" spc="-1" dirty="0">
+                <a:solidFill>
+                  <a:srgbClr val="000000"/>
+                </a:solidFill>
+                <a:uFill>
+                  <a:solidFill>
+                    <a:srgbClr val="FFFFFF"/>
+                  </a:solidFill>
+                </a:uFill>
+                <a:latin typeface="Arial"/>
+              </a:rPr>
+              <a:t>initialism</a:t>
+            </a:r>
+            <a:r>
+              <a:rPr lang="en-US" spc="-1" dirty="0">
+                <a:solidFill>
+                  <a:srgbClr val="000000"/>
+                </a:solidFill>
+                <a:uFill>
+                  <a:solidFill>
+                    <a:srgbClr val="FFFFFF"/>
+                  </a:solidFill>
+                </a:uFill>
+                <a:latin typeface="Arial"/>
+              </a:rPr>
+              <a:t> but that's rather annoying to say and type. </a:t>
+            </a:r>
+            <a:r>
+              <a:rPr lang="en-US" spc="-1" dirty="0">
+                <a:solidFill>
+                  <a:srgbClr val="000000"/>
+                </a:solidFill>
+                <a:uFill>
+                  <a:solidFill>
+                    <a:srgbClr val="FFFFFF"/>
+                  </a:solidFill>
+                </a:uFill>
+                <a:latin typeface="Arial"/>
+                <a:sym typeface="Wingdings" pitchFamily="2" charset="2"/>
+              </a:rPr>
+              <a:t> (However, the code we write is the same, the difference is in how you pronounce the result.) The more you know!</a:t>
+            </a:r>
+            <a:endParaRPr lang="en-US" spc="-1" dirty="0">
+              <a:solidFill>
+                <a:srgbClr val="000000"/>
+              </a:solidFill>
+              <a:uFill>
+                <a:solidFill>
+                  <a:srgbClr val="FFFFFF"/>
+                </a:solidFill>
+              </a:uFill>
+              <a:latin typeface="Arial"/>
+            </a:endParaRPr>
+          </a:p>
+        </p:txBody>
+      </p:sp>
+    </p:spTree>
+    <p:extLst>
+      <p:ext uri="{BB962C8B-B14F-4D97-AF65-F5344CB8AC3E}">
+        <p14:creationId xmlns:p14="http://schemas.microsoft.com/office/powerpoint/2010/main" val="22909934"/>
+      </p:ext>
+    </p:extLst>
+  </p:cSld>
+  <p:clrMapOvr>
+    <a:masterClrMapping/>
+  </p:clrMapOvr>
+</p:sld>
+</file>
+
+<file path=ppt/slides/slide13.xml><?xml version="1.0" encoding="utf-8"?>
+<p:sld xmlns:a="http://schemas.openxmlformats.org/drawingml/2006/main" xmlns:r="http://schemas.openxmlformats.org/officeDocument/2006/relationships" xmlns:p="http://schemas.openxmlformats.org/presentationml/2006/main">
+  <p:cSld>
+    <p:spTree>
+      <p:nvGrpSpPr>
+        <p:cNvPr id="1" name=""/>
+        <p:cNvGrpSpPr/>
+        <p:nvPr/>
+      </p:nvGrpSpPr>
+      <p:grpSpPr>
+        <a:xfrm>
+          <a:off x="0" y="0"/>
+          <a:ext cx="0" cy="0"/>
+          <a:chOff x="0" y="0"/>
+          <a:chExt cx="0" cy="0"/>
+        </a:xfrm>
+      </p:grpSpPr>
+      <p:sp>
+        <p:nvSpPr>
+          <p:cNvPr id="2" name="Title 1">
+            <a:extLst>
+              <a:ext uri="{FF2B5EF4-FFF2-40B4-BE49-F238E27FC236}">
+                <a16:creationId xmlns:a16="http://schemas.microsoft.com/office/drawing/2014/main" id="{C3A57493-490E-6541-9973-A295DBF3E35F}"/>
+              </a:ext>
+            </a:extLst>
+          </p:cNvPr>
+          <p:cNvSpPr>
+            <a:spLocks noGrp="1"/>
+          </p:cNvSpPr>
+          <p:nvPr>
+            <p:ph type="title"/>
+          </p:nvPr>
+        </p:nvSpPr>
+        <p:spPr/>
+        <p:txBody>
+          <a:bodyPr/>
+          <a:lstStyle/>
+          <a:p>
+            <a:r>
+              <a:rPr lang="en-US" dirty="0"/>
+              <a:t>Functional List Operations</a:t>
+            </a:r>
+          </a:p>
+        </p:txBody>
+      </p:sp>
+      <p:sp>
+        <p:nvSpPr>
+          <p:cNvPr id="3" name="Content Placeholder 2">
+            <a:extLst>
+              <a:ext uri="{FF2B5EF4-FFF2-40B4-BE49-F238E27FC236}">
+                <a16:creationId xmlns:a16="http://schemas.microsoft.com/office/drawing/2014/main" id="{AAAEACB3-3528-3B4E-9961-861C7DBB5CBC}"/>
+              </a:ext>
+            </a:extLst>
+          </p:cNvPr>
+          <p:cNvSpPr>
+            <a:spLocks noGrp="1"/>
+          </p:cNvSpPr>
+          <p:nvPr>
+            <p:ph idx="1"/>
+          </p:nvPr>
+        </p:nvSpPr>
+        <p:spPr/>
+        <p:txBody>
+          <a:bodyPr/>
+          <a:lstStyle/>
+          <a:p>
+            <a:r>
+              <a:rPr lang="en-US" dirty="0"/>
+              <a:t>Goal: Transform a list, and return a new result</a:t>
+            </a:r>
+          </a:p>
+          <a:p>
+            <a:r>
+              <a:rPr lang="en-US" dirty="0"/>
+              <a:t>We'll use 3 functions that are hallmarks of functional programming</a:t>
+            </a:r>
+          </a:p>
+          <a:p>
+            <a:r>
+              <a:rPr lang="en-US" dirty="0"/>
+              <a:t>Each of these takes in a function and a sequence</a:t>
+            </a:r>
+          </a:p>
+          <a:p>
+            <a:endParaRPr lang="en-US" dirty="0"/>
+          </a:p>
+          <a:p>
+            <a:pPr marL="0" indent="0">
+              <a:buNone/>
+            </a:pPr>
+            <a:endParaRPr lang="en-US" dirty="0"/>
+          </a:p>
+          <a:p>
+            <a:pPr marL="0" indent="0">
+              <a:buNone/>
+            </a:pPr>
+            <a:endParaRPr lang="en-US" dirty="0"/>
+          </a:p>
+        </p:txBody>
+      </p:sp>
+      <p:graphicFrame>
+        <p:nvGraphicFramePr>
+          <p:cNvPr id="6" name="Table 6">
+            <a:extLst>
+              <a:ext uri="{FF2B5EF4-FFF2-40B4-BE49-F238E27FC236}">
+                <a16:creationId xmlns:a16="http://schemas.microsoft.com/office/drawing/2014/main" id="{25EBD1E5-B78E-72B6-6282-D80B13046B4F}"/>
+              </a:ext>
+            </a:extLst>
+          </p:cNvPr>
+          <p:cNvGraphicFramePr>
+            <a:graphicFrameLocks noGrp="1"/>
+          </p:cNvGraphicFramePr>
+          <p:nvPr/>
+        </p:nvGraphicFramePr>
+        <p:xfrm>
+          <a:off x="533399" y="2593070"/>
+          <a:ext cx="10829695" cy="2774774"/>
+        </p:xfrm>
+        <a:graphic>
+          <a:graphicData uri="http://schemas.openxmlformats.org/drawingml/2006/table">
+            <a:tbl>
+              <a:tblPr firstRow="1" bandRow="1">
+                <a:tableStyleId>{5C22544A-7EE6-4342-B048-85BDC9FD1C3A}</a:tableStyleId>
+              </a:tblPr>
+              <a:tblGrid>
+                <a:gridCol w="2165939">
+                  <a:extLst>
+                    <a:ext uri="{9D8B030D-6E8A-4147-A177-3AD203B41FA5}">
+                      <a16:colId xmlns:a16="http://schemas.microsoft.com/office/drawing/2014/main" val="2059777158"/>
+                    </a:ext>
+                  </a:extLst>
+                </a:gridCol>
+                <a:gridCol w="2165939">
+                  <a:extLst>
+                    <a:ext uri="{9D8B030D-6E8A-4147-A177-3AD203B41FA5}">
+                      <a16:colId xmlns:a16="http://schemas.microsoft.com/office/drawing/2014/main" val="2894650286"/>
+                    </a:ext>
+                  </a:extLst>
+                </a:gridCol>
+                <a:gridCol w="2165939">
+                  <a:extLst>
+                    <a:ext uri="{9D8B030D-6E8A-4147-A177-3AD203B41FA5}">
+                      <a16:colId xmlns:a16="http://schemas.microsoft.com/office/drawing/2014/main" val="3290081916"/>
+                    </a:ext>
+                  </a:extLst>
+                </a:gridCol>
+                <a:gridCol w="2165939">
+                  <a:extLst>
+                    <a:ext uri="{9D8B030D-6E8A-4147-A177-3AD203B41FA5}">
+                      <a16:colId xmlns:a16="http://schemas.microsoft.com/office/drawing/2014/main" val="2002986398"/>
+                    </a:ext>
+                  </a:extLst>
+                </a:gridCol>
+                <a:gridCol w="2165939">
+                  <a:extLst>
+                    <a:ext uri="{9D8B030D-6E8A-4147-A177-3AD203B41FA5}">
+                      <a16:colId xmlns:a16="http://schemas.microsoft.com/office/drawing/2014/main" val="756374945"/>
+                    </a:ext>
+                  </a:extLst>
+                </a:gridCol>
+              </a:tblGrid>
+              <a:tr h="678727">
+                <a:tc>
+                  <a:txBody>
+                    <a:bodyPr/>
+                    <a:lstStyle/>
+                    <a:p>
+                      <a:pPr algn="ctr"/>
+                      <a:r>
+                        <a:rPr lang="en-US" sz="1800" b="1" dirty="0">
+                          <a:latin typeface="FreightSans Pro Book" panose="02000606030000020004" pitchFamily="2" charset="0"/>
+                        </a:rPr>
+                        <a:t>Function Name</a:t>
+                      </a:r>
+                    </a:p>
+                  </a:txBody>
+                  <a:tcPr anchor="ctr"/>
+                </a:tc>
+                <a:tc>
+                  <a:txBody>
+                    <a:bodyPr/>
+                    <a:lstStyle/>
+                    <a:p>
+                      <a:pPr algn="ctr"/>
+                      <a:r>
+                        <a:rPr lang="en-US" sz="1800" dirty="0">
+                          <a:latin typeface="FreightSans Pro Book" panose="02000606030000020004" pitchFamily="2" charset="0"/>
+                        </a:rPr>
+                        <a:t>Action</a:t>
+                      </a:r>
+                    </a:p>
+                  </a:txBody>
+                  <a:tcPr anchor="ctr"/>
+                </a:tc>
+                <a:tc>
+                  <a:txBody>
+                    <a:bodyPr/>
+                    <a:lstStyle/>
+                    <a:p>
+                      <a:pPr algn="ctr"/>
+                      <a:r>
+                        <a:rPr lang="en-US" sz="1800" dirty="0">
+                          <a:latin typeface="FreightSans Pro Book" panose="02000606030000020004" pitchFamily="2" charset="0"/>
+                        </a:rPr>
+                        <a:t>Input arguments</a:t>
+                      </a:r>
+                    </a:p>
+                  </a:txBody>
+                  <a:tcPr anchor="ctr"/>
+                </a:tc>
+                <a:tc>
+                  <a:txBody>
+                    <a:bodyPr/>
+                    <a:lstStyle/>
+                    <a:p>
+                      <a:pPr algn="ctr"/>
+                      <a:r>
+                        <a:rPr lang="en-US" sz="1800" dirty="0">
+                          <a:latin typeface="FreightSans Pro Book" panose="02000606030000020004" pitchFamily="2" charset="0"/>
+                        </a:rPr>
+                        <a:t>Input Fn. Returns</a:t>
+                      </a:r>
+                    </a:p>
+                  </a:txBody>
+                  <a:tcPr anchor="ctr"/>
+                </a:tc>
+                <a:tc>
+                  <a:txBody>
+                    <a:bodyPr/>
+                    <a:lstStyle/>
+                    <a:p>
+                      <a:pPr marL="0" marR="0" lvl="0" indent="0" algn="ctr" defTabSz="342900" rtl="0" eaLnBrk="1" fontAlgn="auto" latinLnBrk="0" hangingPunct="1">
+                        <a:lnSpc>
+                          <a:spcPct val="100000"/>
+                        </a:lnSpc>
+                        <a:spcBef>
+                          <a:spcPts val="0"/>
+                        </a:spcBef>
+                        <a:spcAft>
+                          <a:spcPts val="0"/>
+                        </a:spcAft>
+                        <a:buClrTx/>
+                        <a:buSzTx/>
+                        <a:buFontTx/>
+                        <a:buNone/>
+                        <a:tabLst/>
+                        <a:defRPr/>
+                      </a:pPr>
+                      <a:r>
+                        <a:rPr lang="en-US" sz="1800" dirty="0">
+                          <a:latin typeface="FreightSans Pro Book" panose="02000606030000020004" pitchFamily="2" charset="0"/>
+                        </a:rPr>
+                        <a:t>Output List</a:t>
+                      </a:r>
+                    </a:p>
+                  </a:txBody>
+                  <a:tcPr anchor="ctr"/>
+                </a:tc>
+                <a:extLst>
+                  <a:ext uri="{0D108BD9-81ED-4DB2-BD59-A6C34878D82A}">
+                    <a16:rowId xmlns:a16="http://schemas.microsoft.com/office/drawing/2014/main" val="1140645906"/>
+                  </a:ext>
+                </a:extLst>
+              </a:tr>
+              <a:tr h="678727">
+                <a:tc>
+                  <a:txBody>
+                    <a:bodyPr/>
+                    <a:lstStyle/>
+                    <a:p>
+                      <a:pPr algn="ctr"/>
+                      <a:r>
+                        <a:rPr lang="en-US" sz="1800" b="1" dirty="0">
+                          <a:latin typeface="Source Code Pro" panose="020B0509030403020204" pitchFamily="49" charset="77"/>
+                        </a:rPr>
+                        <a:t>map</a:t>
+                      </a:r>
+                    </a:p>
+                  </a:txBody>
+                  <a:tcPr anchor="ctr"/>
+                </a:tc>
+                <a:tc>
+                  <a:txBody>
+                    <a:bodyPr/>
+                    <a:lstStyle/>
+                    <a:p>
+                      <a:r>
+                        <a:rPr lang="en-US" dirty="0"/>
+                        <a:t>Transform every item</a:t>
+                      </a:r>
+                    </a:p>
+                  </a:txBody>
+                  <a:tcPr anchor="ctr"/>
+                </a:tc>
+                <a:tc>
+                  <a:txBody>
+                    <a:bodyPr/>
+                    <a:lstStyle/>
+                    <a:p>
+                      <a:r>
+                        <a:rPr lang="en-US" dirty="0"/>
+                        <a:t>1 argument (each item)</a:t>
+                      </a:r>
+                    </a:p>
+                  </a:txBody>
+                  <a:tcPr anchor="ctr"/>
+                </a:tc>
+                <a:tc>
+                  <a:txBody>
+                    <a:bodyPr/>
+                    <a:lstStyle/>
+                    <a:p>
+                      <a:r>
+                        <a:rPr lang="en-US" dirty="0"/>
+                        <a:t>"Anything", a new item</a:t>
+                      </a:r>
+                    </a:p>
+                  </a:txBody>
+                  <a:tcPr anchor="ctr"/>
+                </a:tc>
+                <a:tc>
+                  <a:txBody>
+                    <a:bodyPr/>
+                    <a:lstStyle/>
+                    <a:p>
+                      <a:r>
+                        <a:rPr lang="en-US" dirty="0"/>
+                        <a:t>List of the same length, but possibly new values</a:t>
+                      </a:r>
+                    </a:p>
+                  </a:txBody>
+                  <a:tcPr anchor="ctr"/>
+                </a:tc>
+                <a:extLst>
+                  <a:ext uri="{0D108BD9-81ED-4DB2-BD59-A6C34878D82A}">
+                    <a16:rowId xmlns:a16="http://schemas.microsoft.com/office/drawing/2014/main" val="1601251051"/>
+                  </a:ext>
+                </a:extLst>
+              </a:tr>
+              <a:tr h="678727">
+                <a:tc>
+                  <a:txBody>
+                    <a:bodyPr/>
+                    <a:lstStyle/>
+                    <a:p>
+                      <a:pPr algn="ctr"/>
+                      <a:r>
+                        <a:rPr lang="en-US" sz="1800" b="1" dirty="0">
+                          <a:latin typeface="Source Code Pro" panose="020B0509030403020204" pitchFamily="49" charset="77"/>
+                        </a:rPr>
+                        <a:t>filter</a:t>
+                      </a:r>
+                    </a:p>
+                  </a:txBody>
+                  <a:tcPr anchor="ctr"/>
+                </a:tc>
+                <a:tc>
+                  <a:txBody>
+                    <a:bodyPr/>
+                    <a:lstStyle/>
+                    <a:p>
+                      <a:r>
+                        <a:rPr lang="en-US" dirty="0"/>
+                        <a:t>Return a list with fewer items</a:t>
+                      </a:r>
+                    </a:p>
+                  </a:txBody>
+                  <a:tcPr anchor="ctr"/>
+                </a:tc>
+                <a:tc>
+                  <a:txBody>
+                    <a:bodyPr/>
+                    <a:lstStyle/>
+                    <a:p>
+                      <a:r>
+                        <a:rPr lang="en-US" dirty="0"/>
+                        <a:t>1 argument (each item)</a:t>
+                      </a:r>
+                    </a:p>
+                  </a:txBody>
+                  <a:tcPr anchor="ctr"/>
+                </a:tc>
+                <a:tc>
+                  <a:txBody>
+                    <a:bodyPr/>
+                    <a:lstStyle/>
+                    <a:p>
+                      <a:r>
+                        <a:rPr lang="en-US" dirty="0"/>
+                        <a:t>A Boolean</a:t>
+                      </a:r>
+                    </a:p>
+                  </a:txBody>
+                  <a:tcPr anchor="ctr"/>
+                </a:tc>
+                <a:tc>
+                  <a:txBody>
+                    <a:bodyPr/>
+                    <a:lstStyle/>
+                    <a:p>
+                      <a:r>
+                        <a:rPr lang="en-US" dirty="0"/>
+                        <a:t>List with possibly fewer items, but values are the same</a:t>
+                      </a:r>
+                    </a:p>
+                  </a:txBody>
+                  <a:tcPr anchor="ctr"/>
+                </a:tc>
+                <a:extLst>
+                  <a:ext uri="{0D108BD9-81ED-4DB2-BD59-A6C34878D82A}">
+                    <a16:rowId xmlns:a16="http://schemas.microsoft.com/office/drawing/2014/main" val="1639889719"/>
+                  </a:ext>
+                </a:extLst>
+              </a:tr>
+              <a:tr h="678727">
+                <a:tc>
+                  <a:txBody>
+                    <a:bodyPr/>
+                    <a:lstStyle/>
+                    <a:p>
+                      <a:pPr algn="ctr"/>
+                      <a:r>
+                        <a:rPr lang="en-US" sz="1800" b="1" dirty="0">
+                          <a:latin typeface="Source Code Pro" panose="020B0509030403020204" pitchFamily="49" charset="77"/>
+                        </a:rPr>
+                        <a:t>reduce</a:t>
+                      </a:r>
+                    </a:p>
+                  </a:txBody>
+                  <a:tcPr anchor="ctr"/>
+                </a:tc>
+                <a:tc>
+                  <a:txBody>
+                    <a:bodyPr/>
+                    <a:lstStyle/>
+                    <a:p>
+                      <a:r>
+                        <a:rPr lang="en-US" dirty="0"/>
+                        <a:t>"Combine" items together</a:t>
+                      </a:r>
+                    </a:p>
+                  </a:txBody>
+                  <a:tcPr anchor="ctr"/>
+                </a:tc>
+                <a:tc>
+                  <a:txBody>
+                    <a:bodyPr/>
+                    <a:lstStyle/>
+                    <a:p>
+                      <a:r>
+                        <a:rPr lang="en-US" dirty="0"/>
+                        <a:t>2 arguments (current item, and the previous result)</a:t>
+                      </a:r>
+                    </a:p>
+                  </a:txBody>
+                  <a:tcPr anchor="ctr"/>
+                </a:tc>
+                <a:tc>
+                  <a:txBody>
+                    <a:bodyPr/>
+                    <a:lstStyle/>
+                    <a:p>
+                      <a:r>
+                        <a:rPr lang="en-US" dirty="0"/>
+                        <a:t>Type should match the type each item</a:t>
+                      </a:r>
+                    </a:p>
+                  </a:txBody>
+                  <a:tcPr anchor="ctr"/>
+                </a:tc>
+                <a:tc>
+                  <a:txBody>
+                    <a:bodyPr/>
+                    <a:lstStyle/>
+                    <a:p>
+                      <a:r>
+                        <a:rPr lang="en-US" dirty="0"/>
+                        <a:t>Usually a "single" item</a:t>
+                      </a:r>
+                    </a:p>
+                  </a:txBody>
+                  <a:tcPr anchor="ctr"/>
+                </a:tc>
+                <a:extLst>
+                  <a:ext uri="{0D108BD9-81ED-4DB2-BD59-A6C34878D82A}">
+                    <a16:rowId xmlns:a16="http://schemas.microsoft.com/office/drawing/2014/main" val="2091545836"/>
+                  </a:ext>
+                </a:extLst>
+              </a:tr>
+            </a:tbl>
+          </a:graphicData>
+        </a:graphic>
+      </p:graphicFrame>
+    </p:spTree>
+    <p:extLst>
+      <p:ext uri="{BB962C8B-B14F-4D97-AF65-F5344CB8AC3E}">
+        <p14:creationId xmlns:p14="http://schemas.microsoft.com/office/powerpoint/2010/main" val="4061847805"/>
+      </p:ext>
+    </p:extLst>
+  </p:cSld>
+  <p:clrMapOvr>
+    <a:masterClrMapping/>
+  </p:clrMapOvr>
+</p:sld>
+</file>
+
+<file path=ppt/slides/slide14.xml><?xml version="1.0" encoding="utf-8"?>
+<p:sld xmlns:a="http://schemas.openxmlformats.org/drawingml/2006/main" xmlns:r="http://schemas.openxmlformats.org/officeDocument/2006/relationships" xmlns:p="http://schemas.openxmlformats.org/presentationml/2006/main">
+  <p:cSld>
+    <p:spTree>
+      <p:nvGrpSpPr>
+        <p:cNvPr id="1" name=""/>
+        <p:cNvGrpSpPr/>
+        <p:nvPr/>
+      </p:nvGrpSpPr>
+      <p:grpSpPr>
+        <a:xfrm>
+          <a:off x="0" y="0"/>
+          <a:ext cx="0" cy="0"/>
+          <a:chOff x="0" y="0"/>
+          <a:chExt cx="0" cy="0"/>
+        </a:xfrm>
+      </p:grpSpPr>
+      <p:sp>
+        <p:nvSpPr>
+          <p:cNvPr id="2" name="Title 1">
+            <a:extLst>
+              <a:ext uri="{FF2B5EF4-FFF2-40B4-BE49-F238E27FC236}">
+                <a16:creationId xmlns:a16="http://schemas.microsoft.com/office/drawing/2014/main" id="{D2340843-39A8-4E4A-A923-FEDC64A7AE32}"/>
+              </a:ext>
+            </a:extLst>
+          </p:cNvPr>
+          <p:cNvSpPr>
+            <a:spLocks noGrp="1"/>
+          </p:cNvSpPr>
+          <p:nvPr>
+            <p:ph type="ctrTitle"/>
+          </p:nvPr>
+        </p:nvSpPr>
+        <p:spPr/>
+        <p:txBody>
+          <a:bodyPr/>
+          <a:lstStyle/>
+          <a:p>
+            <a:r>
+              <a:rPr lang="en-US" dirty="0"/>
+              <a:t>Environment Diagrams</a:t>
+            </a:r>
+          </a:p>
+        </p:txBody>
+      </p:sp>
+    </p:spTree>
+    <p:extLst>
+      <p:ext uri="{BB962C8B-B14F-4D97-AF65-F5344CB8AC3E}">
+        <p14:creationId xmlns:p14="http://schemas.microsoft.com/office/powerpoint/2010/main" val="2478242474"/>
+      </p:ext>
+    </p:extLst>
+  </p:cSld>
+  <p:clrMapOvr>
+    <a:masterClrMapping/>
+  </p:clrMapOvr>
+  <p:timing>
+    <p:tnLst>
+      <p:par>
+        <p:cTn id="1" dur="indefinite" restart="never" nodeType="tmRoot">
+          <p:childTnLst>
+            <p:seq>
+              <p:cTn id="2" nodeType="mainSeq"/>
+              <p:prevCondLst>
+                <p:cond evt="onPrev" delay="0">
+                  <p:tgtEl>
+                    <p:sldTgt/>
+                  </p:tgtEl>
+                </p:cond>
+              </p:prevCondLst>
+              <p:nextCondLst>
+                <p:cond evt="onNext" delay="0">
+                  <p:tgtEl>
+                    <p:sldTgt/>
+                  </p:tgtEl>
+                </p:cond>
+              </p:nextCondLst>
+            </p:seq>
+          </p:childTnLst>
+        </p:cTn>
+      </p:par>
+    </p:tnLst>
+  </p:timing>
+</p:sld>
+</file>
+
+<file path=ppt/slides/slide15.xml><?xml version="1.0" encoding="utf-8"?>
+<p:sld xmlns:a="http://schemas.openxmlformats.org/drawingml/2006/main" xmlns:r="http://schemas.openxmlformats.org/officeDocument/2006/relationships" xmlns:p="http://schemas.openxmlformats.org/presentationml/2006/main">
   <p:cSld>
     <p:spTree>
       <p:nvGrpSpPr>
@@ -5782,7 +7547,7 @@
               <a:pPr>
                 <a:defRPr/>
               </a:pPr>
-              <a:t>10</a:t>
+              <a:t>15</a:t>
             </a:fld>
             <a:endParaRPr lang="en-US" b="0"/>
           </a:p>
@@ -5801,7 +7566,7 @@
 </p:sld>
 </file>
 
-<file path=ppt/slides/slide11.xml><?xml version="1.0" encoding="utf-8"?>
+<file path=ppt/slides/slide16.xml><?xml version="1.0" encoding="utf-8"?>
 <p:sld xmlns:a="http://schemas.openxmlformats.org/drawingml/2006/main" xmlns:r="http://schemas.openxmlformats.org/officeDocument/2006/relationships" xmlns:p="http://schemas.openxmlformats.org/presentationml/2006/main">
   <p:cSld>
     <p:spTree>
@@ -6351,7 +8116,7 @@
 </p:sld>
 </file>
 
-<file path=ppt/slides/slide12.xml><?xml version="1.0" encoding="utf-8"?>
+<file path=ppt/slides/slide17.xml><?xml version="1.0" encoding="utf-8"?>
 <p:sld xmlns:a="http://schemas.openxmlformats.org/drawingml/2006/main" xmlns:r="http://schemas.openxmlformats.org/officeDocument/2006/relationships" xmlns:p="http://schemas.openxmlformats.org/presentationml/2006/main">
   <p:cSld>
     <p:spTree>
@@ -6965,7 +8730,7 @@
 </p:sld>
 </file>
 
-<file path=ppt/slides/slide13.xml><?xml version="1.0" encoding="utf-8"?>
+<file path=ppt/slides/slide18.xml><?xml version="1.0" encoding="utf-8"?>
 <p:sld xmlns:a="http://schemas.openxmlformats.org/drawingml/2006/main" xmlns:r="http://schemas.openxmlformats.org/officeDocument/2006/relationships" xmlns:p="http://schemas.openxmlformats.org/presentationml/2006/main">
   <p:cSld>
     <p:spTree>
@@ -7149,7 +8914,7 @@
               <a:pPr>
                 <a:defRPr/>
               </a:pPr>
-              <a:t>13</a:t>
+              <a:t>18</a:t>
             </a:fld>
             <a:endParaRPr lang="en-US" b="0"/>
           </a:p>
@@ -7168,7 +8933,7 @@
 </p:sld>
 </file>
 
-<file path=ppt/slides/slide14.xml><?xml version="1.0" encoding="utf-8"?>
+<file path=ppt/slides/slide19.xml><?xml version="1.0" encoding="utf-8"?>
 <p:sld xmlns:a="http://schemas.openxmlformats.org/drawingml/2006/main" xmlns:r="http://schemas.openxmlformats.org/officeDocument/2006/relationships" xmlns:p="http://schemas.openxmlformats.org/presentationml/2006/main">
   <p:cSld>
     <p:spTree>
@@ -7416,7 +9181,7 @@
               <a:pPr>
                 <a:defRPr/>
               </a:pPr>
-              <a:t>14</a:t>
+              <a:t>19</a:t>
             </a:fld>
             <a:endParaRPr lang="en-US" b="0"/>
           </a:p>
@@ -7435,658 +9200,8 @@
 </p:sld>
 </file>
 
-<file path=ppt/slides/slide15.xml><?xml version="1.0" encoding="utf-8"?>
+<file path=ppt/slides/slide2.xml><?xml version="1.0" encoding="utf-8"?>
 <p:sld xmlns:a="http://schemas.openxmlformats.org/drawingml/2006/main" xmlns:r="http://schemas.openxmlformats.org/officeDocument/2006/relationships" xmlns:p="http://schemas.openxmlformats.org/presentationml/2006/main">
-  <p:cSld>
-    <p:spTree>
-      <p:nvGrpSpPr>
-        <p:cNvPr id="1" name=""/>
-        <p:cNvGrpSpPr/>
-        <p:nvPr/>
-      </p:nvGrpSpPr>
-      <p:grpSpPr>
-        <a:xfrm>
-          <a:off x="0" y="0"/>
-          <a:ext cx="0" cy="0"/>
-          <a:chOff x="0" y="0"/>
-          <a:chExt cx="0" cy="0"/>
-        </a:xfrm>
-      </p:grpSpPr>
-      <p:sp>
-        <p:nvSpPr>
-          <p:cNvPr id="2" name="Title 1">
-            <a:extLst>
-              <a:ext uri="{FF2B5EF4-FFF2-40B4-BE49-F238E27FC236}">
-                <a16:creationId xmlns:a16="http://schemas.microsoft.com/office/drawing/2014/main" id="{3240DA3F-5262-644A-8A04-EDF80650B9C2}"/>
-              </a:ext>
-            </a:extLst>
-          </p:cNvPr>
-          <p:cNvSpPr>
-            <a:spLocks noGrp="1"/>
-          </p:cNvSpPr>
-          <p:nvPr>
-            <p:ph type="title"/>
-          </p:nvPr>
-        </p:nvSpPr>
-        <p:spPr/>
-        <p:txBody>
-          <a:bodyPr/>
-          <a:lstStyle/>
-          <a:p>
-            <a:r>
-              <a:rPr lang="en-US" dirty="0"/>
-              <a:t>Example 2</a:t>
-            </a:r>
-          </a:p>
-        </p:txBody>
-      </p:sp>
-      <p:sp>
-        <p:nvSpPr>
-          <p:cNvPr id="3" name="Content Placeholder 2">
-            <a:extLst>
-              <a:ext uri="{FF2B5EF4-FFF2-40B4-BE49-F238E27FC236}">
-                <a16:creationId xmlns:a16="http://schemas.microsoft.com/office/drawing/2014/main" id="{284F9A36-1B36-EA49-B322-395902ACCA87}"/>
-              </a:ext>
-            </a:extLst>
-          </p:cNvPr>
-          <p:cNvSpPr>
-            <a:spLocks noGrp="1"/>
-          </p:cNvSpPr>
-          <p:nvPr>
-            <p:ph idx="1"/>
-          </p:nvPr>
-        </p:nvSpPr>
-        <p:spPr>
-          <a:xfrm>
-            <a:off x="533399" y="1066800"/>
-            <a:ext cx="11225011" cy="5257800"/>
-          </a:xfrm>
-        </p:spPr>
-        <p:txBody>
-          <a:bodyPr/>
-          <a:lstStyle/>
-          <a:p>
-            <a:pPr marL="0" indent="0">
-              <a:buNone/>
-            </a:pPr>
-            <a:r>
-              <a:rPr lang="en-US" sz="2200" dirty="0">
-                <a:latin typeface="Source Code Pro" panose="020B0509030403020204" pitchFamily="49" charset="0"/>
-                <a:ea typeface="Source Code Pro" panose="020B0509030403020204" pitchFamily="49" charset="0"/>
-              </a:rPr>
-              <a:t>def </a:t>
-            </a:r>
-            <a:r>
-              <a:rPr lang="en-US" sz="2200" dirty="0" err="1">
-                <a:latin typeface="Source Code Pro" panose="020B0509030403020204" pitchFamily="49" charset="0"/>
-                <a:ea typeface="Source Code Pro" panose="020B0509030403020204" pitchFamily="49" charset="0"/>
-              </a:rPr>
-              <a:t>make_adder</a:t>
-            </a:r>
-            <a:r>
-              <a:rPr lang="en-US" sz="2200" dirty="0">
-                <a:latin typeface="Source Code Pro" panose="020B0509030403020204" pitchFamily="49" charset="0"/>
-                <a:ea typeface="Source Code Pro" panose="020B0509030403020204" pitchFamily="49" charset="0"/>
-              </a:rPr>
-              <a:t>(n):</a:t>
-            </a:r>
-          </a:p>
-          <a:p>
-            <a:pPr marL="0" indent="0">
-              <a:buNone/>
-            </a:pPr>
-            <a:r>
-              <a:rPr lang="en-US" sz="2200" dirty="0">
-                <a:latin typeface="Source Code Pro" panose="020B0509030403020204" pitchFamily="49" charset="0"/>
-                <a:ea typeface="Source Code Pro" panose="020B0509030403020204" pitchFamily="49" charset="0"/>
-              </a:rPr>
-              <a:t>    def adder(k):</a:t>
-            </a:r>
-          </a:p>
-          <a:p>
-            <a:pPr marL="0" indent="0">
-              <a:buNone/>
-            </a:pPr>
-            <a:r>
-              <a:rPr lang="en-US" sz="2200" dirty="0">
-                <a:latin typeface="Source Code Pro" panose="020B0509030403020204" pitchFamily="49" charset="0"/>
-                <a:ea typeface="Source Code Pro" panose="020B0509030403020204" pitchFamily="49" charset="0"/>
-              </a:rPr>
-              <a:t>        return k + n</a:t>
-            </a:r>
-          </a:p>
-          <a:p>
-            <a:pPr marL="0" indent="0">
-              <a:buNone/>
-            </a:pPr>
-            <a:r>
-              <a:rPr lang="en-US" sz="2200" dirty="0">
-                <a:latin typeface="Source Code Pro" panose="020B0509030403020204" pitchFamily="49" charset="0"/>
-                <a:ea typeface="Source Code Pro" panose="020B0509030403020204" pitchFamily="49" charset="0"/>
-              </a:rPr>
-              <a:t>    return adder</a:t>
-            </a:r>
-          </a:p>
-          <a:p>
-            <a:pPr marL="0" indent="0">
-              <a:buNone/>
-            </a:pPr>
-            <a:endParaRPr lang="en-US" sz="2200" dirty="0">
-              <a:latin typeface="Source Code Pro" panose="020B0509030403020204" pitchFamily="49" charset="0"/>
-              <a:ea typeface="Source Code Pro" panose="020B0509030403020204" pitchFamily="49" charset="0"/>
-            </a:endParaRPr>
-          </a:p>
-          <a:p>
-            <a:pPr marL="0" indent="0">
-              <a:buNone/>
-            </a:pPr>
-            <a:r>
-              <a:rPr lang="en-US" sz="2200" dirty="0">
-                <a:latin typeface="Source Code Pro" panose="020B0509030403020204" pitchFamily="49" charset="0"/>
-                <a:ea typeface="Source Code Pro" panose="020B0509030403020204" pitchFamily="49" charset="0"/>
-              </a:rPr>
-              <a:t>n = 10    </a:t>
-            </a:r>
-          </a:p>
-          <a:p>
-            <a:pPr marL="0" indent="0">
-              <a:buNone/>
-            </a:pPr>
-            <a:r>
-              <a:rPr lang="en-US" sz="2200" dirty="0">
-                <a:latin typeface="Source Code Pro" panose="020B0509030403020204" pitchFamily="49" charset="0"/>
-                <a:ea typeface="Source Code Pro" panose="020B0509030403020204" pitchFamily="49" charset="0"/>
-              </a:rPr>
-              <a:t>add_2 = </a:t>
-            </a:r>
-            <a:r>
-              <a:rPr lang="en-US" sz="2200" dirty="0" err="1">
-                <a:latin typeface="Source Code Pro" panose="020B0509030403020204" pitchFamily="49" charset="0"/>
-                <a:ea typeface="Source Code Pro" panose="020B0509030403020204" pitchFamily="49" charset="0"/>
-              </a:rPr>
-              <a:t>make_adder</a:t>
-            </a:r>
-            <a:r>
-              <a:rPr lang="en-US" sz="2200" dirty="0">
-                <a:latin typeface="Source Code Pro" panose="020B0509030403020204" pitchFamily="49" charset="0"/>
-                <a:ea typeface="Source Code Pro" panose="020B0509030403020204" pitchFamily="49" charset="0"/>
-              </a:rPr>
-              <a:t>(2)</a:t>
-            </a:r>
-          </a:p>
-          <a:p>
-            <a:pPr marL="0" indent="0">
-              <a:buNone/>
-            </a:pPr>
-            <a:r>
-              <a:rPr lang="en-US" sz="2200" dirty="0">
-                <a:latin typeface="Source Code Pro" panose="020B0509030403020204" pitchFamily="49" charset="0"/>
-                <a:ea typeface="Source Code Pro" panose="020B0509030403020204" pitchFamily="49" charset="0"/>
-              </a:rPr>
-              <a:t>x = add_2(5)</a:t>
-            </a:r>
-            <a:endParaRPr lang="en-US" sz="2200" dirty="0">
-              <a:solidFill>
-                <a:schemeClr val="bg1">
-                  <a:lumMod val="50000"/>
-                </a:schemeClr>
-              </a:solidFill>
-              <a:latin typeface="Source Code Pro" panose="020B0509030403020204" pitchFamily="49" charset="0"/>
-              <a:ea typeface="Source Code Pro" panose="020B0509030403020204" pitchFamily="49" charset="0"/>
-            </a:endParaRPr>
-          </a:p>
-        </p:txBody>
-      </p:sp>
-      <p:sp>
-        <p:nvSpPr>
-          <p:cNvPr id="4" name="Slide Number Placeholder 3">
-            <a:extLst>
-              <a:ext uri="{FF2B5EF4-FFF2-40B4-BE49-F238E27FC236}">
-                <a16:creationId xmlns:a16="http://schemas.microsoft.com/office/drawing/2014/main" id="{FC48DF3A-EE49-4D43-8D52-1F01AC76B77D}"/>
-              </a:ext>
-            </a:extLst>
-          </p:cNvPr>
-          <p:cNvSpPr>
-            <a:spLocks noGrp="1"/>
-          </p:cNvSpPr>
-          <p:nvPr>
-            <p:ph type="sldNum" sz="quarter" idx="12"/>
-          </p:nvPr>
-        </p:nvSpPr>
-        <p:spPr/>
-        <p:txBody>
-          <a:bodyPr/>
-          <a:lstStyle/>
-          <a:p>
-            <a:pPr>
-              <a:defRPr/>
-            </a:pPr>
-            <a:fld id="{ACA94121-BA6C-AD43-82C2-DF1F24FE5D9C}" type="slidenum">
-              <a:rPr lang="en-US" smtClean="0"/>
-              <a:pPr>
-                <a:defRPr/>
-              </a:pPr>
-              <a:t>15</a:t>
-            </a:fld>
-            <a:endParaRPr lang="en-US" b="0"/>
-          </a:p>
-        </p:txBody>
-      </p:sp>
-    </p:spTree>
-    <p:extLst>
-      <p:ext uri="{BB962C8B-B14F-4D97-AF65-F5344CB8AC3E}">
-        <p14:creationId xmlns:p14="http://schemas.microsoft.com/office/powerpoint/2010/main" val="1613526114"/>
-      </p:ext>
-    </p:extLst>
-  </p:cSld>
-  <p:clrMapOvr>
-    <a:masterClrMapping/>
-  </p:clrMapOvr>
-</p:sld>
-</file>
-
-<file path=ppt/slides/slide16.xml><?xml version="1.0" encoding="utf-8"?>
-<p:sld xmlns:a="http://schemas.openxmlformats.org/drawingml/2006/main" xmlns:r="http://schemas.openxmlformats.org/officeDocument/2006/relationships" xmlns:p="http://schemas.openxmlformats.org/presentationml/2006/main">
-  <p:cSld>
-    <p:spTree>
-      <p:nvGrpSpPr>
-        <p:cNvPr id="1" name=""/>
-        <p:cNvGrpSpPr/>
-        <p:nvPr/>
-      </p:nvGrpSpPr>
-      <p:grpSpPr>
-        <a:xfrm>
-          <a:off x="0" y="0"/>
-          <a:ext cx="0" cy="0"/>
-          <a:chOff x="0" y="0"/>
-          <a:chExt cx="0" cy="0"/>
-        </a:xfrm>
-      </p:grpSpPr>
-      <p:sp>
-        <p:nvSpPr>
-          <p:cNvPr id="2" name="Title 1">
-            <a:extLst>
-              <a:ext uri="{FF2B5EF4-FFF2-40B4-BE49-F238E27FC236}">
-                <a16:creationId xmlns:a16="http://schemas.microsoft.com/office/drawing/2014/main" id="{80893AED-AB1E-9F40-BE86-23A4ED91A56E}"/>
-              </a:ext>
-            </a:extLst>
-          </p:cNvPr>
-          <p:cNvSpPr>
-            <a:spLocks noGrp="1"/>
-          </p:cNvSpPr>
-          <p:nvPr>
-            <p:ph type="title"/>
-          </p:nvPr>
-        </p:nvSpPr>
-        <p:spPr/>
-        <p:txBody>
-          <a:bodyPr/>
-          <a:lstStyle/>
-          <a:p>
-            <a:r>
-              <a:rPr lang="en-US" dirty="0"/>
-              <a:t>Python Tutor Examples</a:t>
-            </a:r>
-          </a:p>
-        </p:txBody>
-      </p:sp>
-      <p:sp>
-        <p:nvSpPr>
-          <p:cNvPr id="3" name="Content Placeholder 2">
-            <a:extLst>
-              <a:ext uri="{FF2B5EF4-FFF2-40B4-BE49-F238E27FC236}">
-                <a16:creationId xmlns:a16="http://schemas.microsoft.com/office/drawing/2014/main" id="{96930B3E-847A-CF45-BFCB-5C129A38C53F}"/>
-              </a:ext>
-            </a:extLst>
-          </p:cNvPr>
-          <p:cNvSpPr>
-            <a:spLocks noGrp="1"/>
-          </p:cNvSpPr>
-          <p:nvPr>
-            <p:ph idx="1"/>
-          </p:nvPr>
-        </p:nvSpPr>
-        <p:spPr/>
-        <p:txBody>
-          <a:bodyPr/>
-          <a:lstStyle/>
-          <a:p>
-            <a:pPr marL="0" indent="0">
-              <a:buNone/>
-            </a:pPr>
-            <a:r>
-              <a:rPr lang="en-US" dirty="0">
-                <a:latin typeface="Source Code Pro" panose="020B0509030403020204" pitchFamily="49" charset="77"/>
-              </a:rPr>
-              <a:t>add_2 = </a:t>
-            </a:r>
-            <a:r>
-              <a:rPr lang="en-US" dirty="0" err="1">
-                <a:latin typeface="Source Code Pro" panose="020B0509030403020204" pitchFamily="49" charset="77"/>
-              </a:rPr>
-              <a:t>make_adder</a:t>
-            </a:r>
-            <a:r>
-              <a:rPr lang="en-US" dirty="0">
-                <a:latin typeface="Source Code Pro" panose="020B0509030403020204" pitchFamily="49" charset="77"/>
-              </a:rPr>
-              <a:t>(2)</a:t>
-            </a:r>
-          </a:p>
-          <a:p>
-            <a:pPr marL="0" indent="0">
-              <a:buNone/>
-            </a:pPr>
-            <a:r>
-              <a:rPr lang="en-US" dirty="0">
-                <a:latin typeface="Source Code Pro" panose="020B0509030403020204" pitchFamily="49" charset="77"/>
-              </a:rPr>
-              <a:t>add_3 = </a:t>
-            </a:r>
-            <a:r>
-              <a:rPr lang="en-US" dirty="0" err="1">
-                <a:latin typeface="Source Code Pro" panose="020B0509030403020204" pitchFamily="49" charset="77"/>
-              </a:rPr>
-              <a:t>make_adder</a:t>
-            </a:r>
-            <a:r>
-              <a:rPr lang="en-US" dirty="0">
-                <a:latin typeface="Source Code Pro" panose="020B0509030403020204" pitchFamily="49" charset="77"/>
-              </a:rPr>
-              <a:t>(3)</a:t>
-            </a:r>
-          </a:p>
-          <a:p>
-            <a:pPr marL="0" indent="0">
-              <a:buNone/>
-            </a:pPr>
-            <a:endParaRPr lang="en-US" dirty="0">
-              <a:latin typeface="Source Code Pro" panose="020B0509030403020204" pitchFamily="49" charset="77"/>
-            </a:endParaRPr>
-          </a:p>
-          <a:p>
-            <a:pPr marL="0" indent="0">
-              <a:buNone/>
-            </a:pPr>
-            <a:r>
-              <a:rPr lang="en-US" dirty="0">
-                <a:latin typeface="Source Code Pro" panose="020B0509030403020204" pitchFamily="49" charset="77"/>
-              </a:rPr>
-              <a:t>x = add_2(2)</a:t>
-            </a:r>
-          </a:p>
-          <a:p>
-            <a:pPr marL="0" indent="0">
-              <a:buNone/>
-            </a:pPr>
-            <a:r>
-              <a:rPr lang="en-US" dirty="0">
-                <a:latin typeface="Source Code Pro" panose="020B0509030403020204" pitchFamily="49" charset="77"/>
-              </a:rPr>
-              <a:t>def compose(f, g):</a:t>
-            </a:r>
-          </a:p>
-          <a:p>
-            <a:pPr marL="0" indent="0">
-              <a:buNone/>
-            </a:pPr>
-            <a:r>
-              <a:rPr lang="en-US" dirty="0">
-                <a:latin typeface="Source Code Pro" panose="020B0509030403020204" pitchFamily="49" charset="77"/>
-              </a:rPr>
-              <a:t>    def h(x):</a:t>
-            </a:r>
-          </a:p>
-          <a:p>
-            <a:pPr marL="0" indent="0">
-              <a:buNone/>
-            </a:pPr>
-            <a:r>
-              <a:rPr lang="en-US" dirty="0">
-                <a:latin typeface="Source Code Pro" panose="020B0509030403020204" pitchFamily="49" charset="77"/>
-              </a:rPr>
-              <a:t>        return f(g(x))</a:t>
-            </a:r>
-          </a:p>
-          <a:p>
-            <a:pPr marL="0" indent="0">
-              <a:buNone/>
-            </a:pPr>
-            <a:r>
-              <a:rPr lang="en-US" dirty="0">
-                <a:latin typeface="Source Code Pro" panose="020B0509030403020204" pitchFamily="49" charset="77"/>
-              </a:rPr>
-              <a:t>    return h</a:t>
-            </a:r>
-          </a:p>
-          <a:p>
-            <a:pPr marL="0" indent="0">
-              <a:buNone/>
-            </a:pPr>
-            <a:endParaRPr lang="en-US" dirty="0">
-              <a:latin typeface="Source Code Pro" panose="020B0509030403020204" pitchFamily="49" charset="77"/>
-            </a:endParaRPr>
-          </a:p>
-          <a:p>
-            <a:pPr marL="0" indent="0">
-              <a:buNone/>
-            </a:pPr>
-            <a:r>
-              <a:rPr lang="en-US" dirty="0">
-                <a:latin typeface="Source Code Pro" panose="020B0509030403020204" pitchFamily="49" charset="77"/>
-              </a:rPr>
-              <a:t>add_5 = compose(add_2, add_3)</a:t>
-            </a:r>
-          </a:p>
-          <a:p>
-            <a:pPr marL="0" indent="0">
-              <a:buNone/>
-            </a:pPr>
-            <a:r>
-              <a:rPr lang="en-US" dirty="0">
-                <a:latin typeface="Source Code Pro" panose="020B0509030403020204" pitchFamily="49" charset="77"/>
-              </a:rPr>
-              <a:t>z = add_5(x)</a:t>
-            </a:r>
-          </a:p>
-        </p:txBody>
-      </p:sp>
-      <p:sp>
-        <p:nvSpPr>
-          <p:cNvPr id="4" name="Slide Number Placeholder 3">
-            <a:extLst>
-              <a:ext uri="{FF2B5EF4-FFF2-40B4-BE49-F238E27FC236}">
-                <a16:creationId xmlns:a16="http://schemas.microsoft.com/office/drawing/2014/main" id="{29BE940C-8AD0-2342-B83A-952E1C7E3C82}"/>
-              </a:ext>
-            </a:extLst>
-          </p:cNvPr>
-          <p:cNvSpPr>
-            <a:spLocks noGrp="1"/>
-          </p:cNvSpPr>
-          <p:nvPr>
-            <p:ph type="sldNum" sz="quarter" idx="12"/>
-          </p:nvPr>
-        </p:nvSpPr>
-        <p:spPr/>
-        <p:txBody>
-          <a:bodyPr/>
-          <a:lstStyle/>
-          <a:p>
-            <a:pPr>
-              <a:defRPr/>
-            </a:pPr>
-            <a:fld id="{ACA94121-BA6C-AD43-82C2-DF1F24FE5D9C}" type="slidenum">
-              <a:rPr lang="en-US" smtClean="0"/>
-              <a:pPr>
-                <a:defRPr/>
-              </a:pPr>
-              <a:t>16</a:t>
-            </a:fld>
-            <a:endParaRPr lang="en-US" b="0"/>
-          </a:p>
-        </p:txBody>
-      </p:sp>
-    </p:spTree>
-    <p:extLst>
-      <p:ext uri="{BB962C8B-B14F-4D97-AF65-F5344CB8AC3E}">
-        <p14:creationId xmlns:p14="http://schemas.microsoft.com/office/powerpoint/2010/main" val="3318854379"/>
-      </p:ext>
-    </p:extLst>
-  </p:cSld>
-  <p:clrMapOvr>
-    <a:masterClrMapping/>
-  </p:clrMapOvr>
-</p:sld>
-</file>
-
-<file path=ppt/slides/slide17.xml><?xml version="1.0" encoding="utf-8"?>
-<p:sld xmlns:a="http://schemas.openxmlformats.org/drawingml/2006/main" xmlns:r="http://schemas.openxmlformats.org/officeDocument/2006/relationships" xmlns:p="http://schemas.openxmlformats.org/presentationml/2006/main">
-  <p:cSld>
-    <p:spTree>
-      <p:nvGrpSpPr>
-        <p:cNvPr id="1" name=""/>
-        <p:cNvGrpSpPr/>
-        <p:nvPr/>
-      </p:nvGrpSpPr>
-      <p:grpSpPr>
-        <a:xfrm>
-          <a:off x="0" y="0"/>
-          <a:ext cx="0" cy="0"/>
-          <a:chOff x="0" y="0"/>
-          <a:chExt cx="0" cy="0"/>
-        </a:xfrm>
-      </p:grpSpPr>
-      <p:sp>
-        <p:nvSpPr>
-          <p:cNvPr id="2" name="Title 1">
-            <a:extLst>
-              <a:ext uri="{FF2B5EF4-FFF2-40B4-BE49-F238E27FC236}">
-                <a16:creationId xmlns:a16="http://schemas.microsoft.com/office/drawing/2014/main" id="{3D058CAE-0705-B045-AD80-3D6241BFCD42}"/>
-              </a:ext>
-            </a:extLst>
-          </p:cNvPr>
-          <p:cNvSpPr>
-            <a:spLocks noGrp="1"/>
-          </p:cNvSpPr>
-          <p:nvPr>
-            <p:ph type="title"/>
-          </p:nvPr>
-        </p:nvSpPr>
-        <p:spPr/>
-        <p:txBody>
-          <a:bodyPr/>
-          <a:lstStyle/>
-          <a:p>
-            <a:r>
-              <a:rPr lang="en-US" dirty="0"/>
-              <a:t>Environment Diagram Tips / Links</a:t>
-            </a:r>
-          </a:p>
-        </p:txBody>
-      </p:sp>
-      <p:sp>
-        <p:nvSpPr>
-          <p:cNvPr id="3" name="Content Placeholder 2">
-            <a:extLst>
-              <a:ext uri="{FF2B5EF4-FFF2-40B4-BE49-F238E27FC236}">
-                <a16:creationId xmlns:a16="http://schemas.microsoft.com/office/drawing/2014/main" id="{40501BF4-AA36-5D41-AE04-17550495ECA3}"/>
-              </a:ext>
-            </a:extLst>
-          </p:cNvPr>
-          <p:cNvSpPr>
-            <a:spLocks noGrp="1"/>
-          </p:cNvSpPr>
-          <p:nvPr>
-            <p:ph idx="1"/>
-          </p:nvPr>
-        </p:nvSpPr>
-        <p:spPr/>
-        <p:txBody>
-          <a:bodyPr/>
-          <a:lstStyle/>
-          <a:p>
-            <a:r>
-              <a:rPr lang="en-US" dirty="0"/>
-              <a:t>NEVER draw an arrow from one variable to another.</a:t>
-            </a:r>
-          </a:p>
-          <a:p>
-            <a:r>
-              <a:rPr lang="en-US" dirty="0"/>
-              <a:t>Useful Resources:</a:t>
-            </a:r>
-          </a:p>
-          <a:p>
-            <a:pPr lvl="1"/>
-            <a:r>
-              <a:rPr lang="en-US" dirty="0"/>
-              <a:t>http://</a:t>
-            </a:r>
-            <a:r>
-              <a:rPr lang="en-US" dirty="0" err="1"/>
-              <a:t>markmiyashita.com</a:t>
-            </a:r>
-            <a:r>
-              <a:rPr lang="en-US" dirty="0"/>
-              <a:t>/cs61a/</a:t>
-            </a:r>
-            <a:r>
-              <a:rPr lang="en-US" dirty="0" err="1"/>
-              <a:t>environment_diagrams</a:t>
-            </a:r>
-            <a:r>
-              <a:rPr lang="en-US" dirty="0"/>
-              <a:t>/</a:t>
-            </a:r>
-            <a:r>
-              <a:rPr lang="en-US" dirty="0" err="1"/>
-              <a:t>rules_of_environment_diagrams</a:t>
-            </a:r>
-            <a:r>
-              <a:rPr lang="en-US" dirty="0"/>
-              <a:t>/</a:t>
-            </a:r>
-          </a:p>
-          <a:p>
-            <a:pPr lvl="1"/>
-            <a:r>
-              <a:rPr lang="en-US" dirty="0"/>
-              <a:t>http://</a:t>
-            </a:r>
-            <a:r>
-              <a:rPr lang="en-US" dirty="0" err="1"/>
-              <a:t>albertwu.org</a:t>
-            </a:r>
-            <a:r>
-              <a:rPr lang="en-US" dirty="0"/>
-              <a:t>/cs61a/notes/</a:t>
-            </a:r>
-            <a:r>
-              <a:rPr lang="en-US" dirty="0" err="1"/>
-              <a:t>environments.html</a:t>
-            </a:r>
-            <a:endParaRPr lang="en-US" dirty="0"/>
-          </a:p>
-          <a:p>
-            <a:endParaRPr lang="en-US" dirty="0"/>
-          </a:p>
-        </p:txBody>
-      </p:sp>
-    </p:spTree>
-    <p:extLst>
-      <p:ext uri="{BB962C8B-B14F-4D97-AF65-F5344CB8AC3E}">
-        <p14:creationId xmlns:p14="http://schemas.microsoft.com/office/powerpoint/2010/main" val="4187754231"/>
-      </p:ext>
-    </p:extLst>
-  </p:cSld>
-  <p:clrMapOvr>
-    <a:masterClrMapping/>
-  </p:clrMapOvr>
-</p:sld>
-</file>
-
-<file path=ppt/slides/slide2.xml><?xml version="1.0" encoding="utf-8"?>
-<p:sld xmlns:a="http://schemas.openxmlformats.org/drawingml/2006/main" xmlns:r="http://schemas.openxmlformats.org/officeDocument/2006/relationships" xmlns:p="http://schemas.openxmlformats.org/presentationml/2006/main" show="0">
   <p:cSld>
     <p:spTree>
       <p:nvGrpSpPr>
@@ -8153,71 +9268,83 @@
           <a:p>
             <a:r>
               <a:rPr lang="en-US" dirty="0"/>
-              <a:t>LOST/Exam Prep Sections begin this week</a:t>
+              <a:t>The weeks-long saga is over!</a:t>
             </a:r>
           </a:p>
           <a:p>
             <a:r>
               <a:rPr lang="en-US" dirty="0"/>
-              <a:t>Please complete the daily screener! </a:t>
-            </a:r>
-          </a:p>
-          <a:p>
+              <a:t>Early next week:</a:t>
+            </a:r>
+          </a:p>
+          <a:p>
+            <a:pPr lvl="1"/>
             <a:r>
               <a:rPr lang="en-US" dirty="0"/>
-              <a:t>Some things on the horizon</a:t>
+              <a:t> TWO new sections added</a:t>
             </a:r>
           </a:p>
           <a:p>
             <a:pPr lvl="1"/>
             <a:r>
               <a:rPr lang="en-US" dirty="0"/>
-              <a:t> HW 2 due this Friday, Sept 17</a:t>
+              <a:t> Will send out a form for transferring work from 61A</a:t>
             </a:r>
           </a:p>
           <a:p>
             <a:pPr lvl="1"/>
             <a:r>
               <a:rPr lang="en-US" dirty="0"/>
-              <a:t> Maps scheduled to be released around Oct 1 (around a 2 week project)</a:t>
+              <a:t> Will give extensions for Labs 1, 2, 3 and Homework 1, 2</a:t>
             </a:r>
           </a:p>
           <a:p>
             <a:r>
               <a:rPr lang="en-US" dirty="0"/>
-              <a:t>From Computer Science Mentors (CSM)</a:t>
-            </a:r>
-          </a:p>
-          <a:p>
-            <a:pPr lvl="1"/>
-            <a:r>
-              <a:rPr lang="en-US" dirty="0"/>
-              <a:t> Sections start this week on Wednesday, mentor will email location soon if they haven’t already</a:t>
-            </a:r>
-          </a:p>
-          <a:p>
-            <a:pPr lvl="1"/>
-            <a:r>
-              <a:rPr lang="en-US" dirty="0"/>
-              <a:t> First 3 weeks are mandatory unless excused absence and if you are taking CSM for a unit, only 2 unexcused absences</a:t>
-            </a:r>
-          </a:p>
-          <a:p>
-            <a:pPr lvl="1"/>
-            <a:endParaRPr lang="en-US" dirty="0"/>
-          </a:p>
-          <a:p>
-            <a:pPr marL="342900" lvl="1" indent="0">
-              <a:buNone/>
-            </a:pPr>
-            <a:endParaRPr lang="en-US" dirty="0"/>
-          </a:p>
-          <a:p>
-            <a:pPr lvl="1"/>
+              <a:t>if I don't respond to  your email about enrollment, I'm sorry. </a:t>
+            </a:r>
+          </a:p>
+          <a:p>
             <a:endParaRPr lang="en-US" dirty="0"/>
           </a:p>
         </p:txBody>
       </p:sp>
+      <p:pic>
+        <p:nvPicPr>
+          <p:cNvPr id="3" name="Picture 2" descr="Graphical user interface, text&#10;&#10;Description automatically generated">
+            <a:extLst>
+              <a:ext uri="{FF2B5EF4-FFF2-40B4-BE49-F238E27FC236}">
+                <a16:creationId xmlns:a16="http://schemas.microsoft.com/office/drawing/2014/main" id="{CEA6C1E3-39B0-4D5B-1072-646D9431C440}"/>
+              </a:ext>
+            </a:extLst>
+          </p:cNvPr>
+          <p:cNvPicPr>
+            <a:picLocks noChangeAspect="1"/>
+          </p:cNvPicPr>
+          <p:nvPr/>
+        </p:nvPicPr>
+        <p:blipFill>
+          <a:blip r:embed="rId2">
+            <a:extLst>
+              <a:ext uri="{28A0092B-C50C-407E-A947-70E740481C1C}">
+                <a14:useLocalDpi xmlns:a14="http://schemas.microsoft.com/office/drawing/2010/main" val="0"/>
+              </a:ext>
+            </a:extLst>
+          </a:blip>
+          <a:stretch>
+            <a:fillRect/>
+          </a:stretch>
+        </p:blipFill>
+        <p:spPr>
+          <a:xfrm>
+            <a:off x="1499530" y="3911600"/>
+            <a:ext cx="5156200" cy="2413000"/>
+          </a:xfrm>
+          <a:prstGeom prst="rect">
+            <a:avLst/>
+          </a:prstGeom>
+        </p:spPr>
+      </p:pic>
     </p:spTree>
     <p:extLst>
       <p:ext uri="{BB962C8B-B14F-4D97-AF65-F5344CB8AC3E}">
@@ -8258,8 +9385,8 @@
 </p:sld>
 </file>
 
-<file path=ppt/slides/slide3.xml><?xml version="1.0" encoding="utf-8"?>
-<p:sld xmlns:a="http://schemas.openxmlformats.org/drawingml/2006/main" xmlns:r="http://schemas.openxmlformats.org/officeDocument/2006/relationships" xmlns:p="http://schemas.openxmlformats.org/presentationml/2006/main" show="0">
+<file path=ppt/slides/slide20.xml><?xml version="1.0" encoding="utf-8"?>
+<p:sld xmlns:a="http://schemas.openxmlformats.org/drawingml/2006/main" xmlns:r="http://schemas.openxmlformats.org/officeDocument/2006/relationships" xmlns:p="http://schemas.openxmlformats.org/presentationml/2006/main">
   <p:cSld>
     <p:spTree>
       <p:nvGrpSpPr>
@@ -8280,7 +9407,7 @@
           <p:cNvPr id="2" name="Title 1">
             <a:extLst>
               <a:ext uri="{FF2B5EF4-FFF2-40B4-BE49-F238E27FC236}">
-                <a16:creationId xmlns:a16="http://schemas.microsoft.com/office/drawing/2014/main" id="{8BA9E813-7897-4C40-9C99-BB209FB99CBE}"/>
+                <a16:creationId xmlns:a16="http://schemas.microsoft.com/office/drawing/2014/main" id="{3240DA3F-5262-644A-8A04-EDF80650B9C2}"/>
               </a:ext>
             </a:extLst>
           </p:cNvPr>
@@ -8291,19 +9418,14 @@
             <p:ph type="title"/>
           </p:nvPr>
         </p:nvSpPr>
-        <p:spPr>
-          <a:xfrm>
-            <a:off x="533400" y="183996"/>
-            <a:ext cx="10210800" cy="736600"/>
-          </a:xfrm>
-        </p:spPr>
+        <p:spPr/>
         <p:txBody>
           <a:bodyPr/>
           <a:lstStyle/>
           <a:p>
             <a:r>
               <a:rPr lang="en-US" dirty="0"/>
-              <a:t>Computing In the News: Building for a Hybrid Workspace</a:t>
+              <a:t>Example 2</a:t>
             </a:r>
           </a:p>
         </p:txBody>
@@ -8313,7 +9435,7 @@
           <p:cNvPr id="3" name="Content Placeholder 2">
             <a:extLst>
               <a:ext uri="{FF2B5EF4-FFF2-40B4-BE49-F238E27FC236}">
-                <a16:creationId xmlns:a16="http://schemas.microsoft.com/office/drawing/2014/main" id="{C70BFE8D-535E-1840-8FCB-45FC8160C852}"/>
+                <a16:creationId xmlns:a16="http://schemas.microsoft.com/office/drawing/2014/main" id="{284F9A36-1B36-EA49-B322-395902ACCA87}"/>
               </a:ext>
             </a:extLst>
           </p:cNvPr>
@@ -8326,8 +9448,8 @@
         </p:nvSpPr>
         <p:spPr>
           <a:xfrm>
-            <a:off x="533399" y="2008682"/>
-            <a:ext cx="11516639" cy="4107305"/>
+            <a:off x="533399" y="1066800"/>
+            <a:ext cx="11225011" cy="5257800"/>
           </a:xfrm>
         </p:spPr>
         <p:txBody>
@@ -8337,117 +9459,71 @@
             <a:pPr marL="0" indent="0">
               <a:buNone/>
             </a:pPr>
-            <a:endParaRPr lang="en-US" sz="1600" b="1" i="1" dirty="0">
-              <a:solidFill>
-                <a:srgbClr val="030303"/>
-              </a:solidFill>
-              <a:latin typeface="Verdana" panose="020B0604030504040204" pitchFamily="34" charset="0"/>
-              <a:ea typeface="Verdana" panose="020B0604030504040204" pitchFamily="34" charset="0"/>
-              <a:cs typeface="Verdana" panose="020B0604030504040204" pitchFamily="34" charset="0"/>
-            </a:endParaRPr>
+            <a:r>
+              <a:rPr lang="en-US" sz="2200" dirty="0">
+                <a:latin typeface="Source Code Pro" panose="020B0509030403020204" pitchFamily="49" charset="0"/>
+                <a:ea typeface="Source Code Pro" panose="020B0509030403020204" pitchFamily="49" charset="0"/>
+              </a:rPr>
+              <a:t>def </a:t>
+            </a:r>
+            <a:r>
+              <a:rPr lang="en-US" sz="2200" dirty="0" err="1">
+                <a:latin typeface="Source Code Pro" panose="020B0509030403020204" pitchFamily="49" charset="0"/>
+                <a:ea typeface="Source Code Pro" panose="020B0509030403020204" pitchFamily="49" charset="0"/>
+              </a:rPr>
+              <a:t>make_adder</a:t>
+            </a:r>
+            <a:r>
+              <a:rPr lang="en-US" sz="2200" dirty="0">
+                <a:latin typeface="Source Code Pro" panose="020B0509030403020204" pitchFamily="49" charset="0"/>
+                <a:ea typeface="Source Code Pro" panose="020B0509030403020204" pitchFamily="49" charset="0"/>
+              </a:rPr>
+              <a:t>(n):</a:t>
+            </a:r>
           </a:p>
           <a:p>
             <a:pPr marL="0" indent="0">
               <a:buNone/>
             </a:pPr>
-            <a:endParaRPr lang="en-US" sz="1600" b="1" i="1" dirty="0">
-              <a:solidFill>
-                <a:srgbClr val="030303"/>
-              </a:solidFill>
-              <a:latin typeface="Verdana" panose="020B0604030504040204" pitchFamily="34" charset="0"/>
-              <a:ea typeface="Verdana" panose="020B0604030504040204" pitchFamily="34" charset="0"/>
-              <a:cs typeface="Verdana" panose="020B0604030504040204" pitchFamily="34" charset="0"/>
-            </a:endParaRPr>
+            <a:r>
+              <a:rPr lang="en-US" sz="2200" dirty="0">
+                <a:latin typeface="Source Code Pro" panose="020B0509030403020204" pitchFamily="49" charset="0"/>
+                <a:ea typeface="Source Code Pro" panose="020B0509030403020204" pitchFamily="49" charset="0"/>
+              </a:rPr>
+              <a:t>    def adder(k):</a:t>
+            </a:r>
           </a:p>
           <a:p>
             <a:pPr marL="0" indent="0">
               <a:buNone/>
             </a:pPr>
-            <a:endParaRPr lang="en-US" sz="1600" dirty="0">
-              <a:latin typeface="Verdana" panose="020B0604030504040204" pitchFamily="34" charset="0"/>
-              <a:ea typeface="Verdana" panose="020B0604030504040204" pitchFamily="34" charset="0"/>
-              <a:cs typeface="Verdana" panose="020B0604030504040204" pitchFamily="34" charset="0"/>
-            </a:endParaRPr>
+            <a:r>
+              <a:rPr lang="en-US" sz="2200" dirty="0">
+                <a:latin typeface="Source Code Pro" panose="020B0509030403020204" pitchFamily="49" charset="0"/>
+                <a:ea typeface="Source Code Pro" panose="020B0509030403020204" pitchFamily="49" charset="0"/>
+              </a:rPr>
+              <a:t>        return k + n</a:t>
+            </a:r>
           </a:p>
           <a:p>
             <a:pPr marL="0" indent="0">
               <a:buNone/>
             </a:pPr>
             <a:r>
-              <a:rPr lang="en-US" sz="1600" dirty="0">
-                <a:latin typeface="Verdana" panose="020B0604030504040204" pitchFamily="34" charset="0"/>
-                <a:ea typeface="Verdana" panose="020B0604030504040204" pitchFamily="34" charset="0"/>
-                <a:cs typeface="Verdana" panose="020B0604030504040204" pitchFamily="34" charset="0"/>
-              </a:rPr>
-              <a:t>Microsoft unveiled </a:t>
-            </a:r>
-            <a:r>
-              <a:rPr lang="en-US" sz="1600" dirty="0">
-                <a:latin typeface="Verdana" panose="020B0604030504040204" pitchFamily="34" charset="0"/>
-                <a:ea typeface="Verdana" panose="020B0604030504040204" pitchFamily="34" charset="0"/>
-                <a:cs typeface="Verdana" panose="020B0604030504040204" pitchFamily="34" charset="0"/>
-                <a:hlinkClick r:id="rId2"/>
-              </a:rPr>
-              <a:t>several new intelligent camera features</a:t>
-            </a:r>
-            <a:r>
-              <a:rPr lang="en-US" sz="1600" dirty="0">
-                <a:latin typeface="Verdana" panose="020B0604030504040204" pitchFamily="34" charset="0"/>
-                <a:ea typeface="Verdana" panose="020B0604030504040204" pitchFamily="34" charset="0"/>
-                <a:cs typeface="Verdana" panose="020B0604030504040204" pitchFamily="34" charset="0"/>
-              </a:rPr>
-              <a:t> for its </a:t>
-            </a:r>
-            <a:br>
-              <a:rPr lang="en-US" sz="1600" dirty="0">
-                <a:latin typeface="Verdana" panose="020B0604030504040204" pitchFamily="34" charset="0"/>
-                <a:ea typeface="Verdana" panose="020B0604030504040204" pitchFamily="34" charset="0"/>
-                <a:cs typeface="Verdana" panose="020B0604030504040204" pitchFamily="34" charset="0"/>
-              </a:rPr>
-            </a:br>
-            <a:r>
-              <a:rPr lang="en-US" sz="1600" dirty="0">
-                <a:latin typeface="Verdana" panose="020B0604030504040204" pitchFamily="34" charset="0"/>
-                <a:ea typeface="Verdana" panose="020B0604030504040204" pitchFamily="34" charset="0"/>
-                <a:cs typeface="Verdana" panose="020B0604030504040204" pitchFamily="34" charset="0"/>
-              </a:rPr>
-              <a:t>Teams Rooms platform to better support hybrid meetings. Among </a:t>
-            </a:r>
-            <a:br>
-              <a:rPr lang="en-US" sz="1600" dirty="0">
-                <a:latin typeface="Verdana" panose="020B0604030504040204" pitchFamily="34" charset="0"/>
-                <a:ea typeface="Verdana" panose="020B0604030504040204" pitchFamily="34" charset="0"/>
-                <a:cs typeface="Verdana" panose="020B0604030504040204" pitchFamily="34" charset="0"/>
-              </a:rPr>
-            </a:br>
-            <a:r>
-              <a:rPr lang="en-US" sz="1600" dirty="0">
-                <a:latin typeface="Verdana" panose="020B0604030504040204" pitchFamily="34" charset="0"/>
-                <a:ea typeface="Verdana" panose="020B0604030504040204" pitchFamily="34" charset="0"/>
-                <a:cs typeface="Verdana" panose="020B0604030504040204" pitchFamily="34" charset="0"/>
-              </a:rPr>
-              <a:t>the new capabilities is “active speaker tracking,” which enables meeting room cameras to detect who is speaking in a conference room with several colleagues present. It does so by tracking audio, facial movements and hand gestures, allowing the camera to zoom in on the speaker. Additionally, each in-office participant can be placed in their own video pane, in the same way remote colleagues are presented, and facial recognition can identify participants and display their profile name. To help individuals in meeting rooms contribute more dynamically, Microsoft is updating companion mode in Teams mobile to give in-room attendees quick access to engagements features like chat, live reactions, and Microsoft Whiteboard.</a:t>
-            </a:r>
-            <a:endParaRPr lang="en-US" sz="1600" b="1" i="1" dirty="0">
-              <a:solidFill>
-                <a:srgbClr val="030303"/>
-              </a:solidFill>
-              <a:latin typeface="Verdana" panose="020B0604030504040204" pitchFamily="34" charset="0"/>
-              <a:ea typeface="Verdana" panose="020B0604030504040204" pitchFamily="34" charset="0"/>
-              <a:cs typeface="Verdana" panose="020B0604030504040204" pitchFamily="34" charset="0"/>
-            </a:endParaRPr>
+              <a:rPr lang="en-US" sz="2200" dirty="0">
+                <a:latin typeface="Source Code Pro" panose="020B0509030403020204" pitchFamily="49" charset="0"/>
+                <a:ea typeface="Source Code Pro" panose="020B0509030403020204" pitchFamily="49" charset="0"/>
+              </a:rPr>
+              <a:t>    return adder</a:t>
+            </a:r>
           </a:p>
           <a:p>
             <a:pPr marL="0" indent="0">
               <a:buNone/>
             </a:pPr>
-            <a:endParaRPr lang="en-US" sz="1600" dirty="0">
-              <a:solidFill>
-                <a:srgbClr val="030303"/>
-              </a:solidFill>
-              <a:latin typeface="Verdana" panose="020B0604030504040204" pitchFamily="34" charset="0"/>
-              <a:ea typeface="Verdana" panose="020B0604030504040204" pitchFamily="34" charset="0"/>
-              <a:cs typeface="Verdana" panose="020B0604030504040204" pitchFamily="34" charset="0"/>
+            <a:endParaRPr lang="en-US" sz="2200" dirty="0">
+              <a:latin typeface="Source Code Pro" panose="020B0509030403020204" pitchFamily="49" charset="0"/>
+              <a:ea typeface="Source Code Pro" panose="020B0509030403020204" pitchFamily="49" charset="0"/>
             </a:endParaRPr>
           </a:p>
           <a:p>
@@ -8455,152 +9531,101 @@
               <a:buNone/>
             </a:pPr>
             <a:r>
-              <a:rPr lang="en-US" sz="1300" dirty="0">
-                <a:solidFill>
-                  <a:srgbClr val="030303"/>
-                </a:solidFill>
-                <a:latin typeface="Verdana" panose="020B0604030504040204" pitchFamily="34" charset="0"/>
-                <a:ea typeface="Verdana" panose="020B0604030504040204" pitchFamily="34" charset="0"/>
-                <a:cs typeface="Verdana" panose="020B0604030504040204" pitchFamily="34" charset="0"/>
-              </a:rPr>
-              <a:t>Sources: </a:t>
-            </a:r>
-            <a:r>
-              <a:rPr lang="en-US" sz="1300" dirty="0">
-                <a:solidFill>
-                  <a:srgbClr val="030303"/>
-                </a:solidFill>
-                <a:latin typeface="Verdana" panose="020B0604030504040204" pitchFamily="34" charset="0"/>
-                <a:ea typeface="Verdana" panose="020B0604030504040204" pitchFamily="34" charset="0"/>
-                <a:cs typeface="Verdana" panose="020B0604030504040204" pitchFamily="34" charset="0"/>
-                <a:hlinkClick r:id="rId3"/>
-              </a:rPr>
-              <a:t>https://www.computerworld.com/article/3632996/as-the-hybrid-workplace-emerges-microsoft-and-google-beef-up-video-tools.html</a:t>
-            </a:r>
-            <a:r>
-              <a:rPr lang="en-US" sz="1300" dirty="0">
-                <a:solidFill>
-                  <a:srgbClr val="030303"/>
-                </a:solidFill>
-                <a:latin typeface="Verdana" panose="020B0604030504040204" pitchFamily="34" charset="0"/>
-                <a:ea typeface="Verdana" panose="020B0604030504040204" pitchFamily="34" charset="0"/>
-                <a:cs typeface="Verdana" panose="020B0604030504040204" pitchFamily="34" charset="0"/>
-              </a:rPr>
-              <a:t>, </a:t>
-            </a:r>
-            <a:r>
-              <a:rPr lang="en-US" sz="1300" dirty="0">
-                <a:solidFill>
-                  <a:srgbClr val="030303"/>
-                </a:solidFill>
-                <a:latin typeface="Verdana" panose="020B0604030504040204" pitchFamily="34" charset="0"/>
-                <a:ea typeface="Verdana" panose="020B0604030504040204" pitchFamily="34" charset="0"/>
-                <a:cs typeface="Verdana" panose="020B0604030504040204" pitchFamily="34" charset="0"/>
-                <a:hlinkClick r:id="rId2"/>
-              </a:rPr>
-              <a:t>https://www.microsoft.com/en-us/microsoft-365/blog/2021/09/09/brace-yourselves-hybrid-work-is-hard-heres-how-microsoft-teams-and-office-365-can-help/</a:t>
-            </a:r>
-            <a:r>
-              <a:rPr lang="en-US" sz="1300" dirty="0">
-                <a:solidFill>
-                  <a:srgbClr val="030303"/>
-                </a:solidFill>
-                <a:latin typeface="Verdana" panose="020B0604030504040204" pitchFamily="34" charset="0"/>
-                <a:ea typeface="Verdana" panose="020B0604030504040204" pitchFamily="34" charset="0"/>
-                <a:cs typeface="Verdana" panose="020B0604030504040204" pitchFamily="34" charset="0"/>
-              </a:rPr>
-              <a:t> </a:t>
-            </a:r>
+              <a:rPr lang="en-US" sz="2200" dirty="0">
+                <a:latin typeface="Source Code Pro" panose="020B0509030403020204" pitchFamily="49" charset="0"/>
+                <a:ea typeface="Source Code Pro" panose="020B0509030403020204" pitchFamily="49" charset="0"/>
+              </a:rPr>
+              <a:t>n = 10    </a:t>
+            </a:r>
+          </a:p>
+          <a:p>
+            <a:pPr marL="0" indent="0">
+              <a:buNone/>
+            </a:pPr>
+            <a:r>
+              <a:rPr lang="en-US" sz="2200" dirty="0">
+                <a:latin typeface="Source Code Pro" panose="020B0509030403020204" pitchFamily="49" charset="0"/>
+                <a:ea typeface="Source Code Pro" panose="020B0509030403020204" pitchFamily="49" charset="0"/>
+              </a:rPr>
+              <a:t>add_2 = </a:t>
+            </a:r>
+            <a:r>
+              <a:rPr lang="en-US" sz="2200" dirty="0" err="1">
+                <a:latin typeface="Source Code Pro" panose="020B0509030403020204" pitchFamily="49" charset="0"/>
+                <a:ea typeface="Source Code Pro" panose="020B0509030403020204" pitchFamily="49" charset="0"/>
+              </a:rPr>
+              <a:t>make_adder</a:t>
+            </a:r>
+            <a:r>
+              <a:rPr lang="en-US" sz="2200" dirty="0">
+                <a:latin typeface="Source Code Pro" panose="020B0509030403020204" pitchFamily="49" charset="0"/>
+                <a:ea typeface="Source Code Pro" panose="020B0509030403020204" pitchFamily="49" charset="0"/>
+              </a:rPr>
+              <a:t>(2)</a:t>
+            </a:r>
+          </a:p>
+          <a:p>
+            <a:pPr marL="0" indent="0">
+              <a:buNone/>
+            </a:pPr>
+            <a:r>
+              <a:rPr lang="en-US" sz="2200" dirty="0">
+                <a:latin typeface="Source Code Pro" panose="020B0509030403020204" pitchFamily="49" charset="0"/>
+                <a:ea typeface="Source Code Pro" panose="020B0509030403020204" pitchFamily="49" charset="0"/>
+              </a:rPr>
+              <a:t>x = add_2(5)</a:t>
+            </a:r>
+            <a:endParaRPr lang="en-US" sz="2200" dirty="0">
+              <a:solidFill>
+                <a:schemeClr val="bg1">
+                  <a:lumMod val="50000"/>
+                </a:schemeClr>
+              </a:solidFill>
+              <a:latin typeface="Source Code Pro" panose="020B0509030403020204" pitchFamily="49" charset="0"/>
+              <a:ea typeface="Source Code Pro" panose="020B0509030403020204" pitchFamily="49" charset="0"/>
+            </a:endParaRPr>
           </a:p>
         </p:txBody>
       </p:sp>
-      <p:pic>
-        <p:nvPicPr>
-          <p:cNvPr id="8" name="Picture 7" descr="A collage of people&#10;&#10;Description automatically generated with low confidence">
+      <p:sp>
+        <p:nvSpPr>
+          <p:cNvPr id="4" name="Slide Number Placeholder 3">
             <a:extLst>
               <a:ext uri="{FF2B5EF4-FFF2-40B4-BE49-F238E27FC236}">
-                <a16:creationId xmlns:a16="http://schemas.microsoft.com/office/drawing/2014/main" id="{41CBE40D-3326-0340-8799-41EDFBAFF069}"/>
+                <a16:creationId xmlns:a16="http://schemas.microsoft.com/office/drawing/2014/main" id="{FC48DF3A-EE49-4D43-8D52-1F01AC76B77D}"/>
               </a:ext>
             </a:extLst>
           </p:cNvPr>
-          <p:cNvPicPr>
-            <a:picLocks noChangeAspect="1"/>
-          </p:cNvPicPr>
-          <p:nvPr/>
-        </p:nvPicPr>
-        <p:blipFill>
-          <a:blip r:embed="rId4">
-            <a:extLst>
-              <a:ext uri="{28A0092B-C50C-407E-A947-70E740481C1C}">
-                <a14:useLocalDpi xmlns:a14="http://schemas.microsoft.com/office/drawing/2010/main" val="0"/>
-              </a:ext>
-            </a:extLst>
-          </a:blip>
-          <a:stretch>
-            <a:fillRect/>
-          </a:stretch>
-        </p:blipFill>
-        <p:spPr>
-          <a:xfrm>
-            <a:off x="7850688" y="981382"/>
-            <a:ext cx="3807912" cy="2146948"/>
-          </a:xfrm>
-          <a:prstGeom prst="rect">
-            <a:avLst/>
-          </a:prstGeom>
-        </p:spPr>
-      </p:pic>
-      <p:sp>
-        <p:nvSpPr>
-          <p:cNvPr id="9" name="TextBox 8">
-            <a:extLst>
-              <a:ext uri="{FF2B5EF4-FFF2-40B4-BE49-F238E27FC236}">
-                <a16:creationId xmlns:a16="http://schemas.microsoft.com/office/drawing/2014/main" id="{264C1189-24FE-5941-B74F-2969DC53627D}"/>
-              </a:ext>
-            </a:extLst>
-          </p:cNvPr>
-          <p:cNvSpPr txBox="1"/>
-          <p:nvPr/>
+          <p:cNvSpPr>
+            <a:spLocks noGrp="1"/>
+          </p:cNvSpPr>
+          <p:nvPr>
+            <p:ph type="sldNum" sz="quarter" idx="12"/>
+          </p:nvPr>
         </p:nvSpPr>
-        <p:spPr>
-          <a:xfrm>
-            <a:off x="533399" y="1303931"/>
-            <a:ext cx="6783889" cy="1569660"/>
-          </a:xfrm>
-          <a:prstGeom prst="rect">
-            <a:avLst/>
-          </a:prstGeom>
-          <a:noFill/>
-        </p:spPr>
+        <p:spPr/>
         <p:txBody>
-          <a:bodyPr wrap="square" rtlCol="0">
-            <a:spAutoFit/>
-          </a:bodyPr>
+          <a:bodyPr/>
           <a:lstStyle/>
           <a:p>
-            <a:r>
-              <a:rPr lang="en-US" sz="1600" dirty="0">
-                <a:latin typeface="Verdana" panose="020B0604030504040204" pitchFamily="34" charset="0"/>
-                <a:ea typeface="Verdana" panose="020B0604030504040204" pitchFamily="34" charset="0"/>
-                <a:cs typeface="Verdana" panose="020B0604030504040204" pitchFamily="34" charset="0"/>
-              </a:rPr>
-              <a:t>As businesses work to reopen office buildings, not all employees are keen on a return to the pre-pandemic status quo — forcing companies to adopt a “hybrid” approach to remote work. With some employees in the office, and others still at home, collaboration application and hardware vendors are now looking to support both in-office and remote workers.</a:t>
-            </a:r>
-            <a:endParaRPr lang="en-US" sz="1600" b="1" i="1" dirty="0">
-              <a:solidFill>
-                <a:srgbClr val="030303"/>
-              </a:solidFill>
-              <a:latin typeface="Verdana" panose="020B0604030504040204" pitchFamily="34" charset="0"/>
-              <a:ea typeface="Verdana" panose="020B0604030504040204" pitchFamily="34" charset="0"/>
-              <a:cs typeface="Verdana" panose="020B0604030504040204" pitchFamily="34" charset="0"/>
-            </a:endParaRPr>
+            <a:pPr>
+              <a:defRPr/>
+            </a:pPr>
+            <a:fld id="{ACA94121-BA6C-AD43-82C2-DF1F24FE5D9C}" type="slidenum">
+              <a:rPr lang="en-US" smtClean="0"/>
+              <a:pPr>
+                <a:defRPr/>
+              </a:pPr>
+              <a:t>20</a:t>
+            </a:fld>
+            <a:endParaRPr lang="en-US" b="0"/>
           </a:p>
         </p:txBody>
       </p:sp>
     </p:spTree>
     <p:extLst>
       <p:ext uri="{BB962C8B-B14F-4D97-AF65-F5344CB8AC3E}">
-        <p14:creationId xmlns:p14="http://schemas.microsoft.com/office/powerpoint/2010/main" val="1611003275"/>
+        <p14:creationId xmlns:p14="http://schemas.microsoft.com/office/powerpoint/2010/main" val="1613526114"/>
       </p:ext>
     </p:extLst>
   </p:cSld>
@@ -8610,7 +9635,407 @@
 </p:sld>
 </file>
 
-<file path=ppt/slides/slide4.xml><?xml version="1.0" encoding="utf-8"?>
+<file path=ppt/slides/slide21.xml><?xml version="1.0" encoding="utf-8"?>
+<p:sld xmlns:a="http://schemas.openxmlformats.org/drawingml/2006/main" xmlns:r="http://schemas.openxmlformats.org/officeDocument/2006/relationships" xmlns:p="http://schemas.openxmlformats.org/presentationml/2006/main">
+  <p:cSld>
+    <p:spTree>
+      <p:nvGrpSpPr>
+        <p:cNvPr id="1" name=""/>
+        <p:cNvGrpSpPr/>
+        <p:nvPr/>
+      </p:nvGrpSpPr>
+      <p:grpSpPr>
+        <a:xfrm>
+          <a:off x="0" y="0"/>
+          <a:ext cx="0" cy="0"/>
+          <a:chOff x="0" y="0"/>
+          <a:chExt cx="0" cy="0"/>
+        </a:xfrm>
+      </p:grpSpPr>
+      <p:sp>
+        <p:nvSpPr>
+          <p:cNvPr id="2" name="Title 1">
+            <a:extLst>
+              <a:ext uri="{FF2B5EF4-FFF2-40B4-BE49-F238E27FC236}">
+                <a16:creationId xmlns:a16="http://schemas.microsoft.com/office/drawing/2014/main" id="{80893AED-AB1E-9F40-BE86-23A4ED91A56E}"/>
+              </a:ext>
+            </a:extLst>
+          </p:cNvPr>
+          <p:cNvSpPr>
+            <a:spLocks noGrp="1"/>
+          </p:cNvSpPr>
+          <p:nvPr>
+            <p:ph type="title"/>
+          </p:nvPr>
+        </p:nvSpPr>
+        <p:spPr/>
+        <p:txBody>
+          <a:bodyPr/>
+          <a:lstStyle/>
+          <a:p>
+            <a:r>
+              <a:rPr lang="en-US" dirty="0"/>
+              <a:t>Python Tutor Examples</a:t>
+            </a:r>
+          </a:p>
+        </p:txBody>
+      </p:sp>
+      <p:sp>
+        <p:nvSpPr>
+          <p:cNvPr id="3" name="Content Placeholder 2">
+            <a:extLst>
+              <a:ext uri="{FF2B5EF4-FFF2-40B4-BE49-F238E27FC236}">
+                <a16:creationId xmlns:a16="http://schemas.microsoft.com/office/drawing/2014/main" id="{96930B3E-847A-CF45-BFCB-5C129A38C53F}"/>
+              </a:ext>
+            </a:extLst>
+          </p:cNvPr>
+          <p:cNvSpPr>
+            <a:spLocks noGrp="1"/>
+          </p:cNvSpPr>
+          <p:nvPr>
+            <p:ph idx="1"/>
+          </p:nvPr>
+        </p:nvSpPr>
+        <p:spPr/>
+        <p:txBody>
+          <a:bodyPr/>
+          <a:lstStyle/>
+          <a:p>
+            <a:pPr marL="0" indent="0">
+              <a:buNone/>
+            </a:pPr>
+            <a:r>
+              <a:rPr lang="en-US" dirty="0">
+                <a:latin typeface="Source Code Pro" panose="020B0509030403020204" pitchFamily="49" charset="77"/>
+              </a:rPr>
+              <a:t>add_2 = </a:t>
+            </a:r>
+            <a:r>
+              <a:rPr lang="en-US" dirty="0" err="1">
+                <a:latin typeface="Source Code Pro" panose="020B0509030403020204" pitchFamily="49" charset="77"/>
+              </a:rPr>
+              <a:t>make_adder</a:t>
+            </a:r>
+            <a:r>
+              <a:rPr lang="en-US" dirty="0">
+                <a:latin typeface="Source Code Pro" panose="020B0509030403020204" pitchFamily="49" charset="77"/>
+              </a:rPr>
+              <a:t>(2)</a:t>
+            </a:r>
+          </a:p>
+          <a:p>
+            <a:pPr marL="0" indent="0">
+              <a:buNone/>
+            </a:pPr>
+            <a:r>
+              <a:rPr lang="en-US" dirty="0">
+                <a:latin typeface="Source Code Pro" panose="020B0509030403020204" pitchFamily="49" charset="77"/>
+              </a:rPr>
+              <a:t>add_3 = </a:t>
+            </a:r>
+            <a:r>
+              <a:rPr lang="en-US" dirty="0" err="1">
+                <a:latin typeface="Source Code Pro" panose="020B0509030403020204" pitchFamily="49" charset="77"/>
+              </a:rPr>
+              <a:t>make_adder</a:t>
+            </a:r>
+            <a:r>
+              <a:rPr lang="en-US" dirty="0">
+                <a:latin typeface="Source Code Pro" panose="020B0509030403020204" pitchFamily="49" charset="77"/>
+              </a:rPr>
+              <a:t>(3)</a:t>
+            </a:r>
+          </a:p>
+          <a:p>
+            <a:pPr marL="0" indent="0">
+              <a:buNone/>
+            </a:pPr>
+            <a:endParaRPr lang="en-US" dirty="0">
+              <a:latin typeface="Source Code Pro" panose="020B0509030403020204" pitchFamily="49" charset="77"/>
+            </a:endParaRPr>
+          </a:p>
+          <a:p>
+            <a:pPr marL="0" indent="0">
+              <a:buNone/>
+            </a:pPr>
+            <a:r>
+              <a:rPr lang="en-US" dirty="0">
+                <a:latin typeface="Source Code Pro" panose="020B0509030403020204" pitchFamily="49" charset="77"/>
+              </a:rPr>
+              <a:t>x = add_2(2)</a:t>
+            </a:r>
+          </a:p>
+          <a:p>
+            <a:pPr marL="0" indent="0">
+              <a:buNone/>
+            </a:pPr>
+            <a:r>
+              <a:rPr lang="en-US" dirty="0">
+                <a:latin typeface="Source Code Pro" panose="020B0509030403020204" pitchFamily="49" charset="77"/>
+              </a:rPr>
+              <a:t>def compose(f, g):</a:t>
+            </a:r>
+          </a:p>
+          <a:p>
+            <a:pPr marL="0" indent="0">
+              <a:buNone/>
+            </a:pPr>
+            <a:r>
+              <a:rPr lang="en-US" dirty="0">
+                <a:latin typeface="Source Code Pro" panose="020B0509030403020204" pitchFamily="49" charset="77"/>
+              </a:rPr>
+              <a:t>    def h(x):</a:t>
+            </a:r>
+          </a:p>
+          <a:p>
+            <a:pPr marL="0" indent="0">
+              <a:buNone/>
+            </a:pPr>
+            <a:r>
+              <a:rPr lang="en-US" dirty="0">
+                <a:latin typeface="Source Code Pro" panose="020B0509030403020204" pitchFamily="49" charset="77"/>
+              </a:rPr>
+              <a:t>        return f(g(x))</a:t>
+            </a:r>
+          </a:p>
+          <a:p>
+            <a:pPr marL="0" indent="0">
+              <a:buNone/>
+            </a:pPr>
+            <a:r>
+              <a:rPr lang="en-US" dirty="0">
+                <a:latin typeface="Source Code Pro" panose="020B0509030403020204" pitchFamily="49" charset="77"/>
+              </a:rPr>
+              <a:t>    return h</a:t>
+            </a:r>
+          </a:p>
+          <a:p>
+            <a:pPr marL="0" indent="0">
+              <a:buNone/>
+            </a:pPr>
+            <a:endParaRPr lang="en-US" dirty="0">
+              <a:latin typeface="Source Code Pro" panose="020B0509030403020204" pitchFamily="49" charset="77"/>
+            </a:endParaRPr>
+          </a:p>
+          <a:p>
+            <a:pPr marL="0" indent="0">
+              <a:buNone/>
+            </a:pPr>
+            <a:r>
+              <a:rPr lang="en-US" dirty="0">
+                <a:latin typeface="Source Code Pro" panose="020B0509030403020204" pitchFamily="49" charset="77"/>
+              </a:rPr>
+              <a:t>add_5 = compose(add_2, add_3)</a:t>
+            </a:r>
+          </a:p>
+          <a:p>
+            <a:pPr marL="0" indent="0">
+              <a:buNone/>
+            </a:pPr>
+            <a:r>
+              <a:rPr lang="en-US" dirty="0">
+                <a:latin typeface="Source Code Pro" panose="020B0509030403020204" pitchFamily="49" charset="77"/>
+              </a:rPr>
+              <a:t>z = add_5(x)</a:t>
+            </a:r>
+          </a:p>
+        </p:txBody>
+      </p:sp>
+      <p:sp>
+        <p:nvSpPr>
+          <p:cNvPr id="4" name="Slide Number Placeholder 3">
+            <a:extLst>
+              <a:ext uri="{FF2B5EF4-FFF2-40B4-BE49-F238E27FC236}">
+                <a16:creationId xmlns:a16="http://schemas.microsoft.com/office/drawing/2014/main" id="{29BE940C-8AD0-2342-B83A-952E1C7E3C82}"/>
+              </a:ext>
+            </a:extLst>
+          </p:cNvPr>
+          <p:cNvSpPr>
+            <a:spLocks noGrp="1"/>
+          </p:cNvSpPr>
+          <p:nvPr>
+            <p:ph type="sldNum" sz="quarter" idx="12"/>
+          </p:nvPr>
+        </p:nvSpPr>
+        <p:spPr/>
+        <p:txBody>
+          <a:bodyPr/>
+          <a:lstStyle/>
+          <a:p>
+            <a:pPr>
+              <a:defRPr/>
+            </a:pPr>
+            <a:fld id="{ACA94121-BA6C-AD43-82C2-DF1F24FE5D9C}" type="slidenum">
+              <a:rPr lang="en-US" smtClean="0"/>
+              <a:pPr>
+                <a:defRPr/>
+              </a:pPr>
+              <a:t>21</a:t>
+            </a:fld>
+            <a:endParaRPr lang="en-US" b="0"/>
+          </a:p>
+        </p:txBody>
+      </p:sp>
+    </p:spTree>
+    <p:extLst>
+      <p:ext uri="{BB962C8B-B14F-4D97-AF65-F5344CB8AC3E}">
+        <p14:creationId xmlns:p14="http://schemas.microsoft.com/office/powerpoint/2010/main" val="3318854379"/>
+      </p:ext>
+    </p:extLst>
+  </p:cSld>
+  <p:clrMapOvr>
+    <a:masterClrMapping/>
+  </p:clrMapOvr>
+</p:sld>
+</file>
+
+<file path=ppt/slides/slide22.xml><?xml version="1.0" encoding="utf-8"?>
+<p:sld xmlns:a="http://schemas.openxmlformats.org/drawingml/2006/main" xmlns:r="http://schemas.openxmlformats.org/officeDocument/2006/relationships" xmlns:p="http://schemas.openxmlformats.org/presentationml/2006/main">
+  <p:cSld>
+    <p:spTree>
+      <p:nvGrpSpPr>
+        <p:cNvPr id="1" name=""/>
+        <p:cNvGrpSpPr/>
+        <p:nvPr/>
+      </p:nvGrpSpPr>
+      <p:grpSpPr>
+        <a:xfrm>
+          <a:off x="0" y="0"/>
+          <a:ext cx="0" cy="0"/>
+          <a:chOff x="0" y="0"/>
+          <a:chExt cx="0" cy="0"/>
+        </a:xfrm>
+      </p:grpSpPr>
+      <p:sp>
+        <p:nvSpPr>
+          <p:cNvPr id="2" name="Title 1">
+            <a:extLst>
+              <a:ext uri="{FF2B5EF4-FFF2-40B4-BE49-F238E27FC236}">
+                <a16:creationId xmlns:a16="http://schemas.microsoft.com/office/drawing/2014/main" id="{3D058CAE-0705-B045-AD80-3D6241BFCD42}"/>
+              </a:ext>
+            </a:extLst>
+          </p:cNvPr>
+          <p:cNvSpPr>
+            <a:spLocks noGrp="1"/>
+          </p:cNvSpPr>
+          <p:nvPr>
+            <p:ph type="title"/>
+          </p:nvPr>
+        </p:nvSpPr>
+        <p:spPr/>
+        <p:txBody>
+          <a:bodyPr/>
+          <a:lstStyle/>
+          <a:p>
+            <a:r>
+              <a:rPr lang="en-US" dirty="0"/>
+              <a:t>Environment Diagram Tips / Links</a:t>
+            </a:r>
+          </a:p>
+        </p:txBody>
+      </p:sp>
+      <p:sp>
+        <p:nvSpPr>
+          <p:cNvPr id="3" name="Content Placeholder 2">
+            <a:extLst>
+              <a:ext uri="{FF2B5EF4-FFF2-40B4-BE49-F238E27FC236}">
+                <a16:creationId xmlns:a16="http://schemas.microsoft.com/office/drawing/2014/main" id="{40501BF4-AA36-5D41-AE04-17550495ECA3}"/>
+              </a:ext>
+            </a:extLst>
+          </p:cNvPr>
+          <p:cNvSpPr>
+            <a:spLocks noGrp="1"/>
+          </p:cNvSpPr>
+          <p:nvPr>
+            <p:ph idx="1"/>
+          </p:nvPr>
+        </p:nvSpPr>
+        <p:spPr/>
+        <p:txBody>
+          <a:bodyPr/>
+          <a:lstStyle/>
+          <a:p>
+            <a:r>
+              <a:rPr lang="en-US" dirty="0"/>
+              <a:t>NEVER draw an arrow from one variable to another.</a:t>
+            </a:r>
+          </a:p>
+          <a:p>
+            <a:r>
+              <a:rPr lang="en-US" dirty="0"/>
+              <a:t>Useful Resources:</a:t>
+            </a:r>
+          </a:p>
+          <a:p>
+            <a:pPr lvl="1"/>
+            <a:r>
+              <a:rPr lang="en-US" dirty="0"/>
+              <a:t>http://</a:t>
+            </a:r>
+            <a:r>
+              <a:rPr lang="en-US" dirty="0" err="1"/>
+              <a:t>markmiyashita.com</a:t>
+            </a:r>
+            <a:r>
+              <a:rPr lang="en-US" dirty="0"/>
+              <a:t>/cs61a/</a:t>
+            </a:r>
+            <a:r>
+              <a:rPr lang="en-US" dirty="0" err="1"/>
+              <a:t>environment_diagrams</a:t>
+            </a:r>
+            <a:r>
+              <a:rPr lang="en-US" dirty="0"/>
+              <a:t>/</a:t>
+            </a:r>
+            <a:r>
+              <a:rPr lang="en-US" dirty="0" err="1"/>
+              <a:t>rules_of_environment_diagrams</a:t>
+            </a:r>
+            <a:r>
+              <a:rPr lang="en-US" dirty="0"/>
+              <a:t>/</a:t>
+            </a:r>
+          </a:p>
+          <a:p>
+            <a:pPr lvl="1"/>
+            <a:r>
+              <a:rPr lang="en-US" dirty="0"/>
+              <a:t>http://</a:t>
+            </a:r>
+            <a:r>
+              <a:rPr lang="en-US" dirty="0" err="1"/>
+              <a:t>albertwu.org</a:t>
+            </a:r>
+            <a:r>
+              <a:rPr lang="en-US" dirty="0"/>
+              <a:t>/cs61a/notes/</a:t>
+            </a:r>
+            <a:r>
+              <a:rPr lang="en-US" dirty="0" err="1"/>
+              <a:t>environments.html</a:t>
+            </a:r>
+            <a:endParaRPr lang="en-US" dirty="0"/>
+          </a:p>
+          <a:p>
+            <a:endParaRPr lang="en-US" dirty="0"/>
+          </a:p>
+        </p:txBody>
+      </p:sp>
+    </p:spTree>
+    <p:extLst>
+      <p:ext uri="{BB962C8B-B14F-4D97-AF65-F5344CB8AC3E}">
+        <p14:creationId xmlns:p14="http://schemas.microsoft.com/office/powerpoint/2010/main" val="4187754231"/>
+      </p:ext>
+    </p:extLst>
+  </p:cSld>
+  <p:clrMapOvr>
+    <a:masterClrMapping/>
+  </p:clrMapOvr>
+</p:sld>
+</file>
+
+<file path=ppt/slides/slide3.xml><?xml version="1.0" encoding="utf-8"?>
 <p:sld xmlns:a="http://schemas.openxmlformats.org/drawingml/2006/main" xmlns:r="http://schemas.openxmlformats.org/officeDocument/2006/relationships" xmlns:p="http://schemas.openxmlformats.org/presentationml/2006/main">
   <p:cSld>
     <p:spTree>
@@ -8650,22 +10075,79 @@
           <a:p>
             <a:r>
               <a:rPr lang="en-US" dirty="0"/>
-              <a:t>Higher Order Functions:</a:t>
-            </a:r>
-            <a:br>
-              <a:rPr lang="en-US" dirty="0"/>
-            </a:br>
-            <a:r>
-              <a:rPr lang="en-US" dirty="0"/>
-              <a:t>Returning a New Function</a:t>
-            </a:r>
+              <a:t>HOFs and Lists</a:t>
+            </a:r>
+          </a:p>
+        </p:txBody>
+      </p:sp>
+      <p:sp>
+        <p:nvSpPr>
+          <p:cNvPr id="3" name="TextBox 2">
+            <a:extLst>
+              <a:ext uri="{FF2B5EF4-FFF2-40B4-BE49-F238E27FC236}">
+                <a16:creationId xmlns:a16="http://schemas.microsoft.com/office/drawing/2014/main" id="{FC65FF14-EFE4-2541-8B46-FFB8E631C9CA}"/>
+              </a:ext>
+            </a:extLst>
+          </p:cNvPr>
+          <p:cNvSpPr txBox="1"/>
+          <p:nvPr/>
+        </p:nvSpPr>
+        <p:spPr>
+          <a:xfrm>
+            <a:off x="1226634" y="2598234"/>
+            <a:ext cx="184731" cy="369332"/>
+          </a:xfrm>
+          <a:prstGeom prst="rect">
+            <a:avLst/>
+          </a:prstGeom>
+          <a:noFill/>
+        </p:spPr>
+        <p:txBody>
+          <a:bodyPr wrap="none" rtlCol="0">
+            <a:spAutoFit/>
+          </a:bodyPr>
+          <a:lstStyle/>
+          <a:p>
+            <a:endParaRPr lang="en-US"/>
+          </a:p>
+        </p:txBody>
+      </p:sp>
+      <p:sp>
+        <p:nvSpPr>
+          <p:cNvPr id="15" name="TextBox 14">
+            <a:extLst>
+              <a:ext uri="{FF2B5EF4-FFF2-40B4-BE49-F238E27FC236}">
+                <a16:creationId xmlns:a16="http://schemas.microsoft.com/office/drawing/2014/main" id="{A28E7AC7-A36B-8143-80E8-F81F81D7D188}"/>
+              </a:ext>
+            </a:extLst>
+          </p:cNvPr>
+          <p:cNvSpPr txBox="1"/>
+          <p:nvPr/>
+        </p:nvSpPr>
+        <p:spPr>
+          <a:xfrm>
+            <a:off x="6550702" y="2593298"/>
+            <a:ext cx="184731" cy="369332"/>
+          </a:xfrm>
+          <a:prstGeom prst="rect">
+            <a:avLst/>
+          </a:prstGeom>
+          <a:noFill/>
+        </p:spPr>
+        <p:txBody>
+          <a:bodyPr wrap="none" rtlCol="0">
+            <a:spAutoFit/>
+          </a:bodyPr>
+          <a:lstStyle/>
+          <a:p>
+            <a:endParaRPr lang="en-US" dirty="0"/>
           </a:p>
         </p:txBody>
       </p:sp>
     </p:spTree>
     <p:extLst>
       <p:ext uri="{BB962C8B-B14F-4D97-AF65-F5344CB8AC3E}">
-        <p14:creationId xmlns:p14="http://schemas.microsoft.com/office/powerpoint/2010/main" val="4264810558"/>
+        <p14:creationId xmlns:p14="http://schemas.microsoft.com/office/powerpoint/2010/main" val="3285781635"/>
       </p:ext>
     </p:extLst>
   </p:cSld>
@@ -8702,6 +10184,512 @@
 </p:sld>
 </file>
 
+<file path=ppt/slides/slide4.xml><?xml version="1.0" encoding="utf-8"?>
+<p:sld xmlns:a="http://schemas.openxmlformats.org/drawingml/2006/main" xmlns:r="http://schemas.openxmlformats.org/officeDocument/2006/relationships" xmlns:p="http://schemas.openxmlformats.org/presentationml/2006/main">
+  <p:cSld>
+    <p:spTree>
+      <p:nvGrpSpPr>
+        <p:cNvPr id="1" name=""/>
+        <p:cNvGrpSpPr/>
+        <p:nvPr/>
+      </p:nvGrpSpPr>
+      <p:grpSpPr>
+        <a:xfrm>
+          <a:off x="0" y="0"/>
+          <a:ext cx="0" cy="0"/>
+          <a:chOff x="0" y="0"/>
+          <a:chExt cx="0" cy="0"/>
+        </a:xfrm>
+      </p:grpSpPr>
+      <p:sp>
+        <p:nvSpPr>
+          <p:cNvPr id="2" name="Title 1">
+            <a:extLst>
+              <a:ext uri="{FF2B5EF4-FFF2-40B4-BE49-F238E27FC236}">
+                <a16:creationId xmlns:a16="http://schemas.microsoft.com/office/drawing/2014/main" id="{C3A57493-490E-6541-9973-A295DBF3E35F}"/>
+              </a:ext>
+            </a:extLst>
+          </p:cNvPr>
+          <p:cNvSpPr>
+            <a:spLocks noGrp="1"/>
+          </p:cNvSpPr>
+          <p:nvPr>
+            <p:ph type="title"/>
+          </p:nvPr>
+        </p:nvSpPr>
+        <p:spPr/>
+        <p:txBody>
+          <a:bodyPr/>
+          <a:lstStyle/>
+          <a:p>
+            <a:r>
+              <a:rPr lang="en-US" dirty="0"/>
+              <a:t>Functional List Operations</a:t>
+            </a:r>
+          </a:p>
+        </p:txBody>
+      </p:sp>
+      <p:sp>
+        <p:nvSpPr>
+          <p:cNvPr id="3" name="Content Placeholder 2">
+            <a:extLst>
+              <a:ext uri="{FF2B5EF4-FFF2-40B4-BE49-F238E27FC236}">
+                <a16:creationId xmlns:a16="http://schemas.microsoft.com/office/drawing/2014/main" id="{AAAEACB3-3528-3B4E-9961-861C7DBB5CBC}"/>
+              </a:ext>
+            </a:extLst>
+          </p:cNvPr>
+          <p:cNvSpPr>
+            <a:spLocks noGrp="1"/>
+          </p:cNvSpPr>
+          <p:nvPr>
+            <p:ph idx="1"/>
+          </p:nvPr>
+        </p:nvSpPr>
+        <p:spPr/>
+        <p:txBody>
+          <a:bodyPr/>
+          <a:lstStyle/>
+          <a:p>
+            <a:r>
+              <a:rPr lang="en-US" dirty="0"/>
+              <a:t>Goal: Transform a list, and return a new result</a:t>
+            </a:r>
+          </a:p>
+          <a:p>
+            <a:r>
+              <a:rPr lang="en-US" dirty="0"/>
+              <a:t>We'll use 3 functions that are hallmarks of functional programming</a:t>
+            </a:r>
+          </a:p>
+          <a:p>
+            <a:r>
+              <a:rPr lang="en-US" dirty="0"/>
+              <a:t>Each of these takes in a function and a sequence</a:t>
+            </a:r>
+          </a:p>
+          <a:p>
+            <a:endParaRPr lang="en-US" dirty="0"/>
+          </a:p>
+          <a:p>
+            <a:pPr marL="0" indent="0">
+              <a:buNone/>
+            </a:pPr>
+            <a:endParaRPr lang="en-US" dirty="0"/>
+          </a:p>
+          <a:p>
+            <a:pPr marL="0" indent="0">
+              <a:buNone/>
+            </a:pPr>
+            <a:endParaRPr lang="en-US" dirty="0"/>
+          </a:p>
+        </p:txBody>
+      </p:sp>
+      <p:graphicFrame>
+        <p:nvGraphicFramePr>
+          <p:cNvPr id="6" name="Table 6">
+            <a:extLst>
+              <a:ext uri="{FF2B5EF4-FFF2-40B4-BE49-F238E27FC236}">
+                <a16:creationId xmlns:a16="http://schemas.microsoft.com/office/drawing/2014/main" id="{25EBD1E5-B78E-72B6-6282-D80B13046B4F}"/>
+              </a:ext>
+            </a:extLst>
+          </p:cNvPr>
+          <p:cNvGraphicFramePr>
+            <a:graphicFrameLocks noGrp="1"/>
+          </p:cNvGraphicFramePr>
+          <p:nvPr/>
+        </p:nvGraphicFramePr>
+        <p:xfrm>
+          <a:off x="533399" y="2593070"/>
+          <a:ext cx="10829695" cy="2774774"/>
+        </p:xfrm>
+        <a:graphic>
+          <a:graphicData uri="http://schemas.openxmlformats.org/drawingml/2006/table">
+            <a:tbl>
+              <a:tblPr firstRow="1" bandRow="1">
+                <a:tableStyleId>{5C22544A-7EE6-4342-B048-85BDC9FD1C3A}</a:tableStyleId>
+              </a:tblPr>
+              <a:tblGrid>
+                <a:gridCol w="2165939">
+                  <a:extLst>
+                    <a:ext uri="{9D8B030D-6E8A-4147-A177-3AD203B41FA5}">
+                      <a16:colId xmlns:a16="http://schemas.microsoft.com/office/drawing/2014/main" val="2059777158"/>
+                    </a:ext>
+                  </a:extLst>
+                </a:gridCol>
+                <a:gridCol w="2165939">
+                  <a:extLst>
+                    <a:ext uri="{9D8B030D-6E8A-4147-A177-3AD203B41FA5}">
+                      <a16:colId xmlns:a16="http://schemas.microsoft.com/office/drawing/2014/main" val="2894650286"/>
+                    </a:ext>
+                  </a:extLst>
+                </a:gridCol>
+                <a:gridCol w="2165939">
+                  <a:extLst>
+                    <a:ext uri="{9D8B030D-6E8A-4147-A177-3AD203B41FA5}">
+                      <a16:colId xmlns:a16="http://schemas.microsoft.com/office/drawing/2014/main" val="3290081916"/>
+                    </a:ext>
+                  </a:extLst>
+                </a:gridCol>
+                <a:gridCol w="2165939">
+                  <a:extLst>
+                    <a:ext uri="{9D8B030D-6E8A-4147-A177-3AD203B41FA5}">
+                      <a16:colId xmlns:a16="http://schemas.microsoft.com/office/drawing/2014/main" val="2002986398"/>
+                    </a:ext>
+                  </a:extLst>
+                </a:gridCol>
+                <a:gridCol w="2165939">
+                  <a:extLst>
+                    <a:ext uri="{9D8B030D-6E8A-4147-A177-3AD203B41FA5}">
+                      <a16:colId xmlns:a16="http://schemas.microsoft.com/office/drawing/2014/main" val="756374945"/>
+                    </a:ext>
+                  </a:extLst>
+                </a:gridCol>
+              </a:tblGrid>
+              <a:tr h="678727">
+                <a:tc>
+                  <a:txBody>
+                    <a:bodyPr/>
+                    <a:lstStyle/>
+                    <a:p>
+                      <a:pPr algn="ctr"/>
+                      <a:r>
+                        <a:rPr lang="en-US" sz="1800" b="1" dirty="0">
+                          <a:latin typeface="FreightSans Pro Book" panose="02000606030000020004" pitchFamily="2" charset="0"/>
+                        </a:rPr>
+                        <a:t>Function Name</a:t>
+                      </a:r>
+                    </a:p>
+                  </a:txBody>
+                  <a:tcPr anchor="ctr"/>
+                </a:tc>
+                <a:tc>
+                  <a:txBody>
+                    <a:bodyPr/>
+                    <a:lstStyle/>
+                    <a:p>
+                      <a:pPr algn="ctr"/>
+                      <a:r>
+                        <a:rPr lang="en-US" sz="1800" dirty="0">
+                          <a:latin typeface="FreightSans Pro Book" panose="02000606030000020004" pitchFamily="2" charset="0"/>
+                        </a:rPr>
+                        <a:t>Action</a:t>
+                      </a:r>
+                    </a:p>
+                  </a:txBody>
+                  <a:tcPr anchor="ctr"/>
+                </a:tc>
+                <a:tc>
+                  <a:txBody>
+                    <a:bodyPr/>
+                    <a:lstStyle/>
+                    <a:p>
+                      <a:pPr algn="ctr"/>
+                      <a:r>
+                        <a:rPr lang="en-US" sz="1800" dirty="0">
+                          <a:latin typeface="FreightSans Pro Book" panose="02000606030000020004" pitchFamily="2" charset="0"/>
+                        </a:rPr>
+                        <a:t>Input arguments</a:t>
+                      </a:r>
+                    </a:p>
+                  </a:txBody>
+                  <a:tcPr anchor="ctr"/>
+                </a:tc>
+                <a:tc>
+                  <a:txBody>
+                    <a:bodyPr/>
+                    <a:lstStyle/>
+                    <a:p>
+                      <a:pPr algn="ctr"/>
+                      <a:r>
+                        <a:rPr lang="en-US" sz="1800" dirty="0">
+                          <a:latin typeface="FreightSans Pro Book" panose="02000606030000020004" pitchFamily="2" charset="0"/>
+                        </a:rPr>
+                        <a:t>Input Fn. Returns</a:t>
+                      </a:r>
+                    </a:p>
+                  </a:txBody>
+                  <a:tcPr anchor="ctr"/>
+                </a:tc>
+                <a:tc>
+                  <a:txBody>
+                    <a:bodyPr/>
+                    <a:lstStyle/>
+                    <a:p>
+                      <a:pPr marL="0" marR="0" lvl="0" indent="0" algn="ctr" defTabSz="342900" rtl="0" eaLnBrk="1" fontAlgn="auto" latinLnBrk="0" hangingPunct="1">
+                        <a:lnSpc>
+                          <a:spcPct val="100000"/>
+                        </a:lnSpc>
+                        <a:spcBef>
+                          <a:spcPts val="0"/>
+                        </a:spcBef>
+                        <a:spcAft>
+                          <a:spcPts val="0"/>
+                        </a:spcAft>
+                        <a:buClrTx/>
+                        <a:buSzTx/>
+                        <a:buFontTx/>
+                        <a:buNone/>
+                        <a:tabLst/>
+                        <a:defRPr/>
+                      </a:pPr>
+                      <a:r>
+                        <a:rPr lang="en-US" sz="1800" dirty="0">
+                          <a:latin typeface="FreightSans Pro Book" panose="02000606030000020004" pitchFamily="2" charset="0"/>
+                        </a:rPr>
+                        <a:t>Output List</a:t>
+                      </a:r>
+                    </a:p>
+                  </a:txBody>
+                  <a:tcPr anchor="ctr"/>
+                </a:tc>
+                <a:extLst>
+                  <a:ext uri="{0D108BD9-81ED-4DB2-BD59-A6C34878D82A}">
+                    <a16:rowId xmlns:a16="http://schemas.microsoft.com/office/drawing/2014/main" val="1140645906"/>
+                  </a:ext>
+                </a:extLst>
+              </a:tr>
+              <a:tr h="678727">
+                <a:tc>
+                  <a:txBody>
+                    <a:bodyPr/>
+                    <a:lstStyle/>
+                    <a:p>
+                      <a:pPr algn="ctr"/>
+                      <a:r>
+                        <a:rPr lang="en-US" sz="1800" b="1" dirty="0">
+                          <a:latin typeface="Source Code Pro" panose="020B0509030403020204" pitchFamily="49" charset="77"/>
+                        </a:rPr>
+                        <a:t>map</a:t>
+                      </a:r>
+                    </a:p>
+                  </a:txBody>
+                  <a:tcPr anchor="ctr"/>
+                </a:tc>
+                <a:tc>
+                  <a:txBody>
+                    <a:bodyPr/>
+                    <a:lstStyle/>
+                    <a:p>
+                      <a:r>
+                        <a:rPr lang="en-US" dirty="0"/>
+                        <a:t>Transform every item</a:t>
+                      </a:r>
+                    </a:p>
+                  </a:txBody>
+                  <a:tcPr anchor="ctr"/>
+                </a:tc>
+                <a:tc>
+                  <a:txBody>
+                    <a:bodyPr/>
+                    <a:lstStyle/>
+                    <a:p>
+                      <a:r>
+                        <a:rPr lang="en-US" dirty="0"/>
+                        <a:t>1 argument (each item)</a:t>
+                      </a:r>
+                    </a:p>
+                  </a:txBody>
+                  <a:tcPr anchor="ctr"/>
+                </a:tc>
+                <a:tc>
+                  <a:txBody>
+                    <a:bodyPr/>
+                    <a:lstStyle/>
+                    <a:p>
+                      <a:r>
+                        <a:rPr lang="en-US" dirty="0"/>
+                        <a:t>"Anything", a new item</a:t>
+                      </a:r>
+                    </a:p>
+                  </a:txBody>
+                  <a:tcPr anchor="ctr"/>
+                </a:tc>
+                <a:tc>
+                  <a:txBody>
+                    <a:bodyPr/>
+                    <a:lstStyle/>
+                    <a:p>
+                      <a:r>
+                        <a:rPr lang="en-US" dirty="0"/>
+                        <a:t>List of the same length, but possibly new values</a:t>
+                      </a:r>
+                    </a:p>
+                  </a:txBody>
+                  <a:tcPr anchor="ctr"/>
+                </a:tc>
+                <a:extLst>
+                  <a:ext uri="{0D108BD9-81ED-4DB2-BD59-A6C34878D82A}">
+                    <a16:rowId xmlns:a16="http://schemas.microsoft.com/office/drawing/2014/main" val="1601251051"/>
+                  </a:ext>
+                </a:extLst>
+              </a:tr>
+              <a:tr h="678727">
+                <a:tc>
+                  <a:txBody>
+                    <a:bodyPr/>
+                    <a:lstStyle/>
+                    <a:p>
+                      <a:pPr algn="ctr"/>
+                      <a:r>
+                        <a:rPr lang="en-US" sz="1800" b="1" dirty="0">
+                          <a:latin typeface="Source Code Pro" panose="020B0509030403020204" pitchFamily="49" charset="77"/>
+                        </a:rPr>
+                        <a:t>filter</a:t>
+                      </a:r>
+                    </a:p>
+                  </a:txBody>
+                  <a:tcPr anchor="ctr"/>
+                </a:tc>
+                <a:tc>
+                  <a:txBody>
+                    <a:bodyPr/>
+                    <a:lstStyle/>
+                    <a:p>
+                      <a:r>
+                        <a:rPr lang="en-US" dirty="0"/>
+                        <a:t>Return a list with fewer items</a:t>
+                      </a:r>
+                    </a:p>
+                  </a:txBody>
+                  <a:tcPr anchor="ctr"/>
+                </a:tc>
+                <a:tc>
+                  <a:txBody>
+                    <a:bodyPr/>
+                    <a:lstStyle/>
+                    <a:p>
+                      <a:r>
+                        <a:rPr lang="en-US" dirty="0"/>
+                        <a:t>1 argument (each item)</a:t>
+                      </a:r>
+                    </a:p>
+                  </a:txBody>
+                  <a:tcPr anchor="ctr"/>
+                </a:tc>
+                <a:tc>
+                  <a:txBody>
+                    <a:bodyPr/>
+                    <a:lstStyle/>
+                    <a:p>
+                      <a:r>
+                        <a:rPr lang="en-US" dirty="0"/>
+                        <a:t>A Boolean</a:t>
+                      </a:r>
+                    </a:p>
+                  </a:txBody>
+                  <a:tcPr anchor="ctr"/>
+                </a:tc>
+                <a:tc>
+                  <a:txBody>
+                    <a:bodyPr/>
+                    <a:lstStyle/>
+                    <a:p>
+                      <a:r>
+                        <a:rPr lang="en-US" dirty="0"/>
+                        <a:t>List with possibly fewer items, but values are the same</a:t>
+                      </a:r>
+                    </a:p>
+                  </a:txBody>
+                  <a:tcPr anchor="ctr"/>
+                </a:tc>
+                <a:extLst>
+                  <a:ext uri="{0D108BD9-81ED-4DB2-BD59-A6C34878D82A}">
+                    <a16:rowId xmlns:a16="http://schemas.microsoft.com/office/drawing/2014/main" val="1639889719"/>
+                  </a:ext>
+                </a:extLst>
+              </a:tr>
+              <a:tr h="678727">
+                <a:tc>
+                  <a:txBody>
+                    <a:bodyPr/>
+                    <a:lstStyle/>
+                    <a:p>
+                      <a:pPr algn="ctr"/>
+                      <a:r>
+                        <a:rPr lang="en-US" sz="1800" b="1" dirty="0">
+                          <a:latin typeface="Source Code Pro" panose="020B0509030403020204" pitchFamily="49" charset="77"/>
+                        </a:rPr>
+                        <a:t>reduce</a:t>
+                      </a:r>
+                    </a:p>
+                  </a:txBody>
+                  <a:tcPr anchor="ctr"/>
+                </a:tc>
+                <a:tc>
+                  <a:txBody>
+                    <a:bodyPr/>
+                    <a:lstStyle/>
+                    <a:p>
+                      <a:r>
+                        <a:rPr lang="en-US" dirty="0"/>
+                        <a:t>"Combine" items together</a:t>
+                      </a:r>
+                    </a:p>
+                  </a:txBody>
+                  <a:tcPr anchor="ctr"/>
+                </a:tc>
+                <a:tc>
+                  <a:txBody>
+                    <a:bodyPr/>
+                    <a:lstStyle/>
+                    <a:p>
+                      <a:r>
+                        <a:rPr lang="en-US" dirty="0"/>
+                        <a:t>2 arguments (current item, and the previous result)</a:t>
+                      </a:r>
+                    </a:p>
+                  </a:txBody>
+                  <a:tcPr anchor="ctr"/>
+                </a:tc>
+                <a:tc>
+                  <a:txBody>
+                    <a:bodyPr/>
+                    <a:lstStyle/>
+                    <a:p>
+                      <a:r>
+                        <a:rPr lang="en-US" dirty="0"/>
+                        <a:t>Type should match the type each item</a:t>
+                      </a:r>
+                    </a:p>
+                  </a:txBody>
+                  <a:tcPr anchor="ctr"/>
+                </a:tc>
+                <a:tc>
+                  <a:txBody>
+                    <a:bodyPr/>
+                    <a:lstStyle/>
+                    <a:p>
+                      <a:r>
+                        <a:rPr lang="en-US" dirty="0"/>
+                        <a:t>Usually a "single" item</a:t>
+                      </a:r>
+                    </a:p>
+                  </a:txBody>
+                  <a:tcPr anchor="ctr"/>
+                </a:tc>
+                <a:extLst>
+                  <a:ext uri="{0D108BD9-81ED-4DB2-BD59-A6C34878D82A}">
+                    <a16:rowId xmlns:a16="http://schemas.microsoft.com/office/drawing/2014/main" val="2091545836"/>
+                  </a:ext>
+                </a:extLst>
+              </a:tr>
+            </a:tbl>
+          </a:graphicData>
+        </a:graphic>
+      </p:graphicFrame>
+    </p:spTree>
+    <p:extLst>
+      <p:ext uri="{BB962C8B-B14F-4D97-AF65-F5344CB8AC3E}">
+        <p14:creationId xmlns:p14="http://schemas.microsoft.com/office/powerpoint/2010/main" val="1952140083"/>
+      </p:ext>
+    </p:extLst>
+  </p:cSld>
+  <p:clrMapOvr>
+    <a:masterClrMapping/>
+  </p:clrMapOvr>
+</p:sld>
+</file>
+
 <file path=ppt/slides/slide5.xml><?xml version="1.0" encoding="utf-8"?>
 <p:sld xmlns:a="http://schemas.openxmlformats.org/drawingml/2006/main" xmlns:r="http://schemas.openxmlformats.org/officeDocument/2006/relationships" xmlns:p="http://schemas.openxmlformats.org/presentationml/2006/main">
   <p:cSld>
@@ -8724,7 +10712,7 @@
           <p:cNvPr id="2" name="Title 1">
             <a:extLst>
               <a:ext uri="{FF2B5EF4-FFF2-40B4-BE49-F238E27FC236}">
-                <a16:creationId xmlns:a16="http://schemas.microsoft.com/office/drawing/2014/main" id="{100B1421-7577-D94A-A03F-9746321D9D5E}"/>
+                <a16:creationId xmlns:a16="http://schemas.microsoft.com/office/drawing/2014/main" id="{C3A57493-490E-6541-9973-A295DBF3E35F}"/>
               </a:ext>
             </a:extLst>
           </p:cNvPr>
@@ -8742,7 +10730,7 @@
           <a:p>
             <a:r>
               <a:rPr lang="en-US" dirty="0"/>
-              <a:t>Learning Objectives</a:t>
+              <a:t>Filter and Non-Boolean Functions</a:t>
             </a:r>
           </a:p>
         </p:txBody>
@@ -8752,7 +10740,7 @@
           <p:cNvPr id="3" name="Content Placeholder 2">
             <a:extLst>
               <a:ext uri="{FF2B5EF4-FFF2-40B4-BE49-F238E27FC236}">
-                <a16:creationId xmlns:a16="http://schemas.microsoft.com/office/drawing/2014/main" id="{86019B6B-B854-7643-924E-9BF51C8B86D3}"/>
+                <a16:creationId xmlns:a16="http://schemas.microsoft.com/office/drawing/2014/main" id="{AAAEACB3-3528-3B4E-9961-861C7DBB5CBC}"/>
               </a:ext>
             </a:extLst>
           </p:cNvPr>
@@ -8768,27 +10756,109 @@
           <a:bodyPr/>
           <a:lstStyle/>
           <a:p>
-            <a:r>
-              <a:rPr lang="en-US" dirty="0"/>
-              <a:t>Learn how to use and create higher order functions:</a:t>
-            </a:r>
-          </a:p>
-          <a:p>
-            <a:r>
-              <a:rPr lang="en-US" dirty="0"/>
-              <a:t>Functions can be used as data</a:t>
-            </a:r>
-          </a:p>
-          <a:p>
-            <a:r>
-              <a:rPr lang="en-US" dirty="0"/>
-              <a:t>Functions can accept a function as an argument</a:t>
-            </a:r>
-          </a:p>
-          <a:p>
-            <a:r>
-              <a:rPr lang="en-US" b="1" dirty="0"/>
-              <a:t>Functions can return a new function</a:t>
+            <a:pPr marL="0" indent="0">
+              <a:buNone/>
+            </a:pPr>
+            <a:r>
+              <a:rPr lang="en-US" sz="2800" dirty="0">
+                <a:effectLst/>
+                <a:latin typeface="Source Code Pro Light" panose="020B0409030403020204" pitchFamily="49" charset="77"/>
+              </a:rPr>
+              <a:t>&gt;&gt;&gt; list(filter(add_2, range(10)))</a:t>
+            </a:r>
+          </a:p>
+          <a:p>
+            <a:pPr marL="0" indent="0">
+              <a:buNone/>
+            </a:pPr>
+            <a:r>
+              <a:rPr lang="en-US" sz="2800" dirty="0">
+                <a:effectLst/>
+                <a:latin typeface="Source Code Pro Light" panose="020B0409030403020204" pitchFamily="49" charset="77"/>
+              </a:rPr>
+              <a:t>[0, 1, 2, 3, 4, 5, 6, 7, 8, 9]</a:t>
+            </a:r>
+          </a:p>
+          <a:p>
+            <a:pPr marL="0" indent="0">
+              <a:buNone/>
+            </a:pPr>
+            <a:r>
+              <a:rPr lang="en-US" sz="2800" dirty="0">
+                <a:effectLst/>
+                <a:latin typeface="Source Code Pro Light" panose="020B0409030403020204" pitchFamily="49" charset="77"/>
+              </a:rPr>
+              <a:t>&gt;&gt;&gt; if 0:</a:t>
+            </a:r>
+          </a:p>
+          <a:p>
+            <a:pPr marL="0" indent="0">
+              <a:buNone/>
+            </a:pPr>
+            <a:r>
+              <a:rPr lang="en-US" sz="2800" dirty="0">
+                <a:effectLst/>
+                <a:latin typeface="Source Code Pro Light" panose="020B0409030403020204" pitchFamily="49" charset="77"/>
+              </a:rPr>
+              <a:t>...     print("0 is a true value")</a:t>
+            </a:r>
+          </a:p>
+          <a:p>
+            <a:pPr marL="0" indent="0">
+              <a:buNone/>
+            </a:pPr>
+            <a:r>
+              <a:rPr lang="en-US" sz="2800" dirty="0">
+                <a:effectLst/>
+                <a:latin typeface="Source Code Pro Light" panose="020B0409030403020204" pitchFamily="49" charset="77"/>
+              </a:rPr>
+              <a:t>... else:</a:t>
+            </a:r>
+          </a:p>
+          <a:p>
+            <a:pPr marL="0" indent="0">
+              <a:buNone/>
+            </a:pPr>
+            <a:r>
+              <a:rPr lang="en-US" sz="2800" dirty="0">
+                <a:effectLst/>
+                <a:latin typeface="Source Code Pro Light" panose="020B0409030403020204" pitchFamily="49" charset="77"/>
+              </a:rPr>
+              <a:t>...     print("0 is a false value")</a:t>
+            </a:r>
+          </a:p>
+          <a:p>
+            <a:pPr marL="0" indent="0">
+              <a:buNone/>
+            </a:pPr>
+            <a:r>
+              <a:rPr lang="en-US" sz="2800" dirty="0">
+                <a:effectLst/>
+                <a:latin typeface="Source Code Pro Light" panose="020B0409030403020204" pitchFamily="49" charset="77"/>
+              </a:rPr>
+              <a:t>... </a:t>
+            </a:r>
+          </a:p>
+          <a:p>
+            <a:pPr marL="0" indent="0">
+              <a:buNone/>
+            </a:pPr>
+            <a:r>
+              <a:rPr lang="en-US" sz="2800" dirty="0">
+                <a:effectLst/>
+                <a:latin typeface="Source Code Pro Light" panose="020B0409030403020204" pitchFamily="49" charset="77"/>
+              </a:rPr>
+              <a:t>0 is a false value</a:t>
+            </a:r>
+            <a:endParaRPr lang="en-US" sz="2800" dirty="0"/>
+          </a:p>
+          <a:p>
+            <a:pPr marL="0" indent="0" algn="ctr">
+              <a:buNone/>
+            </a:pPr>
+            <a:r>
+              <a:rPr lang="en-US" sz="2800" b="1" dirty="0"/>
+              <a:t>Why is 0 in the output of 0ur filter?</a:t>
             </a:r>
           </a:p>
         </p:txBody>
@@ -8796,7 +10866,7 @@
     </p:spTree>
     <p:extLst>
       <p:ext uri="{BB962C8B-B14F-4D97-AF65-F5344CB8AC3E}">
-        <p14:creationId xmlns:p14="http://schemas.microsoft.com/office/powerpoint/2010/main" val="1593238648"/>
+        <p14:creationId xmlns:p14="http://schemas.microsoft.com/office/powerpoint/2010/main" val="173976312"/>
       </p:ext>
     </p:extLst>
   </p:cSld>
@@ -8828,7 +10898,7 @@
           <p:cNvPr id="2" name="Title 1">
             <a:extLst>
               <a:ext uri="{FF2B5EF4-FFF2-40B4-BE49-F238E27FC236}">
-                <a16:creationId xmlns:a16="http://schemas.microsoft.com/office/drawing/2014/main" id="{E6F99501-F0C7-EC42-A944-CAC24ED1FA0A}"/>
+                <a16:creationId xmlns:a16="http://schemas.microsoft.com/office/drawing/2014/main" id="{C3A57493-490E-6541-9973-A295DBF3E35F}"/>
               </a:ext>
             </a:extLst>
           </p:cNvPr>
@@ -8846,7 +10916,7 @@
           <a:p>
             <a:r>
               <a:rPr lang="en-US" dirty="0"/>
-              <a:t>Review: What is a Higher Order Function?</a:t>
+              <a:t>Filter and Non-Boolean Functions</a:t>
             </a:r>
           </a:p>
         </p:txBody>
@@ -8856,7 +10926,7 @@
           <p:cNvPr id="3" name="Content Placeholder 2">
             <a:extLst>
               <a:ext uri="{FF2B5EF4-FFF2-40B4-BE49-F238E27FC236}">
-                <a16:creationId xmlns:a16="http://schemas.microsoft.com/office/drawing/2014/main" id="{19DE36E9-772B-2648-8DA7-FD5CACFF1390}"/>
+                <a16:creationId xmlns:a16="http://schemas.microsoft.com/office/drawing/2014/main" id="{AAAEACB3-3528-3B4E-9961-861C7DBB5CBC}"/>
               </a:ext>
             </a:extLst>
           </p:cNvPr>
@@ -8872,31 +10942,47 @@
           <a:bodyPr/>
           <a:lstStyle/>
           <a:p>
-            <a:r>
-              <a:rPr lang="en-US" dirty="0"/>
-              <a:t>A function that takes in another function as an argument</a:t>
-            </a:r>
-          </a:p>
-          <a:p>
-            <a:endParaRPr lang="en-US" dirty="0"/>
-          </a:p>
-          <a:p>
             <a:pPr marL="0" indent="0">
               <a:buNone/>
             </a:pPr>
             <a:r>
-              <a:rPr lang="en-US" dirty="0"/>
-              <a:t>OR</a:t>
-            </a:r>
-            <a:br>
-              <a:rPr lang="en-US" dirty="0"/>
-            </a:br>
-            <a:endParaRPr lang="en-US" dirty="0"/>
-          </a:p>
-          <a:p>
-            <a:r>
-              <a:rPr lang="en-US" b="1" dirty="0"/>
-              <a:t>A function that returns a function as a result.</a:t>
+              <a:rPr lang="en-US" sz="2800" dirty="0">
+                <a:effectLst/>
+                <a:latin typeface="Source Code Pro Light" panose="020B0409030403020204" pitchFamily="49" charset="77"/>
+              </a:rPr>
+              <a:t>&gt;&gt;&gt; [ x </a:t>
+            </a:r>
+            <a:r>
+              <a:rPr lang="en-US" sz="2800" dirty="0">
+                <a:latin typeface="Source Code Pro Light" panose="020B0409030403020204" pitchFamily="49" charset="77"/>
+              </a:rPr>
+              <a:t>for x in range(10) if add_2(x) ]</a:t>
+            </a:r>
+          </a:p>
+          <a:p>
+            <a:pPr marL="0" indent="0">
+              <a:buNone/>
+            </a:pPr>
+            <a:endParaRPr lang="en-US" sz="2800" b="1" dirty="0">
+              <a:latin typeface="Source Code Pro Light" panose="020B0409030403020204" pitchFamily="49" charset="77"/>
+            </a:endParaRPr>
+          </a:p>
+          <a:p>
+            <a:pPr marL="0" indent="0">
+              <a:buNone/>
+            </a:pPr>
+            <a:r>
+              <a:rPr lang="en-US" sz="2800" b="1" dirty="0"/>
+              <a:t>Why is 0 in the output of 0ur filter?</a:t>
+            </a:r>
+          </a:p>
+          <a:p>
+            <a:pPr marL="0" indent="0">
+              <a:buNone/>
+            </a:pPr>
+            <a:r>
+              <a:rPr lang="en-US" sz="2800" dirty="0"/>
+              <a:t>Filter calls our function, but always returns the original value!</a:t>
             </a:r>
           </a:p>
         </p:txBody>
@@ -8904,7 +10990,7 @@
     </p:spTree>
     <p:extLst>
       <p:ext uri="{BB962C8B-B14F-4D97-AF65-F5344CB8AC3E}">
-        <p14:creationId xmlns:p14="http://schemas.microsoft.com/office/powerpoint/2010/main" val="4162735292"/>
+        <p14:creationId xmlns:p14="http://schemas.microsoft.com/office/powerpoint/2010/main" val="614714991"/>
       </p:ext>
     </p:extLst>
   </p:cSld>
@@ -8933,841 +11019,10 @@
       </p:grpSpPr>
       <p:sp>
         <p:nvSpPr>
-          <p:cNvPr id="163" name="TextShape 2"/>
-          <p:cNvSpPr txBox="1"/>
-          <p:nvPr/>
-        </p:nvSpPr>
-        <p:spPr>
-          <a:xfrm>
-            <a:off x="2209800" y="1066680"/>
-            <a:ext cx="7619760" cy="456840"/>
-          </a:xfrm>
-          <a:prstGeom prst="rect">
-            <a:avLst/>
-          </a:prstGeom>
-          <a:noFill/>
-          <a:ln>
-            <a:noFill/>
-          </a:ln>
-        </p:spPr>
-        <p:txBody>
-          <a:bodyPr lIns="92160" tIns="46080" rIns="92160" bIns="46080"/>
-          <a:lstStyle/>
-          <a:p>
-            <a:pPr marL="285840" indent="-285480">
-              <a:lnSpc>
-                <a:spcPct val="90000"/>
-              </a:lnSpc>
-              <a:buClr>
-                <a:srgbClr val="000000"/>
-              </a:buClr>
-              <a:buFont typeface="Arial"/>
-              <a:buChar char="•"/>
-            </a:pPr>
-            <a:r>
-              <a:rPr lang="en-US" sz="2400" b="1" spc="-1" dirty="0">
-                <a:solidFill>
-                  <a:srgbClr val="000000"/>
-                </a:solidFill>
-                <a:uFill>
-                  <a:solidFill>
-                    <a:srgbClr val="FFFFFF"/>
-                  </a:solidFill>
-                </a:uFill>
-                <a:latin typeface="Arial"/>
-                <a:ea typeface="Arial"/>
-              </a:rPr>
-              <a:t>A function that returns (makes) a function</a:t>
-            </a:r>
-            <a:endParaRPr lang="en-US" sz="1400" spc="-1" dirty="0">
-              <a:solidFill>
-                <a:srgbClr val="000000"/>
-              </a:solidFill>
-              <a:uFill>
-                <a:solidFill>
-                  <a:srgbClr val="FFFFFF"/>
-                </a:solidFill>
-              </a:uFill>
-              <a:latin typeface="Arial"/>
-            </a:endParaRPr>
-          </a:p>
-          <a:p>
-            <a:pPr marL="285840" indent="-132840">
-              <a:lnSpc>
-                <a:spcPct val="90000"/>
-              </a:lnSpc>
-            </a:pPr>
-            <a:endParaRPr lang="en-US" sz="1400" spc="-1" dirty="0">
-              <a:solidFill>
-                <a:srgbClr val="000000"/>
-              </a:solidFill>
-              <a:uFill>
-                <a:solidFill>
-                  <a:srgbClr val="FFFFFF"/>
-                </a:solidFill>
-              </a:uFill>
-              <a:latin typeface="Arial"/>
-            </a:endParaRPr>
-          </a:p>
-        </p:txBody>
-      </p:sp>
-      <p:sp>
-        <p:nvSpPr>
-          <p:cNvPr id="164" name="CustomShape 3"/>
-          <p:cNvSpPr/>
-          <p:nvPr/>
-        </p:nvSpPr>
-        <p:spPr>
-          <a:xfrm>
-            <a:off x="2590680" y="1752480"/>
-            <a:ext cx="7009920" cy="1230840"/>
-          </a:xfrm>
-          <a:prstGeom prst="rect">
-            <a:avLst/>
-          </a:prstGeom>
-          <a:noFill/>
-          <a:ln w="9360">
-            <a:solidFill>
-              <a:srgbClr val="4F81BD"/>
-            </a:solidFill>
-            <a:round/>
-          </a:ln>
-        </p:spPr>
-        <p:style>
-          <a:lnRef idx="0">
-            <a:scrgbClr r="0" g="0" b="0"/>
-          </a:lnRef>
-          <a:fillRef idx="0">
-            <a:scrgbClr r="0" g="0" b="0"/>
-          </a:fillRef>
-          <a:effectRef idx="0">
-            <a:scrgbClr r="0" g="0" b="0"/>
-          </a:effectRef>
-          <a:fontRef idx="minor"/>
-        </p:style>
-        <p:txBody>
-          <a:bodyPr/>
-          <a:lstStyle/>
-          <a:p>
-            <a:pPr>
-              <a:lnSpc>
-                <a:spcPct val="100000"/>
-              </a:lnSpc>
-            </a:pPr>
-            <a:r>
-              <a:rPr lang="en-US" spc="-1" dirty="0">
-                <a:solidFill>
-                  <a:srgbClr val="000000"/>
-                </a:solidFill>
-                <a:uFill>
-                  <a:solidFill>
-                    <a:srgbClr val="FFFFFF"/>
-                  </a:solidFill>
-                </a:uFill>
-                <a:latin typeface="Courier New"/>
-                <a:ea typeface="Courier New"/>
-              </a:rPr>
-              <a:t>def </a:t>
-            </a:r>
-            <a:r>
-              <a:rPr lang="en-US" spc="-1" dirty="0" err="1">
-                <a:solidFill>
-                  <a:srgbClr val="000000"/>
-                </a:solidFill>
-                <a:uFill>
-                  <a:solidFill>
-                    <a:srgbClr val="FFFFFF"/>
-                  </a:solidFill>
-                </a:uFill>
-                <a:latin typeface="Courier New"/>
-                <a:ea typeface="Courier New"/>
-              </a:rPr>
-              <a:t>leq_maker</a:t>
-            </a:r>
-            <a:r>
-              <a:rPr lang="en-US" spc="-1" dirty="0">
-                <a:solidFill>
-                  <a:srgbClr val="000000"/>
-                </a:solidFill>
-                <a:uFill>
-                  <a:solidFill>
-                    <a:srgbClr val="FFFFFF"/>
-                  </a:solidFill>
-                </a:uFill>
-                <a:latin typeface="Courier New"/>
-                <a:ea typeface="Courier New"/>
-              </a:rPr>
-              <a:t>(c):</a:t>
-            </a:r>
-            <a:endParaRPr lang="en-US" spc="-1" dirty="0">
-              <a:solidFill>
-                <a:srgbClr val="000000"/>
-              </a:solidFill>
-              <a:uFill>
-                <a:solidFill>
-                  <a:srgbClr val="FFFFFF"/>
-                </a:solidFill>
-              </a:uFill>
-              <a:latin typeface="Arial"/>
-            </a:endParaRPr>
-          </a:p>
-          <a:p>
-            <a:pPr>
-              <a:lnSpc>
-                <a:spcPct val="100000"/>
-              </a:lnSpc>
-            </a:pPr>
-            <a:r>
-              <a:rPr lang="en-US" spc="-1" dirty="0">
-                <a:solidFill>
-                  <a:srgbClr val="000000"/>
-                </a:solidFill>
-                <a:uFill>
-                  <a:solidFill>
-                    <a:srgbClr val="FFFFFF"/>
-                  </a:solidFill>
-                </a:uFill>
-                <a:latin typeface="Courier New"/>
-                <a:ea typeface="Courier New"/>
-              </a:rPr>
-              <a:t>    def </a:t>
-            </a:r>
-            <a:r>
-              <a:rPr lang="en-US" spc="-1" dirty="0" err="1">
-                <a:solidFill>
-                  <a:srgbClr val="000000"/>
-                </a:solidFill>
-                <a:uFill>
-                  <a:solidFill>
-                    <a:srgbClr val="FFFFFF"/>
-                  </a:solidFill>
-                </a:uFill>
-                <a:latin typeface="Courier New"/>
-                <a:ea typeface="Courier New"/>
-              </a:rPr>
-              <a:t>leq</a:t>
-            </a:r>
-            <a:r>
-              <a:rPr lang="en-US" spc="-1" dirty="0">
-                <a:solidFill>
-                  <a:srgbClr val="000000"/>
-                </a:solidFill>
-                <a:uFill>
-                  <a:solidFill>
-                    <a:srgbClr val="FFFFFF"/>
-                  </a:solidFill>
-                </a:uFill>
-                <a:latin typeface="Courier New"/>
-                <a:ea typeface="Courier New"/>
-              </a:rPr>
-              <a:t>(</a:t>
-            </a:r>
-            <a:r>
-              <a:rPr lang="en-US" spc="-1" dirty="0" err="1">
-                <a:solidFill>
-                  <a:srgbClr val="000000"/>
-                </a:solidFill>
-                <a:uFill>
-                  <a:solidFill>
-                    <a:srgbClr val="FFFFFF"/>
-                  </a:solidFill>
-                </a:uFill>
-                <a:latin typeface="Courier New"/>
-                <a:ea typeface="Courier New"/>
-              </a:rPr>
-              <a:t>val</a:t>
-            </a:r>
-            <a:r>
-              <a:rPr lang="en-US" spc="-1" dirty="0">
-                <a:solidFill>
-                  <a:srgbClr val="000000"/>
-                </a:solidFill>
-                <a:uFill>
-                  <a:solidFill>
-                    <a:srgbClr val="FFFFFF"/>
-                  </a:solidFill>
-                </a:uFill>
-                <a:latin typeface="Courier New"/>
-                <a:ea typeface="Courier New"/>
-              </a:rPr>
-              <a:t>):</a:t>
-            </a:r>
-            <a:endParaRPr lang="en-US" spc="-1" dirty="0">
-              <a:solidFill>
-                <a:srgbClr val="000000"/>
-              </a:solidFill>
-              <a:uFill>
-                <a:solidFill>
-                  <a:srgbClr val="FFFFFF"/>
-                </a:solidFill>
-              </a:uFill>
-              <a:latin typeface="Arial"/>
-            </a:endParaRPr>
-          </a:p>
-          <a:p>
-            <a:pPr>
-              <a:lnSpc>
-                <a:spcPct val="100000"/>
-              </a:lnSpc>
-            </a:pPr>
-            <a:r>
-              <a:rPr lang="en-US" spc="-1" dirty="0">
-                <a:solidFill>
-                  <a:srgbClr val="000000"/>
-                </a:solidFill>
-                <a:uFill>
-                  <a:solidFill>
-                    <a:srgbClr val="FFFFFF"/>
-                  </a:solidFill>
-                </a:uFill>
-                <a:latin typeface="Courier New"/>
-                <a:ea typeface="Courier New"/>
-              </a:rPr>
-              <a:t>        return </a:t>
-            </a:r>
-            <a:r>
-              <a:rPr lang="en-US" spc="-1" dirty="0" err="1">
-                <a:solidFill>
-                  <a:srgbClr val="000000"/>
-                </a:solidFill>
-                <a:uFill>
-                  <a:solidFill>
-                    <a:srgbClr val="FFFFFF"/>
-                  </a:solidFill>
-                </a:uFill>
-                <a:latin typeface="Courier New"/>
-                <a:ea typeface="Courier New"/>
-              </a:rPr>
-              <a:t>val</a:t>
-            </a:r>
-            <a:r>
-              <a:rPr lang="en-US" spc="-1" dirty="0">
-                <a:solidFill>
-                  <a:srgbClr val="000000"/>
-                </a:solidFill>
-                <a:uFill>
-                  <a:solidFill>
-                    <a:srgbClr val="FFFFFF"/>
-                  </a:solidFill>
-                </a:uFill>
-                <a:latin typeface="Courier New"/>
-                <a:ea typeface="Courier New"/>
-              </a:rPr>
-              <a:t> &lt;= c</a:t>
-            </a:r>
-            <a:endParaRPr lang="en-US" spc="-1" dirty="0">
-              <a:solidFill>
-                <a:srgbClr val="000000"/>
-              </a:solidFill>
-              <a:uFill>
-                <a:solidFill>
-                  <a:srgbClr val="FFFFFF"/>
-                </a:solidFill>
-              </a:uFill>
-              <a:latin typeface="Arial"/>
-            </a:endParaRPr>
-          </a:p>
-          <a:p>
-            <a:pPr>
-              <a:lnSpc>
-                <a:spcPct val="100000"/>
-              </a:lnSpc>
-            </a:pPr>
-            <a:r>
-              <a:rPr lang="en-US" spc="-1" dirty="0">
-                <a:solidFill>
-                  <a:srgbClr val="000000"/>
-                </a:solidFill>
-                <a:uFill>
-                  <a:solidFill>
-                    <a:srgbClr val="FFFFFF"/>
-                  </a:solidFill>
-                </a:uFill>
-                <a:latin typeface="Courier New"/>
-                <a:ea typeface="Courier New"/>
-              </a:rPr>
-              <a:t>    return </a:t>
-            </a:r>
-            <a:r>
-              <a:rPr lang="en-US" spc="-1" dirty="0" err="1">
-                <a:solidFill>
-                  <a:srgbClr val="000000"/>
-                </a:solidFill>
-                <a:uFill>
-                  <a:solidFill>
-                    <a:srgbClr val="FFFFFF"/>
-                  </a:solidFill>
-                </a:uFill>
-                <a:latin typeface="Courier New"/>
-                <a:ea typeface="Courier New"/>
-              </a:rPr>
-              <a:t>leq</a:t>
-            </a:r>
-            <a:endParaRPr lang="en-US" spc="-1" dirty="0">
-              <a:solidFill>
-                <a:srgbClr val="000000"/>
-              </a:solidFill>
-              <a:uFill>
-                <a:solidFill>
-                  <a:srgbClr val="FFFFFF"/>
-                </a:solidFill>
-              </a:uFill>
-              <a:latin typeface="Arial"/>
-            </a:endParaRPr>
-          </a:p>
-        </p:txBody>
-      </p:sp>
-      <p:sp>
-        <p:nvSpPr>
-          <p:cNvPr id="165" name="CustomShape 4"/>
-          <p:cNvSpPr/>
-          <p:nvPr/>
-        </p:nvSpPr>
-        <p:spPr>
-          <a:xfrm>
-            <a:off x="2590680" y="3352680"/>
-            <a:ext cx="6933960" cy="645840"/>
-          </a:xfrm>
-          <a:prstGeom prst="rect">
-            <a:avLst/>
-          </a:prstGeom>
-          <a:noFill/>
-          <a:ln>
-            <a:noFill/>
-          </a:ln>
-        </p:spPr>
-        <p:style>
-          <a:lnRef idx="0">
-            <a:scrgbClr r="0" g="0" b="0"/>
-          </a:lnRef>
-          <a:fillRef idx="0">
-            <a:scrgbClr r="0" g="0" b="0"/>
-          </a:fillRef>
-          <a:effectRef idx="0">
-            <a:scrgbClr r="0" g="0" b="0"/>
-          </a:effectRef>
-          <a:fontRef idx="minor"/>
-        </p:style>
-        <p:txBody>
-          <a:bodyPr/>
-          <a:lstStyle/>
-          <a:p>
-            <a:pPr>
-              <a:lnSpc>
-                <a:spcPct val="100000"/>
-              </a:lnSpc>
-            </a:pPr>
-            <a:r>
-              <a:rPr lang="en-US" spc="-1" dirty="0">
-                <a:solidFill>
-                  <a:srgbClr val="000000"/>
-                </a:solidFill>
-                <a:uFill>
-                  <a:solidFill>
-                    <a:srgbClr val="FFFFFF"/>
-                  </a:solidFill>
-                </a:uFill>
-                <a:latin typeface="Courier New"/>
-                <a:ea typeface="Courier New"/>
-              </a:rPr>
-              <a:t>&gt;&gt;&gt; </a:t>
-            </a:r>
-            <a:r>
-              <a:rPr lang="en-US" spc="-1" dirty="0" err="1">
-                <a:solidFill>
-                  <a:srgbClr val="000000"/>
-                </a:solidFill>
-                <a:uFill>
-                  <a:solidFill>
-                    <a:srgbClr val="FFFFFF"/>
-                  </a:solidFill>
-                </a:uFill>
-                <a:latin typeface="Courier New"/>
-                <a:ea typeface="Courier New"/>
-              </a:rPr>
-              <a:t>leq_maker</a:t>
-            </a:r>
-            <a:r>
-              <a:rPr lang="en-US" spc="-1" dirty="0">
-                <a:solidFill>
-                  <a:srgbClr val="000000"/>
-                </a:solidFill>
-                <a:uFill>
-                  <a:solidFill>
-                    <a:srgbClr val="FFFFFF"/>
-                  </a:solidFill>
-                </a:uFill>
-                <a:latin typeface="Courier New"/>
-                <a:ea typeface="Courier New"/>
-              </a:rPr>
-              <a:t>(3)</a:t>
-            </a:r>
-            <a:endParaRPr lang="en-US" spc="-1" dirty="0">
-              <a:solidFill>
-                <a:srgbClr val="000000"/>
-              </a:solidFill>
-              <a:uFill>
-                <a:solidFill>
-                  <a:srgbClr val="FFFFFF"/>
-                </a:solidFill>
-              </a:uFill>
-              <a:latin typeface="Arial"/>
-            </a:endParaRPr>
-          </a:p>
-          <a:p>
-            <a:pPr>
-              <a:lnSpc>
-                <a:spcPct val="100000"/>
-              </a:lnSpc>
-            </a:pPr>
-            <a:r>
-              <a:rPr lang="en-US" spc="-1" dirty="0">
-                <a:solidFill>
-                  <a:srgbClr val="000000"/>
-                </a:solidFill>
-                <a:uFill>
-                  <a:solidFill>
-                    <a:srgbClr val="FFFFFF"/>
-                  </a:solidFill>
-                </a:uFill>
-                <a:latin typeface="Courier New"/>
-                <a:ea typeface="Courier New"/>
-              </a:rPr>
-              <a:t>&lt;function </a:t>
-            </a:r>
-            <a:r>
-              <a:rPr lang="en-US" spc="-1" dirty="0" err="1">
-                <a:solidFill>
-                  <a:srgbClr val="000000"/>
-                </a:solidFill>
-                <a:uFill>
-                  <a:solidFill>
-                    <a:srgbClr val="FFFFFF"/>
-                  </a:solidFill>
-                </a:uFill>
-                <a:latin typeface="Courier New"/>
-                <a:ea typeface="Courier New"/>
-              </a:rPr>
-              <a:t>leq_maker</a:t>
-            </a:r>
-            <a:r>
-              <a:rPr lang="en-US" spc="-1" dirty="0">
-                <a:solidFill>
-                  <a:srgbClr val="000000"/>
-                </a:solidFill>
-                <a:uFill>
-                  <a:solidFill>
-                    <a:srgbClr val="FFFFFF"/>
-                  </a:solidFill>
-                </a:uFill>
-                <a:latin typeface="Courier New"/>
-                <a:ea typeface="Courier New"/>
-              </a:rPr>
-              <a:t>.&lt;locals&gt;.</a:t>
-            </a:r>
-            <a:r>
-              <a:rPr lang="en-US" spc="-1" dirty="0" err="1">
-                <a:solidFill>
-                  <a:srgbClr val="000000"/>
-                </a:solidFill>
-                <a:uFill>
-                  <a:solidFill>
-                    <a:srgbClr val="FFFFFF"/>
-                  </a:solidFill>
-                </a:uFill>
-                <a:latin typeface="Courier New"/>
-                <a:ea typeface="Courier New"/>
-              </a:rPr>
-              <a:t>leq</a:t>
-            </a:r>
-            <a:r>
-              <a:rPr lang="en-US" spc="-1" dirty="0">
-                <a:solidFill>
-                  <a:srgbClr val="000000"/>
-                </a:solidFill>
-                <a:uFill>
-                  <a:solidFill>
-                    <a:srgbClr val="FFFFFF"/>
-                  </a:solidFill>
-                </a:uFill>
-                <a:latin typeface="Courier New"/>
-                <a:ea typeface="Courier New"/>
-              </a:rPr>
-              <a:t> at 0x1019d8c80&gt;</a:t>
-            </a:r>
-            <a:endParaRPr lang="en-US" spc="-1" dirty="0">
-              <a:solidFill>
-                <a:srgbClr val="000000"/>
-              </a:solidFill>
-              <a:uFill>
-                <a:solidFill>
-                  <a:srgbClr val="FFFFFF"/>
-                </a:solidFill>
-              </a:uFill>
-              <a:latin typeface="Arial"/>
-            </a:endParaRPr>
-          </a:p>
-        </p:txBody>
-      </p:sp>
-      <p:sp>
-        <p:nvSpPr>
-          <p:cNvPr id="166" name="CustomShape 5"/>
-          <p:cNvSpPr/>
-          <p:nvPr/>
-        </p:nvSpPr>
-        <p:spPr>
-          <a:xfrm>
-            <a:off x="2590680" y="4289382"/>
-            <a:ext cx="6552720" cy="645840"/>
-          </a:xfrm>
-          <a:prstGeom prst="rect">
-            <a:avLst/>
-          </a:prstGeom>
-          <a:noFill/>
-          <a:ln>
-            <a:noFill/>
-          </a:ln>
-        </p:spPr>
-        <p:style>
-          <a:lnRef idx="0">
-            <a:scrgbClr r="0" g="0" b="0"/>
-          </a:lnRef>
-          <a:fillRef idx="0">
-            <a:scrgbClr r="0" g="0" b="0"/>
-          </a:fillRef>
-          <a:effectRef idx="0">
-            <a:scrgbClr r="0" g="0" b="0"/>
-          </a:effectRef>
-          <a:fontRef idx="minor"/>
-        </p:style>
-        <p:txBody>
-          <a:bodyPr/>
-          <a:lstStyle/>
-          <a:p>
-            <a:pPr>
-              <a:lnSpc>
-                <a:spcPct val="100000"/>
-              </a:lnSpc>
-            </a:pPr>
-            <a:r>
-              <a:rPr lang="en-US" spc="-1" dirty="0">
-                <a:solidFill>
-                  <a:srgbClr val="000000"/>
-                </a:solidFill>
-                <a:uFill>
-                  <a:solidFill>
-                    <a:srgbClr val="FFFFFF"/>
-                  </a:solidFill>
-                </a:uFill>
-                <a:latin typeface="Courier New"/>
-                <a:ea typeface="Courier New"/>
-              </a:rPr>
-              <a:t>&gt;&gt;&gt; </a:t>
-            </a:r>
-            <a:r>
-              <a:rPr lang="en-US" spc="-1" dirty="0" err="1">
-                <a:solidFill>
-                  <a:srgbClr val="000000"/>
-                </a:solidFill>
-                <a:uFill>
-                  <a:solidFill>
-                    <a:srgbClr val="FFFFFF"/>
-                  </a:solidFill>
-                </a:uFill>
-                <a:latin typeface="Courier New"/>
-                <a:ea typeface="Courier New"/>
-              </a:rPr>
-              <a:t>leq_maker</a:t>
-            </a:r>
-            <a:r>
-              <a:rPr lang="en-US" spc="-1" dirty="0">
-                <a:solidFill>
-                  <a:srgbClr val="000000"/>
-                </a:solidFill>
-                <a:uFill>
-                  <a:solidFill>
-                    <a:srgbClr val="FFFFFF"/>
-                  </a:solidFill>
-                </a:uFill>
-                <a:latin typeface="Courier New"/>
-                <a:ea typeface="Courier New"/>
-              </a:rPr>
-              <a:t>(3)(4)</a:t>
-            </a:r>
-            <a:endParaRPr lang="en-US" spc="-1" dirty="0">
-              <a:solidFill>
-                <a:srgbClr val="000000"/>
-              </a:solidFill>
-              <a:uFill>
-                <a:solidFill>
-                  <a:srgbClr val="FFFFFF"/>
-                </a:solidFill>
-              </a:uFill>
-              <a:latin typeface="Arial"/>
-            </a:endParaRPr>
-          </a:p>
-          <a:p>
-            <a:pPr>
-              <a:lnSpc>
-                <a:spcPct val="100000"/>
-              </a:lnSpc>
-            </a:pPr>
-            <a:r>
-              <a:rPr lang="en-US" spc="-1" dirty="0">
-                <a:solidFill>
-                  <a:srgbClr val="000000"/>
-                </a:solidFill>
-                <a:uFill>
-                  <a:solidFill>
-                    <a:srgbClr val="FFFFFF"/>
-                  </a:solidFill>
-                </a:uFill>
-                <a:latin typeface="Courier New"/>
-                <a:ea typeface="Courier New"/>
-              </a:rPr>
-              <a:t>False</a:t>
-            </a:r>
-            <a:endParaRPr lang="en-US" spc="-1" dirty="0">
-              <a:solidFill>
-                <a:srgbClr val="000000"/>
-              </a:solidFill>
-              <a:uFill>
-                <a:solidFill>
-                  <a:srgbClr val="FFFFFF"/>
-                </a:solidFill>
-              </a:uFill>
-              <a:latin typeface="Arial"/>
-            </a:endParaRPr>
-          </a:p>
-        </p:txBody>
-      </p:sp>
-      <p:sp>
-        <p:nvSpPr>
-          <p:cNvPr id="167" name="CustomShape 6"/>
-          <p:cNvSpPr/>
-          <p:nvPr/>
-        </p:nvSpPr>
-        <p:spPr>
-          <a:xfrm>
-            <a:off x="2590680" y="5029200"/>
-            <a:ext cx="7009920" cy="923040"/>
-          </a:xfrm>
-          <a:prstGeom prst="rect">
-            <a:avLst/>
-          </a:prstGeom>
-          <a:noFill/>
-          <a:ln>
-            <a:noFill/>
-          </a:ln>
-        </p:spPr>
-        <p:style>
-          <a:lnRef idx="0">
-            <a:scrgbClr r="0" g="0" b="0"/>
-          </a:lnRef>
-          <a:fillRef idx="0">
-            <a:scrgbClr r="0" g="0" b="0"/>
-          </a:fillRef>
-          <a:effectRef idx="0">
-            <a:scrgbClr r="0" g="0" b="0"/>
-          </a:effectRef>
-          <a:fontRef idx="minor"/>
-        </p:style>
-        <p:txBody>
-          <a:bodyPr/>
-          <a:lstStyle/>
-          <a:p>
-            <a:pPr>
-              <a:lnSpc>
-                <a:spcPct val="100000"/>
-              </a:lnSpc>
-            </a:pPr>
-            <a:r>
-              <a:rPr lang="en-US" spc="-1" dirty="0">
-                <a:solidFill>
-                  <a:srgbClr val="000000"/>
-                </a:solidFill>
-                <a:uFill>
-                  <a:solidFill>
-                    <a:srgbClr val="FFFFFF"/>
-                  </a:solidFill>
-                </a:uFill>
-                <a:latin typeface="Courier New"/>
-                <a:ea typeface="Courier New"/>
-              </a:rPr>
-              <a:t>&gt;&gt;&gt; [x for x in range(7) if </a:t>
-            </a:r>
-            <a:r>
-              <a:rPr lang="en-US" spc="-1" dirty="0" err="1">
-                <a:solidFill>
-                  <a:srgbClr val="000000"/>
-                </a:solidFill>
-                <a:uFill>
-                  <a:solidFill>
-                    <a:srgbClr val="FFFFFF"/>
-                  </a:solidFill>
-                </a:uFill>
-                <a:latin typeface="Courier New"/>
-                <a:ea typeface="Courier New"/>
-              </a:rPr>
-              <a:t>leq_maker</a:t>
-            </a:r>
-            <a:r>
-              <a:rPr lang="en-US" spc="-1" dirty="0">
-                <a:solidFill>
-                  <a:srgbClr val="000000"/>
-                </a:solidFill>
-                <a:uFill>
-                  <a:solidFill>
-                    <a:srgbClr val="FFFFFF"/>
-                  </a:solidFill>
-                </a:uFill>
-                <a:latin typeface="Courier New"/>
-                <a:ea typeface="Courier New"/>
-              </a:rPr>
-              <a:t>(3)(x)] </a:t>
-            </a:r>
-            <a:endParaRPr lang="en-US" spc="-1" dirty="0">
-              <a:solidFill>
-                <a:srgbClr val="000000"/>
-              </a:solidFill>
-              <a:uFill>
-                <a:solidFill>
-                  <a:srgbClr val="FFFFFF"/>
-                </a:solidFill>
-              </a:uFill>
-              <a:latin typeface="Arial"/>
-            </a:endParaRPr>
-          </a:p>
-          <a:p>
-            <a:pPr>
-              <a:lnSpc>
-                <a:spcPct val="100000"/>
-              </a:lnSpc>
-            </a:pPr>
-            <a:r>
-              <a:rPr lang="en-US" spc="-1" dirty="0">
-                <a:solidFill>
-                  <a:srgbClr val="000000"/>
-                </a:solidFill>
-                <a:uFill>
-                  <a:solidFill>
-                    <a:srgbClr val="FFFFFF"/>
-                  </a:solidFill>
-                </a:uFill>
-                <a:latin typeface="Courier New"/>
-                <a:ea typeface="Courier New"/>
-              </a:rPr>
-              <a:t>[0, 1, 2, 3]</a:t>
-            </a:r>
-          </a:p>
-        </p:txBody>
-      </p:sp>
-      <p:sp>
-        <p:nvSpPr>
           <p:cNvPr id="2" name="Title 1">
             <a:extLst>
               <a:ext uri="{FF2B5EF4-FFF2-40B4-BE49-F238E27FC236}">
-                <a16:creationId xmlns:a16="http://schemas.microsoft.com/office/drawing/2014/main" id="{7D7794D3-FC69-EF4F-8897-1BDEB7151717}"/>
+                <a16:creationId xmlns:a16="http://schemas.microsoft.com/office/drawing/2014/main" id="{D2340843-39A8-4E4A-A923-FEDC64A7AE32}"/>
               </a:ext>
             </a:extLst>
           </p:cNvPr>
@@ -9775,7 +11030,7 @@
             <a:spLocks noGrp="1"/>
           </p:cNvSpPr>
           <p:nvPr>
-            <p:ph type="title"/>
+            <p:ph type="ctrTitle"/>
           </p:nvPr>
         </p:nvSpPr>
         <p:spPr/>
@@ -9785,182 +11040,24 @@
           <a:p>
             <a:r>
               <a:rPr lang="en-US" dirty="0"/>
-              <a:t>Higher Order Functions</a:t>
-            </a:r>
-          </a:p>
-        </p:txBody>
-      </p:sp>
-      <p:sp>
-        <p:nvSpPr>
-          <p:cNvPr id="8" name="CustomShape 3">
-            <a:extLst>
-              <a:ext uri="{FF2B5EF4-FFF2-40B4-BE49-F238E27FC236}">
-                <a16:creationId xmlns:a16="http://schemas.microsoft.com/office/drawing/2014/main" id="{A9CD040D-3990-F348-9F76-961CB97732DD}"/>
-              </a:ext>
-            </a:extLst>
-          </p:cNvPr>
-          <p:cNvSpPr/>
-          <p:nvPr/>
-        </p:nvSpPr>
-        <p:spPr>
-          <a:xfrm>
-            <a:off x="2203002" y="1752480"/>
-            <a:ext cx="486307" cy="1230840"/>
-          </a:xfrm>
-          <a:prstGeom prst="rect">
-            <a:avLst/>
-          </a:prstGeom>
-          <a:noFill/>
-          <a:ln w="9360">
-            <a:noFill/>
-            <a:round/>
-          </a:ln>
-        </p:spPr>
-        <p:style>
-          <a:lnRef idx="0">
-            <a:scrgbClr r="0" g="0" b="0"/>
-          </a:lnRef>
-          <a:fillRef idx="0">
-            <a:scrgbClr r="0" g="0" b="0"/>
-          </a:fillRef>
-          <a:effectRef idx="0">
-            <a:scrgbClr r="0" g="0" b="0"/>
-          </a:effectRef>
-          <a:fontRef idx="minor"/>
-        </p:style>
-        <p:txBody>
-          <a:bodyPr/>
-          <a:lstStyle/>
-          <a:p>
-            <a:pPr>
-              <a:lnSpc>
-                <a:spcPct val="100000"/>
-              </a:lnSpc>
-            </a:pPr>
-            <a:r>
-              <a:rPr lang="en-US" spc="-1" dirty="0">
-                <a:solidFill>
-                  <a:srgbClr val="000000"/>
-                </a:solidFill>
-                <a:uFill>
-                  <a:solidFill>
-                    <a:srgbClr val="FFFFFF"/>
-                  </a:solidFill>
-                </a:uFill>
-                <a:latin typeface="Courier New"/>
-              </a:rPr>
-              <a:t>1</a:t>
-            </a:r>
-          </a:p>
-          <a:p>
-            <a:pPr>
-              <a:lnSpc>
-                <a:spcPct val="100000"/>
-              </a:lnSpc>
-            </a:pPr>
-            <a:r>
-              <a:rPr lang="en-US" spc="-1" dirty="0">
-                <a:solidFill>
-                  <a:srgbClr val="000000"/>
-                </a:solidFill>
-                <a:uFill>
-                  <a:solidFill>
-                    <a:srgbClr val="FFFFFF"/>
-                  </a:solidFill>
-                </a:uFill>
-                <a:latin typeface="Courier New"/>
-              </a:rPr>
-              <a:t>2</a:t>
-            </a:r>
-          </a:p>
-          <a:p>
-            <a:pPr>
-              <a:lnSpc>
-                <a:spcPct val="100000"/>
-              </a:lnSpc>
-            </a:pPr>
-            <a:r>
-              <a:rPr lang="en-US" spc="-1" dirty="0">
-                <a:solidFill>
-                  <a:srgbClr val="000000"/>
-                </a:solidFill>
-                <a:uFill>
-                  <a:solidFill>
-                    <a:srgbClr val="FFFFFF"/>
-                  </a:solidFill>
-                </a:uFill>
-                <a:latin typeface="Courier New"/>
-              </a:rPr>
-              <a:t>3</a:t>
-            </a:r>
-          </a:p>
-          <a:p>
-            <a:pPr>
-              <a:lnSpc>
-                <a:spcPct val="100000"/>
-              </a:lnSpc>
-            </a:pPr>
-            <a:r>
-              <a:rPr lang="en-US" spc="-1" dirty="0">
-                <a:solidFill>
-                  <a:srgbClr val="000000"/>
-                </a:solidFill>
-                <a:uFill>
-                  <a:solidFill>
-                    <a:srgbClr val="FFFFFF"/>
-                  </a:solidFill>
-                </a:uFill>
-                <a:latin typeface="Courier New"/>
-              </a:rPr>
-              <a:t>4</a:t>
-            </a:r>
-            <a:endParaRPr lang="en-US" spc="-1" dirty="0">
-              <a:solidFill>
-                <a:srgbClr val="000000"/>
-              </a:solidFill>
-              <a:uFill>
-                <a:solidFill>
-                  <a:srgbClr val="FFFFFF"/>
-                </a:solidFill>
-              </a:uFill>
-              <a:latin typeface="Arial"/>
-            </a:endParaRPr>
-          </a:p>
-        </p:txBody>
-      </p:sp>
-      <p:sp>
-        <p:nvSpPr>
-          <p:cNvPr id="3" name="TextBox 2">
-            <a:extLst>
-              <a:ext uri="{FF2B5EF4-FFF2-40B4-BE49-F238E27FC236}">
-                <a16:creationId xmlns:a16="http://schemas.microsoft.com/office/drawing/2014/main" id="{0078FEDE-CD59-FF41-8CE4-65A7A60FD1E0}"/>
-              </a:ext>
-            </a:extLst>
-          </p:cNvPr>
-          <p:cNvSpPr txBox="1"/>
-          <p:nvPr/>
-        </p:nvSpPr>
-        <p:spPr>
-          <a:xfrm>
-            <a:off x="2116899" y="1995880"/>
-            <a:ext cx="184731" cy="369332"/>
-          </a:xfrm>
-          <a:prstGeom prst="rect">
-            <a:avLst/>
-          </a:prstGeom>
-          <a:noFill/>
-        </p:spPr>
-        <p:txBody>
-          <a:bodyPr wrap="none" rtlCol="0">
-            <a:spAutoFit/>
-          </a:bodyPr>
-          <a:lstStyle/>
-          <a:p>
-            <a:endParaRPr lang="en-US" dirty="0"/>
+              <a:t>Lists &amp; Higher Order Functions</a:t>
+            </a:r>
+            <a:br>
+              <a:rPr lang="en-US" dirty="0"/>
+            </a:br>
+            <a:r>
+              <a:rPr lang="en-US" dirty="0"/>
+              <a:t>Reduce</a:t>
+            </a:r>
           </a:p>
         </p:txBody>
       </p:sp>
     </p:spTree>
+    <p:extLst>
+      <p:ext uri="{BB962C8B-B14F-4D97-AF65-F5344CB8AC3E}">
+        <p14:creationId xmlns:p14="http://schemas.microsoft.com/office/powerpoint/2010/main" val="2726429766"/>
+      </p:ext>
+    </p:extLst>
   </p:cSld>
   <p:clrMapOvr>
     <a:masterClrMapping/>
@@ -9971,145 +11068,7 @@
         <p:cTn id="1" dur="indefinite" restart="never" nodeType="tmRoot">
           <p:childTnLst>
             <p:seq>
-              <p:cTn id="2" dur="indefinite" nodeType="mainSeq">
-                <p:childTnLst>
-                  <p:par>
-                    <p:cTn id="3" fill="hold">
-                      <p:stCondLst>
-                        <p:cond delay="indefinite"/>
-                      </p:stCondLst>
-                      <p:childTnLst>
-                        <p:par>
-                          <p:cTn id="4" fill="hold">
-                            <p:stCondLst>
-                              <p:cond delay="0"/>
-                            </p:stCondLst>
-                            <p:childTnLst>
-                              <p:par>
-                                <p:cTn id="5" presetID="1" presetClass="entr" fill="hold" nodeType="clickEffect">
-                                  <p:stCondLst>
-                                    <p:cond delay="0"/>
-                                  </p:stCondLst>
-                                  <p:childTnLst>
-                                    <p:set>
-                                      <p:cBhvr>
-                                        <p:cTn id="6" dur="1" fill="hold">
-                                          <p:stCondLst>
-                                            <p:cond delay="0"/>
-                                          </p:stCondLst>
-                                        </p:cTn>
-                                        <p:tgtEl>
-                                          <p:spTgt spid="165"/>
-                                        </p:tgtEl>
-                                        <p:attrNameLst>
-                                          <p:attrName>style.visibility</p:attrName>
-                                        </p:attrNameLst>
-                                      </p:cBhvr>
-                                      <p:to>
-                                        <p:strVal val="visible"/>
-                                      </p:to>
-                                    </p:set>
-                                  </p:childTnLst>
-                                </p:cTn>
-                              </p:par>
-                            </p:childTnLst>
-                          </p:cTn>
-                        </p:par>
-                      </p:childTnLst>
-                    </p:cTn>
-                  </p:par>
-                  <p:par>
-                    <p:cTn id="7" fill="hold">
-                      <p:stCondLst>
-                        <p:cond delay="indefinite"/>
-                      </p:stCondLst>
-                      <p:childTnLst>
-                        <p:par>
-                          <p:cTn id="8" fill="hold">
-                            <p:stCondLst>
-                              <p:cond delay="0"/>
-                            </p:stCondLst>
-                            <p:childTnLst>
-                              <p:par>
-                                <p:cTn id="9" presetID="1" presetClass="entr" fill="hold" nodeType="clickEffect">
-                                  <p:stCondLst>
-                                    <p:cond delay="0"/>
-                                  </p:stCondLst>
-                                  <p:childTnLst>
-                                    <p:set>
-                                      <p:cBhvr>
-                                        <p:cTn id="10" dur="1" fill="hold">
-                                          <p:stCondLst>
-                                            <p:cond delay="0"/>
-                                          </p:stCondLst>
-                                        </p:cTn>
-                                        <p:tgtEl>
-                                          <p:spTgt spid="166"/>
-                                        </p:tgtEl>
-                                        <p:attrNameLst>
-                                          <p:attrName>style.visibility</p:attrName>
-                                        </p:attrNameLst>
-                                      </p:cBhvr>
-                                      <p:to>
-                                        <p:strVal val="visible"/>
-                                      </p:to>
-                                    </p:set>
-                                  </p:childTnLst>
-                                </p:cTn>
-                              </p:par>
-                            </p:childTnLst>
-                          </p:cTn>
-                        </p:par>
-                      </p:childTnLst>
-                    </p:cTn>
-                  </p:par>
-                  <p:par>
-                    <p:cTn id="11" fill="hold">
-                      <p:stCondLst>
-                        <p:cond delay="indefinite"/>
-                      </p:stCondLst>
-                      <p:childTnLst>
-                        <p:par>
-                          <p:cTn id="12" fill="hold">
-                            <p:stCondLst>
-                              <p:cond delay="0"/>
-                            </p:stCondLst>
-                            <p:childTnLst>
-                              <p:par>
-                                <p:cTn id="13" presetID="1" presetClass="entr" fill="hold" nodeType="clickEffect">
-                                  <p:stCondLst>
-                                    <p:cond delay="0"/>
-                                  </p:stCondLst>
-                                  <p:childTnLst>
-                                    <p:set>
-                                      <p:cBhvr>
-                                        <p:cTn id="14" dur="1" fill="hold">
-                                          <p:stCondLst>
-                                            <p:cond delay="0"/>
-                                          </p:stCondLst>
-                                        </p:cTn>
-                                        <p:tgtEl>
-                                          <p:spTgt spid="167"/>
-                                        </p:tgtEl>
-                                        <p:attrNameLst>
-                                          <p:attrName>style.visibility</p:attrName>
-                                        </p:attrNameLst>
-                                      </p:cBhvr>
-                                      <p:to>
-                                        <p:strVal val="visible"/>
-                                      </p:to>
-                                    </p:set>
-                                  </p:childTnLst>
-                                </p:cTn>
-                              </p:par>
-                            </p:childTnLst>
-                          </p:cTn>
-                        </p:par>
-                      </p:childTnLst>
-                    </p:cTn>
-                  </p:par>
-                </p:childTnLst>
-              </p:cTn>
+              <p:cTn id="2" nodeType="mainSeq"/>
               <p:prevCondLst>
                 <p:cond evt="onPrev" delay="0">
                   <p:tgtEl>
@@ -10155,7 +11114,7 @@
           <p:cNvPr id="2" name="Title 1">
             <a:extLst>
               <a:ext uri="{FF2B5EF4-FFF2-40B4-BE49-F238E27FC236}">
-                <a16:creationId xmlns:a16="http://schemas.microsoft.com/office/drawing/2014/main" id="{E6F99501-F0C7-EC42-A944-CAC24ED1FA0A}"/>
+                <a16:creationId xmlns:a16="http://schemas.microsoft.com/office/drawing/2014/main" id="{C7162243-B7BE-0F46-83D8-54C33AA9C375}"/>
               </a:ext>
             </a:extLst>
           </p:cNvPr>
@@ -10173,7 +11132,7 @@
           <a:p>
             <a:r>
               <a:rPr lang="en-US" dirty="0"/>
-              <a:t>Demo</a:t>
+              <a:t>Learning Objectives</a:t>
             </a:r>
           </a:p>
         </p:txBody>
@@ -10183,7 +11142,7 @@
           <p:cNvPr id="3" name="Content Placeholder 2">
             <a:extLst>
               <a:ext uri="{FF2B5EF4-FFF2-40B4-BE49-F238E27FC236}">
-                <a16:creationId xmlns:a16="http://schemas.microsoft.com/office/drawing/2014/main" id="{19DE36E9-772B-2648-8DA7-FD5CACFF1390}"/>
+                <a16:creationId xmlns:a16="http://schemas.microsoft.com/office/drawing/2014/main" id="{0B25816F-54D8-8E4B-B483-3DADB5D96C8E}"/>
               </a:ext>
             </a:extLst>
           </p:cNvPr>
@@ -10199,7 +11158,49 @@
           <a:bodyPr/>
           <a:lstStyle/>
           <a:p>
-            <a:endParaRPr lang="en-US" b="1" dirty="0"/>
+            <a:r>
+              <a:rPr lang="en-US" dirty="0"/>
+              <a:t>Learn three new common Higher Order Functions:</a:t>
+            </a:r>
+          </a:p>
+          <a:p>
+            <a:pPr lvl="1"/>
+            <a:r>
+              <a:rPr lang="en-US" dirty="0"/>
+              <a:t>map, filter, reduce</a:t>
+            </a:r>
+          </a:p>
+          <a:p>
+            <a:r>
+              <a:rPr lang="en-US" dirty="0"/>
+              <a:t>These each apply a function to a sequence (list) of data</a:t>
+            </a:r>
+          </a:p>
+          <a:p>
+            <a:pPr marL="0" indent="0">
+              <a:buNone/>
+            </a:pPr>
+            <a:endParaRPr lang="en-US" dirty="0"/>
+          </a:p>
+          <a:p>
+            <a:r>
+              <a:rPr lang="en-US" dirty="0"/>
+              <a:t>Reduce: “Combines” items together, probably doesn’t return a list.</a:t>
+            </a:r>
+          </a:p>
+          <a:p>
+            <a:pPr lvl="1"/>
+            <a:r>
+              <a:rPr lang="en-US" dirty="0"/>
+              <a:t>Input: A 2 item function and a sequence</a:t>
+            </a:r>
+          </a:p>
+          <a:p>
+            <a:pPr lvl="1"/>
+            <a:r>
+              <a:rPr lang="en-US" dirty="0"/>
+              <a:t>A single value</a:t>
+            </a:r>
           </a:p>
         </p:txBody>
       </p:sp>
@@ -10208,7 +11209,7 @@
           <p:cNvPr id="4" name="Slide Number Placeholder 3">
             <a:extLst>
               <a:ext uri="{FF2B5EF4-FFF2-40B4-BE49-F238E27FC236}">
-                <a16:creationId xmlns:a16="http://schemas.microsoft.com/office/drawing/2014/main" id="{2818B7AE-157B-8048-B295-CD4B4FA9D683}"/>
+                <a16:creationId xmlns:a16="http://schemas.microsoft.com/office/drawing/2014/main" id="{B35C567C-EF3B-B148-BDC1-CFE1C9541422}"/>
               </a:ext>
             </a:extLst>
           </p:cNvPr>
@@ -10241,13 +11242,491 @@
     </p:spTree>
     <p:extLst>
       <p:ext uri="{BB962C8B-B14F-4D97-AF65-F5344CB8AC3E}">
-        <p14:creationId xmlns:p14="http://schemas.microsoft.com/office/powerpoint/2010/main" val="4176802980"/>
+        <p14:creationId xmlns:p14="http://schemas.microsoft.com/office/powerpoint/2010/main" val="87257162"/>
       </p:ext>
     </p:extLst>
   </p:cSld>
   <p:clrMapOvr>
     <a:masterClrMapping/>
   </p:clrMapOvr>
+  <p:timing>
+    <p:tnLst>
+      <p:par>
+        <p:cTn id="1" dur="indefinite" restart="never" nodeType="tmRoot">
+          <p:childTnLst>
+            <p:seq concurrent="1" nextAc="seek">
+              <p:cTn id="2" dur="indefinite" nodeType="mainSeq">
+                <p:childTnLst>
+                  <p:par>
+                    <p:cTn id="3" fill="hold">
+                      <p:stCondLst>
+                        <p:cond delay="indefinite"/>
+                      </p:stCondLst>
+                      <p:childTnLst>
+                        <p:par>
+                          <p:cTn id="4" fill="hold">
+                            <p:stCondLst>
+                              <p:cond delay="0"/>
+                            </p:stCondLst>
+                            <p:childTnLst>
+                              <p:par>
+                                <p:cTn id="5" presetID="1" presetClass="entr" presetSubtype="0" fill="hold" grpId="0" nodeType="clickEffect">
+                                  <p:stCondLst>
+                                    <p:cond delay="0"/>
+                                  </p:stCondLst>
+                                  <p:childTnLst>
+                                    <p:set>
+                                      <p:cBhvr>
+                                        <p:cTn id="6" dur="1" fill="hold">
+                                          <p:stCondLst>
+                                            <p:cond delay="0"/>
+                                          </p:stCondLst>
+                                        </p:cTn>
+                                        <p:tgtEl>
+                                          <p:spTgt spid="3">
+                                            <p:txEl>
+                                              <p:pRg st="0" end="0"/>
+                                            </p:txEl>
+                                          </p:spTgt>
+                                        </p:tgtEl>
+                                        <p:attrNameLst>
+                                          <p:attrName>style.visibility</p:attrName>
+                                        </p:attrNameLst>
+                                      </p:cBhvr>
+                                      <p:to>
+                                        <p:strVal val="visible"/>
+                                      </p:to>
+                                    </p:set>
+                                  </p:childTnLst>
+                                </p:cTn>
+                              </p:par>
+                              <p:par>
+                                <p:cTn id="7" presetID="1" presetClass="entr" presetSubtype="0" fill="hold" grpId="0" nodeType="withEffect">
+                                  <p:stCondLst>
+                                    <p:cond delay="0"/>
+                                  </p:stCondLst>
+                                  <p:childTnLst>
+                                    <p:set>
+                                      <p:cBhvr>
+                                        <p:cTn id="8" dur="1" fill="hold">
+                                          <p:stCondLst>
+                                            <p:cond delay="0"/>
+                                          </p:stCondLst>
+                                        </p:cTn>
+                                        <p:tgtEl>
+                                          <p:spTgt spid="3">
+                                            <p:txEl>
+                                              <p:pRg st="1" end="1"/>
+                                            </p:txEl>
+                                          </p:spTgt>
+                                        </p:tgtEl>
+                                        <p:attrNameLst>
+                                          <p:attrName>style.visibility</p:attrName>
+                                        </p:attrNameLst>
+                                      </p:cBhvr>
+                                      <p:to>
+                                        <p:strVal val="visible"/>
+                                      </p:to>
+                                    </p:set>
+                                  </p:childTnLst>
+                                </p:cTn>
+                              </p:par>
+                            </p:childTnLst>
+                          </p:cTn>
+                        </p:par>
+                      </p:childTnLst>
+                    </p:cTn>
+                  </p:par>
+                  <p:par>
+                    <p:cTn id="9" fill="hold">
+                      <p:stCondLst>
+                        <p:cond delay="indefinite"/>
+                      </p:stCondLst>
+                      <p:childTnLst>
+                        <p:par>
+                          <p:cTn id="10" fill="hold">
+                            <p:stCondLst>
+                              <p:cond delay="0"/>
+                            </p:stCondLst>
+                            <p:childTnLst>
+                              <p:par>
+                                <p:cTn id="11" presetID="1" presetClass="entr" presetSubtype="0" fill="hold" grpId="0" nodeType="clickEffect">
+                                  <p:stCondLst>
+                                    <p:cond delay="0"/>
+                                  </p:stCondLst>
+                                  <p:childTnLst>
+                                    <p:set>
+                                      <p:cBhvr>
+                                        <p:cTn id="12" dur="1" fill="hold">
+                                          <p:stCondLst>
+                                            <p:cond delay="0"/>
+                                          </p:stCondLst>
+                                        </p:cTn>
+                                        <p:tgtEl>
+                                          <p:spTgt spid="3">
+                                            <p:txEl>
+                                              <p:pRg st="2" end="2"/>
+                                            </p:txEl>
+                                          </p:spTgt>
+                                        </p:tgtEl>
+                                        <p:attrNameLst>
+                                          <p:attrName>style.visibility</p:attrName>
+                                        </p:attrNameLst>
+                                      </p:cBhvr>
+                                      <p:to>
+                                        <p:strVal val="visible"/>
+                                      </p:to>
+                                    </p:set>
+                                  </p:childTnLst>
+                                </p:cTn>
+                              </p:par>
+                              <p:par>
+                                <p:cTn id="13" presetID="1" presetClass="entr" presetSubtype="0" fill="hold" grpId="0" nodeType="withEffect">
+                                  <p:stCondLst>
+                                    <p:cond delay="0"/>
+                                  </p:stCondLst>
+                                  <p:childTnLst>
+                                    <p:set>
+                                      <p:cBhvr>
+                                        <p:cTn id="14" dur="1" fill="hold">
+                                          <p:stCondLst>
+                                            <p:cond delay="0"/>
+                                          </p:stCondLst>
+                                        </p:cTn>
+                                        <p:tgtEl>
+                                          <p:spTgt spid="3">
+                                            <p:txEl>
+                                              <p:pRg st="4" end="4"/>
+                                            </p:txEl>
+                                          </p:spTgt>
+                                        </p:tgtEl>
+                                        <p:attrNameLst>
+                                          <p:attrName>style.visibility</p:attrName>
+                                        </p:attrNameLst>
+                                      </p:cBhvr>
+                                      <p:to>
+                                        <p:strVal val="visible"/>
+                                      </p:to>
+                                    </p:set>
+                                  </p:childTnLst>
+                                </p:cTn>
+                              </p:par>
+                              <p:par>
+                                <p:cTn id="15" presetID="1" presetClass="entr" presetSubtype="0" fill="hold" grpId="0" nodeType="withEffect">
+                                  <p:stCondLst>
+                                    <p:cond delay="0"/>
+                                  </p:stCondLst>
+                                  <p:childTnLst>
+                                    <p:set>
+                                      <p:cBhvr>
+                                        <p:cTn id="16" dur="1" fill="hold">
+                                          <p:stCondLst>
+                                            <p:cond delay="0"/>
+                                          </p:stCondLst>
+                                        </p:cTn>
+                                        <p:tgtEl>
+                                          <p:spTgt spid="3">
+                                            <p:txEl>
+                                              <p:pRg st="5" end="5"/>
+                                            </p:txEl>
+                                          </p:spTgt>
+                                        </p:tgtEl>
+                                        <p:attrNameLst>
+                                          <p:attrName>style.visibility</p:attrName>
+                                        </p:attrNameLst>
+                                      </p:cBhvr>
+                                      <p:to>
+                                        <p:strVal val="visible"/>
+                                      </p:to>
+                                    </p:set>
+                                  </p:childTnLst>
+                                </p:cTn>
+                              </p:par>
+                              <p:par>
+                                <p:cTn id="17" presetID="1" presetClass="entr" presetSubtype="0" fill="hold" grpId="0" nodeType="withEffect">
+                                  <p:stCondLst>
+                                    <p:cond delay="0"/>
+                                  </p:stCondLst>
+                                  <p:childTnLst>
+                                    <p:set>
+                                      <p:cBhvr>
+                                        <p:cTn id="18" dur="1" fill="hold">
+                                          <p:stCondLst>
+                                            <p:cond delay="0"/>
+                                          </p:stCondLst>
+                                        </p:cTn>
+                                        <p:tgtEl>
+                                          <p:spTgt spid="3">
+                                            <p:txEl>
+                                              <p:pRg st="6" end="6"/>
+                                            </p:txEl>
+                                          </p:spTgt>
+                                        </p:tgtEl>
+                                        <p:attrNameLst>
+                                          <p:attrName>style.visibility</p:attrName>
+                                        </p:attrNameLst>
+                                      </p:cBhvr>
+                                      <p:to>
+                                        <p:strVal val="visible"/>
+                                      </p:to>
+                                    </p:set>
+                                  </p:childTnLst>
+                                </p:cTn>
+                              </p:par>
+                            </p:childTnLst>
+                          </p:cTn>
+                        </p:par>
+                      </p:childTnLst>
+                    </p:cTn>
+                  </p:par>
+                  <p:par>
+                    <p:cTn id="19" fill="hold">
+                      <p:stCondLst>
+                        <p:cond delay="indefinite"/>
+                      </p:stCondLst>
+                      <p:childTnLst>
+                        <p:par>
+                          <p:cTn id="20" fill="hold">
+                            <p:stCondLst>
+                              <p:cond delay="0"/>
+                            </p:stCondLst>
+                            <p:childTnLst>
+                              <p:par>
+                                <p:cTn id="21" presetID="1" presetClass="entr" presetSubtype="0" fill="hold" grpId="1" nodeType="clickEffect">
+                                  <p:stCondLst>
+                                    <p:cond delay="0"/>
+                                  </p:stCondLst>
+                                  <p:childTnLst>
+                                    <p:set>
+                                      <p:cBhvr>
+                                        <p:cTn id="22" dur="1" fill="hold">
+                                          <p:stCondLst>
+                                            <p:cond delay="0"/>
+                                          </p:stCondLst>
+                                        </p:cTn>
+                                        <p:tgtEl>
+                                          <p:spTgt spid="3">
+                                            <p:txEl>
+                                              <p:pRg st="0" end="0"/>
+                                            </p:txEl>
+                                          </p:spTgt>
+                                        </p:tgtEl>
+                                        <p:attrNameLst>
+                                          <p:attrName>style.visibility</p:attrName>
+                                        </p:attrNameLst>
+                                      </p:cBhvr>
+                                      <p:to>
+                                        <p:strVal val="visible"/>
+                                      </p:to>
+                                    </p:set>
+                                  </p:childTnLst>
+                                </p:cTn>
+                              </p:par>
+                              <p:par>
+                                <p:cTn id="23" presetID="1" presetClass="entr" presetSubtype="0" fill="hold" grpId="1" nodeType="withEffect">
+                                  <p:stCondLst>
+                                    <p:cond delay="0"/>
+                                  </p:stCondLst>
+                                  <p:childTnLst>
+                                    <p:set>
+                                      <p:cBhvr>
+                                        <p:cTn id="24" dur="1" fill="hold">
+                                          <p:stCondLst>
+                                            <p:cond delay="0"/>
+                                          </p:stCondLst>
+                                        </p:cTn>
+                                        <p:tgtEl>
+                                          <p:spTgt spid="3">
+                                            <p:txEl>
+                                              <p:pRg st="1" end="1"/>
+                                            </p:txEl>
+                                          </p:spTgt>
+                                        </p:tgtEl>
+                                        <p:attrNameLst>
+                                          <p:attrName>style.visibility</p:attrName>
+                                        </p:attrNameLst>
+                                      </p:cBhvr>
+                                      <p:to>
+                                        <p:strVal val="visible"/>
+                                      </p:to>
+                                    </p:set>
+                                  </p:childTnLst>
+                                </p:cTn>
+                              </p:par>
+                            </p:childTnLst>
+                          </p:cTn>
+                        </p:par>
+                      </p:childTnLst>
+                    </p:cTn>
+                  </p:par>
+                  <p:par>
+                    <p:cTn id="25" fill="hold">
+                      <p:stCondLst>
+                        <p:cond delay="indefinite"/>
+                      </p:stCondLst>
+                      <p:childTnLst>
+                        <p:par>
+                          <p:cTn id="26" fill="hold">
+                            <p:stCondLst>
+                              <p:cond delay="0"/>
+                            </p:stCondLst>
+                            <p:childTnLst>
+                              <p:par>
+                                <p:cTn id="27" presetID="1" presetClass="entr" presetSubtype="0" fill="hold" grpId="1" nodeType="clickEffect">
+                                  <p:stCondLst>
+                                    <p:cond delay="0"/>
+                                  </p:stCondLst>
+                                  <p:childTnLst>
+                                    <p:set>
+                                      <p:cBhvr>
+                                        <p:cTn id="28" dur="1" fill="hold">
+                                          <p:stCondLst>
+                                            <p:cond delay="0"/>
+                                          </p:stCondLst>
+                                        </p:cTn>
+                                        <p:tgtEl>
+                                          <p:spTgt spid="3">
+                                            <p:txEl>
+                                              <p:pRg st="2" end="2"/>
+                                            </p:txEl>
+                                          </p:spTgt>
+                                        </p:tgtEl>
+                                        <p:attrNameLst>
+                                          <p:attrName>style.visibility</p:attrName>
+                                        </p:attrNameLst>
+                                      </p:cBhvr>
+                                      <p:to>
+                                        <p:strVal val="visible"/>
+                                      </p:to>
+                                    </p:set>
+                                  </p:childTnLst>
+                                </p:cTn>
+                              </p:par>
+                              <p:par>
+                                <p:cTn id="29" presetID="1" presetClass="entr" presetSubtype="0" fill="hold" grpId="1" nodeType="withEffect">
+                                  <p:stCondLst>
+                                    <p:cond delay="0"/>
+                                  </p:stCondLst>
+                                  <p:childTnLst>
+                                    <p:set>
+                                      <p:cBhvr>
+                                        <p:cTn id="30" dur="1" fill="hold">
+                                          <p:stCondLst>
+                                            <p:cond delay="0"/>
+                                          </p:stCondLst>
+                                        </p:cTn>
+                                        <p:tgtEl>
+                                          <p:spTgt spid="3">
+                                            <p:txEl>
+                                              <p:pRg st="4" end="4"/>
+                                            </p:txEl>
+                                          </p:spTgt>
+                                        </p:tgtEl>
+                                        <p:attrNameLst>
+                                          <p:attrName>style.visibility</p:attrName>
+                                        </p:attrNameLst>
+                                      </p:cBhvr>
+                                      <p:to>
+                                        <p:strVal val="visible"/>
+                                      </p:to>
+                                    </p:set>
+                                  </p:childTnLst>
+                                </p:cTn>
+                              </p:par>
+                              <p:par>
+                                <p:cTn id="31" presetID="1" presetClass="entr" presetSubtype="0" fill="hold" grpId="1" nodeType="withEffect">
+                                  <p:stCondLst>
+                                    <p:cond delay="0"/>
+                                  </p:stCondLst>
+                                  <p:childTnLst>
+                                    <p:set>
+                                      <p:cBhvr>
+                                        <p:cTn id="32" dur="1" fill="hold">
+                                          <p:stCondLst>
+                                            <p:cond delay="0"/>
+                                          </p:stCondLst>
+                                        </p:cTn>
+                                        <p:tgtEl>
+                                          <p:spTgt spid="3">
+                                            <p:txEl>
+                                              <p:pRg st="5" end="5"/>
+                                            </p:txEl>
+                                          </p:spTgt>
+                                        </p:tgtEl>
+                                        <p:attrNameLst>
+                                          <p:attrName>style.visibility</p:attrName>
+                                        </p:attrNameLst>
+                                      </p:cBhvr>
+                                      <p:to>
+                                        <p:strVal val="visible"/>
+                                      </p:to>
+                                    </p:set>
+                                  </p:childTnLst>
+                                </p:cTn>
+                              </p:par>
+                              <p:par>
+                                <p:cTn id="33" presetID="1" presetClass="entr" presetSubtype="0" fill="hold" grpId="1" nodeType="withEffect">
+                                  <p:stCondLst>
+                                    <p:cond delay="0"/>
+                                  </p:stCondLst>
+                                  <p:childTnLst>
+                                    <p:set>
+                                      <p:cBhvr>
+                                        <p:cTn id="34" dur="1" fill="hold">
+                                          <p:stCondLst>
+                                            <p:cond delay="0"/>
+                                          </p:stCondLst>
+                                        </p:cTn>
+                                        <p:tgtEl>
+                                          <p:spTgt spid="3">
+                                            <p:txEl>
+                                              <p:pRg st="6" end="6"/>
+                                            </p:txEl>
+                                          </p:spTgt>
+                                        </p:tgtEl>
+                                        <p:attrNameLst>
+                                          <p:attrName>style.visibility</p:attrName>
+                                        </p:attrNameLst>
+                                      </p:cBhvr>
+                                      <p:to>
+                                        <p:strVal val="visible"/>
+                                      </p:to>
+                                    </p:set>
+                                  </p:childTnLst>
+                                </p:cTn>
+                              </p:par>
+                            </p:childTnLst>
+                          </p:cTn>
+                        </p:par>
+                      </p:childTnLst>
+                    </p:cTn>
+                  </p:par>
+                </p:childTnLst>
+              </p:cTn>
+              <p:prevCondLst>
+                <p:cond evt="onPrev" delay="0">
+                  <p:tgtEl>
+                    <p:sldTgt/>
+                  </p:tgtEl>
+                </p:cond>
+              </p:prevCondLst>
+              <p:nextCondLst>
+                <p:cond evt="onNext" delay="0">
+                  <p:tgtEl>
+                    <p:sldTgt/>
+                  </p:tgtEl>
+                </p:cond>
+              </p:nextCondLst>
+            </p:seq>
+          </p:childTnLst>
+        </p:cTn>
+      </p:par>
+    </p:tnLst>
+    <p:bldLst>
+      <p:bldP spid="3" grpId="0" build="p"/>
+      <p:bldP spid="3" grpId="1" build="p"/>
+    </p:bldLst>
+  </p:timing>
 </p:sld>
 </file>
 
@@ -10270,28 +11749,845 @@
       </p:grpSpPr>
       <p:sp>
         <p:nvSpPr>
-          <p:cNvPr id="2" name="Title 1">
+          <p:cNvPr id="171" name="TextShape 1"/>
+          <p:cNvSpPr txBox="1"/>
+          <p:nvPr/>
+        </p:nvSpPr>
+        <p:spPr>
+          <a:xfrm>
+            <a:off x="552489" y="252301"/>
+            <a:ext cx="8474400" cy="736200"/>
+          </a:xfrm>
+          <a:prstGeom prst="rect">
+            <a:avLst/>
+          </a:prstGeom>
+          <a:noFill/>
+          <a:ln>
+            <a:noFill/>
+          </a:ln>
+        </p:spPr>
+        <p:txBody>
+          <a:bodyPr lIns="92160" tIns="46080" rIns="92160" bIns="46080" anchor="ctr"/>
+          <a:lstStyle/>
+          <a:p>
+            <a:pPr>
+              <a:lnSpc>
+                <a:spcPct val="90000"/>
+              </a:lnSpc>
+            </a:pPr>
+            <a:r>
+              <a:rPr lang="en-US" sz="3200" b="1" spc="-1" dirty="0">
+                <a:solidFill>
+                  <a:srgbClr val="0332B7"/>
+                </a:solidFill>
+                <a:uFill>
+                  <a:solidFill>
+                    <a:srgbClr val="FFFFFF"/>
+                  </a:solidFill>
+                </a:uFill>
+                <a:latin typeface="FreightText Pro Book" panose="02000603060000020004" pitchFamily="2" charset="0"/>
+                <a:ea typeface="Arial"/>
+              </a:rPr>
+              <a:t>REDUCE</a:t>
+            </a:r>
+            <a:endParaRPr lang="en-US" sz="1400" spc="-1" dirty="0">
+              <a:solidFill>
+                <a:srgbClr val="000000"/>
+              </a:solidFill>
+              <a:uFill>
+                <a:solidFill>
+                  <a:srgbClr val="FFFFFF"/>
+                </a:solidFill>
+              </a:uFill>
+              <a:latin typeface="FreightText Pro Book" panose="02000603060000020004" pitchFamily="2" charset="0"/>
+            </a:endParaRPr>
+          </a:p>
+        </p:txBody>
+      </p:sp>
+      <p:sp>
+        <p:nvSpPr>
+          <p:cNvPr id="172" name="CustomShape 2"/>
+          <p:cNvSpPr/>
+          <p:nvPr/>
+        </p:nvSpPr>
+        <p:spPr>
+          <a:xfrm>
+            <a:off x="2281080" y="999528"/>
+            <a:ext cx="8372520" cy="522720"/>
+          </a:xfrm>
+          <a:prstGeom prst="rect">
+            <a:avLst/>
+          </a:prstGeom>
+          <a:noFill/>
+          <a:ln>
+            <a:noFill/>
+          </a:ln>
+        </p:spPr>
+        <p:style>
+          <a:lnRef idx="0">
+            <a:scrgbClr r="0" g="0" b="0"/>
+          </a:lnRef>
+          <a:fillRef idx="0">
+            <a:scrgbClr r="0" g="0" b="0"/>
+          </a:fillRef>
+          <a:effectRef idx="0">
+            <a:scrgbClr r="0" g="0" b="0"/>
+          </a:effectRef>
+          <a:fontRef idx="minor"/>
+        </p:style>
+        <p:txBody>
+          <a:bodyPr/>
+          <a:lstStyle/>
+          <a:p>
+            <a:pPr>
+              <a:lnSpc>
+                <a:spcPct val="100000"/>
+              </a:lnSpc>
+            </a:pPr>
+            <a:r>
+              <a:rPr lang="en-US" sz="2400" spc="-1" dirty="0">
+                <a:solidFill>
+                  <a:srgbClr val="000000"/>
+                </a:solidFill>
+                <a:uFill>
+                  <a:solidFill>
+                    <a:srgbClr val="FFFFFF"/>
+                  </a:solidFill>
+                </a:uFill>
+                <a:latin typeface="Source Code Pro" panose="020B0509030403020204" pitchFamily="49" charset="77"/>
+                <a:ea typeface="Courier New"/>
+              </a:rPr>
+              <a:t>reduce(function, </a:t>
+            </a:r>
+            <a:r>
+              <a:rPr lang="en-US" sz="2400" spc="-1" dirty="0" err="1">
+                <a:solidFill>
+                  <a:srgbClr val="000000"/>
+                </a:solidFill>
+                <a:uFill>
+                  <a:solidFill>
+                    <a:srgbClr val="FFFFFF"/>
+                  </a:solidFill>
+                </a:uFill>
+                <a:latin typeface="Source Code Pro" panose="020B0509030403020204" pitchFamily="49" charset="77"/>
+                <a:ea typeface="Courier New"/>
+              </a:rPr>
+              <a:t>list_of_inputs</a:t>
+            </a:r>
+            <a:r>
+              <a:rPr lang="en-US" sz="2400" spc="-1" dirty="0">
+                <a:solidFill>
+                  <a:srgbClr val="000000"/>
+                </a:solidFill>
+                <a:uFill>
+                  <a:solidFill>
+                    <a:srgbClr val="FFFFFF"/>
+                  </a:solidFill>
+                </a:uFill>
+                <a:latin typeface="Source Code Pro" panose="020B0509030403020204" pitchFamily="49" charset="77"/>
+                <a:ea typeface="Courier New"/>
+              </a:rPr>
+              <a:t>)</a:t>
+            </a:r>
+            <a:endParaRPr lang="en-US" sz="2400" spc="-1" dirty="0">
+              <a:solidFill>
+                <a:srgbClr val="000000"/>
+              </a:solidFill>
+              <a:uFill>
+                <a:solidFill>
+                  <a:srgbClr val="FFFFFF"/>
+                </a:solidFill>
+              </a:uFill>
+              <a:latin typeface="Source Code Pro" panose="020B0509030403020204" pitchFamily="49" charset="77"/>
+            </a:endParaRPr>
+          </a:p>
+        </p:txBody>
+      </p:sp>
+      <p:sp>
+        <p:nvSpPr>
+          <p:cNvPr id="174" name="CustomShape 4"/>
+          <p:cNvSpPr/>
+          <p:nvPr/>
+        </p:nvSpPr>
+        <p:spPr>
+          <a:xfrm>
+            <a:off x="2005548" y="1455959"/>
+            <a:ext cx="8372520" cy="3177370"/>
+          </a:xfrm>
+          <a:prstGeom prst="rect">
+            <a:avLst/>
+          </a:prstGeom>
+          <a:noFill/>
+          <a:ln>
+            <a:noFill/>
+          </a:ln>
+        </p:spPr>
+        <p:style>
+          <a:lnRef idx="0">
+            <a:scrgbClr r="0" g="0" b="0"/>
+          </a:lnRef>
+          <a:fillRef idx="0">
+            <a:scrgbClr r="0" g="0" b="0"/>
+          </a:fillRef>
+          <a:effectRef idx="0">
+            <a:scrgbClr r="0" g="0" b="0"/>
+          </a:effectRef>
+          <a:fontRef idx="minor"/>
+        </p:style>
+        <p:txBody>
+          <a:bodyPr/>
+          <a:lstStyle/>
+          <a:p>
+            <a:pPr>
+              <a:lnSpc>
+                <a:spcPct val="100000"/>
+              </a:lnSpc>
+            </a:pPr>
+            <a:r>
+              <a:rPr lang="en-US" sz="2600" spc="-1" dirty="0">
+                <a:solidFill>
+                  <a:srgbClr val="000000"/>
+                </a:solidFill>
+                <a:uFill>
+                  <a:solidFill>
+                    <a:srgbClr val="FFFFFF"/>
+                  </a:solidFill>
+                </a:uFill>
+                <a:latin typeface="Arial"/>
+                <a:ea typeface="Arial"/>
+              </a:rPr>
+              <a:t>Successively </a:t>
+            </a:r>
+            <a:r>
+              <a:rPr lang="en-US" sz="2600" b="1" spc="-1" dirty="0">
+                <a:solidFill>
+                  <a:srgbClr val="000000"/>
+                </a:solidFill>
+                <a:uFill>
+                  <a:solidFill>
+                    <a:srgbClr val="FFFFFF"/>
+                  </a:solidFill>
+                </a:uFill>
+                <a:latin typeface="Arial"/>
+                <a:ea typeface="Arial"/>
+              </a:rPr>
+              <a:t>combine </a:t>
+            </a:r>
+            <a:r>
+              <a:rPr lang="en-US" sz="2600" spc="-1" dirty="0">
+                <a:solidFill>
+                  <a:srgbClr val="000000"/>
+                </a:solidFill>
+                <a:uFill>
+                  <a:solidFill>
+                    <a:srgbClr val="FFFFFF"/>
+                  </a:solidFill>
+                </a:uFill>
+                <a:latin typeface="Arial"/>
+                <a:ea typeface="Arial"/>
+              </a:rPr>
+              <a:t>items of our sequence</a:t>
+            </a:r>
+          </a:p>
+          <a:p>
+            <a:pPr>
+              <a:lnSpc>
+                <a:spcPct val="100000"/>
+              </a:lnSpc>
+            </a:pPr>
+            <a:r>
+              <a:rPr lang="en-US" sz="2600" spc="-1" dirty="0">
+                <a:solidFill>
+                  <a:srgbClr val="000000"/>
+                </a:solidFill>
+                <a:uFill>
+                  <a:solidFill>
+                    <a:srgbClr val="FFFFFF"/>
+                  </a:solidFill>
+                </a:uFill>
+                <a:latin typeface="Arial"/>
+                <a:ea typeface="Arial"/>
+              </a:rPr>
+              <a:t>	• function: add(), takes 2 inputs gives us 1 value. </a:t>
+            </a:r>
+            <a:endParaRPr lang="en-US" sz="2600" spc="-1" dirty="0">
+              <a:solidFill>
+                <a:srgbClr val="000000"/>
+              </a:solidFill>
+              <a:uFill>
+                <a:solidFill>
+                  <a:srgbClr val="FFFFFF"/>
+                </a:solidFill>
+              </a:uFill>
+              <a:ea typeface="Arial"/>
+            </a:endParaRPr>
+          </a:p>
+          <a:p>
+            <a:pPr>
+              <a:lnSpc>
+                <a:spcPct val="100000"/>
+              </a:lnSpc>
+            </a:pPr>
+            <a:r>
+              <a:rPr lang="en-US" sz="2600" spc="-1" dirty="0">
+                <a:solidFill>
+                  <a:srgbClr val="000000"/>
+                </a:solidFill>
+                <a:uFill>
+                  <a:solidFill>
+                    <a:srgbClr val="FFFFFF"/>
+                  </a:solidFill>
+                </a:uFill>
+                <a:latin typeface="Arial"/>
+                <a:ea typeface="Arial"/>
+              </a:rPr>
+              <a:t>Inputs</a:t>
+            </a:r>
+            <a:r>
+              <a:rPr lang="en-US" sz="2600" spc="-1" dirty="0">
+                <a:solidFill>
+                  <a:srgbClr val="000000"/>
+                </a:solidFill>
+                <a:uFill>
+                  <a:solidFill>
+                    <a:srgbClr val="FFFFFF"/>
+                  </a:solidFill>
+                </a:uFill>
+                <a:latin typeface="Arial"/>
+                <a:ea typeface="Arial"/>
+                <a:sym typeface="Wingdings" pitchFamily="2" charset="2"/>
+              </a:rPr>
+              <a:t> (Domain):</a:t>
+            </a:r>
+            <a:br>
+              <a:rPr lang="en-US" sz="2600" spc="-1" dirty="0">
+                <a:solidFill>
+                  <a:srgbClr val="000000"/>
+                </a:solidFill>
+                <a:uFill>
+                  <a:solidFill>
+                    <a:srgbClr val="FFFFFF"/>
+                  </a:solidFill>
+                </a:uFill>
+                <a:latin typeface="Arial"/>
+                <a:ea typeface="Arial"/>
+                <a:sym typeface="Wingdings" pitchFamily="2" charset="2"/>
+              </a:rPr>
+            </a:br>
+            <a:r>
+              <a:rPr lang="en-US" sz="2600" spc="-1" dirty="0">
+                <a:solidFill>
+                  <a:srgbClr val="000000"/>
+                </a:solidFill>
+                <a:uFill>
+                  <a:solidFill>
+                    <a:srgbClr val="FFFFFF"/>
+                  </a:solidFill>
+                </a:uFill>
+                <a:latin typeface="Arial"/>
+                <a:ea typeface="Arial"/>
+                <a:sym typeface="Wingdings" pitchFamily="2" charset="2"/>
+              </a:rPr>
+              <a:t>	• Function, with 2 inputs</a:t>
+            </a:r>
+          </a:p>
+          <a:p>
+            <a:pPr>
+              <a:lnSpc>
+                <a:spcPct val="100000"/>
+              </a:lnSpc>
+            </a:pPr>
+            <a:r>
+              <a:rPr lang="en-US" sz="2600" spc="-1" dirty="0">
+                <a:solidFill>
+                  <a:srgbClr val="000000"/>
+                </a:solidFill>
+                <a:uFill>
+                  <a:solidFill>
+                    <a:srgbClr val="FFFFFF"/>
+                  </a:solidFill>
+                </a:uFill>
+                <a:latin typeface="Arial"/>
+                <a:ea typeface="Arial"/>
+                <a:sym typeface="Wingdings" pitchFamily="2" charset="2"/>
+              </a:rPr>
+              <a:t>	• Sequence</a:t>
+            </a:r>
+            <a:br>
+              <a:rPr lang="en-US" sz="2600" spc="-1" dirty="0">
+                <a:solidFill>
+                  <a:srgbClr val="000000"/>
+                </a:solidFill>
+                <a:uFill>
+                  <a:solidFill>
+                    <a:srgbClr val="FFFFFF"/>
+                  </a:solidFill>
+                </a:uFill>
+                <a:latin typeface="Arial"/>
+                <a:ea typeface="Arial"/>
+                <a:sym typeface="Wingdings" pitchFamily="2" charset="2"/>
+              </a:rPr>
+            </a:br>
+            <a:r>
+              <a:rPr lang="en-US" sz="2600" spc="-1" dirty="0">
+                <a:solidFill>
+                  <a:srgbClr val="000000"/>
+                </a:solidFill>
+                <a:uFill>
+                  <a:solidFill>
+                    <a:srgbClr val="FFFFFF"/>
+                  </a:solidFill>
+                </a:uFill>
+                <a:latin typeface="Arial"/>
+                <a:ea typeface="Arial"/>
+                <a:sym typeface="Wingdings" pitchFamily="2" charset="2"/>
+              </a:rPr>
+              <a:t>Output (Range):</a:t>
+            </a:r>
+          </a:p>
+          <a:p>
+            <a:pPr>
+              <a:lnSpc>
+                <a:spcPct val="100000"/>
+              </a:lnSpc>
+            </a:pPr>
+            <a:r>
+              <a:rPr lang="en-US" sz="2600" spc="-1" dirty="0">
+                <a:solidFill>
+                  <a:srgbClr val="000000"/>
+                </a:solidFill>
+                <a:uFill>
+                  <a:solidFill>
+                    <a:srgbClr val="FFFFFF"/>
+                  </a:solidFill>
+                </a:uFill>
+                <a:latin typeface="Arial"/>
+                <a:ea typeface="Arial"/>
+                <a:sym typeface="Wingdings" pitchFamily="2" charset="2"/>
+              </a:rPr>
+              <a:t>	• An item, the type is the output of our function.</a:t>
+            </a:r>
+          </a:p>
+          <a:p>
+            <a:pPr>
+              <a:lnSpc>
+                <a:spcPct val="100000"/>
+              </a:lnSpc>
+            </a:pPr>
+            <a:endParaRPr lang="en-US" sz="2600" spc="-1" dirty="0">
+              <a:solidFill>
+                <a:srgbClr val="000000"/>
+              </a:solidFill>
+              <a:uFill>
+                <a:solidFill>
+                  <a:srgbClr val="FFFFFF"/>
+                </a:solidFill>
+              </a:uFill>
+              <a:latin typeface="Arial"/>
+              <a:ea typeface="Arial"/>
+              <a:sym typeface="Wingdings" pitchFamily="2" charset="2"/>
+            </a:endParaRPr>
+          </a:p>
+          <a:p>
+            <a:pPr>
+              <a:lnSpc>
+                <a:spcPct val="100000"/>
+              </a:lnSpc>
+            </a:pPr>
+            <a:r>
+              <a:rPr lang="en-US" sz="2600" spc="-1" dirty="0">
+                <a:solidFill>
+                  <a:srgbClr val="000000"/>
+                </a:solidFill>
+                <a:uFill>
+                  <a:solidFill>
+                    <a:srgbClr val="FFFFFF"/>
+                  </a:solidFill>
+                </a:uFill>
+                <a:latin typeface="Arial"/>
+                <a:ea typeface="Arial"/>
+                <a:sym typeface="Wingdings" pitchFamily="2" charset="2"/>
+              </a:rPr>
+              <a:t>Note: We must import reduce from </a:t>
+            </a:r>
+            <a:r>
+              <a:rPr lang="en-US" sz="2600" spc="-1" dirty="0" err="1">
+                <a:solidFill>
+                  <a:srgbClr val="000000"/>
+                </a:solidFill>
+                <a:uFill>
+                  <a:solidFill>
+                    <a:srgbClr val="FFFFFF"/>
+                  </a:solidFill>
+                </a:uFill>
+                <a:latin typeface="Source Code Pro" panose="020B0509030403020204" pitchFamily="49" charset="0"/>
+                <a:ea typeface="Source Code Pro" panose="020B0509030403020204" pitchFamily="49" charset="0"/>
+                <a:sym typeface="Wingdings" pitchFamily="2" charset="2"/>
+              </a:rPr>
+              <a:t>functools</a:t>
+            </a:r>
+            <a:r>
+              <a:rPr lang="en-US" sz="2600" spc="-1" dirty="0">
+                <a:solidFill>
+                  <a:srgbClr val="000000"/>
+                </a:solidFill>
+                <a:uFill>
+                  <a:solidFill>
+                    <a:srgbClr val="FFFFFF"/>
+                  </a:solidFill>
+                </a:uFill>
+                <a:latin typeface="Arial"/>
+                <a:ea typeface="Arial"/>
+                <a:sym typeface="Wingdings" pitchFamily="2" charset="2"/>
+              </a:rPr>
+              <a:t>!</a:t>
+            </a:r>
+          </a:p>
+          <a:p>
+            <a:pPr>
+              <a:lnSpc>
+                <a:spcPct val="100000"/>
+              </a:lnSpc>
+            </a:pPr>
+            <a:endParaRPr lang="en-US" sz="2600" spc="-1" dirty="0">
+              <a:solidFill>
+                <a:srgbClr val="000000"/>
+              </a:solidFill>
+              <a:uFill>
+                <a:solidFill>
+                  <a:srgbClr val="FFFFFF"/>
+                </a:solidFill>
+              </a:uFill>
+              <a:latin typeface="Arial"/>
+              <a:ea typeface="Arial"/>
+              <a:sym typeface="Wingdings" pitchFamily="2" charset="2"/>
+            </a:endParaRPr>
+          </a:p>
+          <a:p>
+            <a:pPr>
+              <a:lnSpc>
+                <a:spcPct val="100000"/>
+              </a:lnSpc>
+            </a:pPr>
+            <a:endParaRPr lang="en-US" sz="2600" spc="-1" dirty="0">
+              <a:solidFill>
+                <a:srgbClr val="000000"/>
+              </a:solidFill>
+              <a:uFill>
+                <a:solidFill>
+                  <a:srgbClr val="FFFFFF"/>
+                </a:solidFill>
+              </a:uFill>
+              <a:latin typeface="Arial"/>
+            </a:endParaRPr>
+          </a:p>
+        </p:txBody>
+      </p:sp>
+      <p:sp>
+        <p:nvSpPr>
+          <p:cNvPr id="181" name="TextShape 11"/>
+          <p:cNvSpPr txBox="1"/>
+          <p:nvPr/>
+        </p:nvSpPr>
+        <p:spPr>
+          <a:xfrm>
+            <a:off x="2281080" y="5012456"/>
+            <a:ext cx="7171560" cy="602280"/>
+          </a:xfrm>
+          <a:prstGeom prst="rect">
+            <a:avLst/>
+          </a:prstGeom>
+          <a:noFill/>
+          <a:ln>
+            <a:noFill/>
+          </a:ln>
+        </p:spPr>
+        <p:txBody>
+          <a:bodyPr lIns="90000" tIns="45000" rIns="90000" bIns="45000"/>
+          <a:lstStyle/>
+          <a:p>
+            <a:endParaRPr lang="en-US" spc="-1" dirty="0">
+              <a:solidFill>
+                <a:srgbClr val="000000"/>
+              </a:solidFill>
+              <a:uFill>
+                <a:solidFill>
+                  <a:srgbClr val="FFFFFF"/>
+                </a:solidFill>
+              </a:uFill>
+              <a:latin typeface="Arial"/>
+            </a:endParaRPr>
+          </a:p>
+        </p:txBody>
+      </p:sp>
+      <p:sp>
+        <p:nvSpPr>
+          <p:cNvPr id="4" name="Rectangle 3">
             <a:extLst>
               <a:ext uri="{FF2B5EF4-FFF2-40B4-BE49-F238E27FC236}">
-                <a16:creationId xmlns:a16="http://schemas.microsoft.com/office/drawing/2014/main" id="{D2340843-39A8-4E4A-A923-FEDC64A7AE32}"/>
+                <a16:creationId xmlns:a16="http://schemas.microsoft.com/office/drawing/2014/main" id="{DB3BA0DD-C671-564E-8D6D-0143E2712244}"/>
               </a:ext>
             </a:extLst>
           </p:cNvPr>
-          <p:cNvSpPr>
-            <a:spLocks noGrp="1"/>
-          </p:cNvSpPr>
-          <p:nvPr>
-            <p:ph type="ctrTitle"/>
-          </p:nvPr>
+          <p:cNvSpPr/>
+          <p:nvPr/>
         </p:nvSpPr>
-        <p:spPr/>
+        <p:spPr>
+          <a:xfrm>
+            <a:off x="2114548" y="5065718"/>
+            <a:ext cx="8474400" cy="1477328"/>
+          </a:xfrm>
+          <a:prstGeom prst="rect">
+            <a:avLst/>
+          </a:prstGeom>
+        </p:spPr>
         <p:txBody>
-          <a:bodyPr/>
+          <a:bodyPr wrap="square">
+            <a:spAutoFit/>
+          </a:bodyPr>
           <a:lstStyle/>
           <a:p>
             <a:r>
-              <a:rPr lang="en-US" dirty="0"/>
-              <a:t>Environment Diagrams</a:t>
+              <a:rPr lang="en-US" dirty="0">
+                <a:solidFill>
+                  <a:srgbClr val="0000FF"/>
+                </a:solidFill>
+                <a:latin typeface=" SourceCodePro-Light" panose="020B0509030403020204" pitchFamily="49" charset="77"/>
+              </a:rPr>
+              <a:t>def</a:t>
+            </a:r>
+            <a:r>
+              <a:rPr lang="en-US" dirty="0">
+                <a:solidFill>
+                  <a:srgbClr val="000000"/>
+                </a:solidFill>
+                <a:latin typeface=" SourceCodePro-Light" panose="020B0509030403020204" pitchFamily="49" charset="77"/>
+              </a:rPr>
+              <a:t> </a:t>
+            </a:r>
+            <a:r>
+              <a:rPr lang="en-US" dirty="0">
+                <a:solidFill>
+                  <a:srgbClr val="001080"/>
+                </a:solidFill>
+                <a:latin typeface=" SourceCodePro-Light" panose="020B0509030403020204" pitchFamily="49" charset="77"/>
+              </a:rPr>
+              <a:t>reduce</a:t>
+            </a:r>
+            <a:r>
+              <a:rPr lang="en-US" dirty="0">
+                <a:solidFill>
+                  <a:srgbClr val="000000"/>
+                </a:solidFill>
+                <a:latin typeface=" SourceCodePro-Light" panose="020B0509030403020204" pitchFamily="49" charset="77"/>
+              </a:rPr>
+              <a:t>(</a:t>
+            </a:r>
+            <a:r>
+              <a:rPr lang="en-US" dirty="0">
+                <a:solidFill>
+                  <a:srgbClr val="001080"/>
+                </a:solidFill>
+                <a:latin typeface=" SourceCodePro-Light" panose="020B0509030403020204" pitchFamily="49" charset="77"/>
+              </a:rPr>
+              <a:t>function</a:t>
+            </a:r>
+            <a:r>
+              <a:rPr lang="en-US" dirty="0">
+                <a:solidFill>
+                  <a:srgbClr val="000000"/>
+                </a:solidFill>
+                <a:latin typeface=" SourceCodePro-Light" panose="020B0509030403020204" pitchFamily="49" charset="77"/>
+              </a:rPr>
+              <a:t>, </a:t>
+            </a:r>
+            <a:r>
+              <a:rPr lang="en-US" dirty="0">
+                <a:solidFill>
+                  <a:srgbClr val="001080"/>
+                </a:solidFill>
+                <a:latin typeface=" SourceCodePro-Light" panose="020B0509030403020204" pitchFamily="49" charset="77"/>
+              </a:rPr>
+              <a:t>sequence</a:t>
+            </a:r>
+            <a:r>
+              <a:rPr lang="en-US" dirty="0">
+                <a:solidFill>
+                  <a:srgbClr val="000000"/>
+                </a:solidFill>
+                <a:latin typeface=" SourceCodePro-Light" panose="020B0509030403020204" pitchFamily="49" charset="77"/>
+              </a:rPr>
+              <a:t>):</a:t>
+            </a:r>
+          </a:p>
+          <a:p>
+            <a:r>
+              <a:rPr lang="en-US" dirty="0">
+                <a:solidFill>
+                  <a:srgbClr val="000000"/>
+                </a:solidFill>
+                <a:latin typeface=" SourceCodePro-Light" panose="020B0509030403020204" pitchFamily="49" charset="77"/>
+              </a:rPr>
+              <a:t>    result = function(sequence[</a:t>
+            </a:r>
+            <a:r>
+              <a:rPr lang="en-US" dirty="0">
+                <a:solidFill>
+                  <a:srgbClr val="098658"/>
+                </a:solidFill>
+                <a:latin typeface=" SourceCodePro-Light" panose="020B0509030403020204" pitchFamily="49" charset="77"/>
+              </a:rPr>
+              <a:t>0</a:t>
+            </a:r>
+            <a:r>
+              <a:rPr lang="en-US" dirty="0">
+                <a:solidFill>
+                  <a:srgbClr val="000000"/>
+                </a:solidFill>
+                <a:latin typeface=" SourceCodePro-Light" panose="020B0509030403020204" pitchFamily="49" charset="77"/>
+              </a:rPr>
+              <a:t>], sequence[</a:t>
+            </a:r>
+            <a:r>
+              <a:rPr lang="en-US" dirty="0">
+                <a:solidFill>
+                  <a:srgbClr val="098658"/>
+                </a:solidFill>
+                <a:latin typeface=" SourceCodePro-Light" panose="020B0509030403020204" pitchFamily="49" charset="77"/>
+              </a:rPr>
+              <a:t>1</a:t>
+            </a:r>
+            <a:r>
+              <a:rPr lang="en-US" dirty="0">
+                <a:solidFill>
+                  <a:srgbClr val="000000"/>
+                </a:solidFill>
+                <a:latin typeface=" SourceCodePro-Light" panose="020B0509030403020204" pitchFamily="49" charset="77"/>
+              </a:rPr>
+              <a:t>])</a:t>
+            </a:r>
+          </a:p>
+          <a:p>
+            <a:r>
+              <a:rPr lang="en-US" dirty="0">
+                <a:solidFill>
+                  <a:srgbClr val="AF00DB"/>
+                </a:solidFill>
+                <a:latin typeface=" SourceCodePro-Light" panose="020B0509030403020204" pitchFamily="49" charset="77"/>
+              </a:rPr>
+              <a:t>    for</a:t>
+            </a:r>
+            <a:r>
+              <a:rPr lang="en-US" dirty="0">
+                <a:solidFill>
+                  <a:srgbClr val="000000"/>
+                </a:solidFill>
+                <a:latin typeface=" SourceCodePro-Light" panose="020B0509030403020204" pitchFamily="49" charset="77"/>
+              </a:rPr>
+              <a:t> index </a:t>
+            </a:r>
+            <a:r>
+              <a:rPr lang="en-US" dirty="0">
+                <a:solidFill>
+                  <a:srgbClr val="0000FF"/>
+                </a:solidFill>
+                <a:latin typeface=" SourceCodePro-Light" panose="020B0509030403020204" pitchFamily="49" charset="77"/>
+              </a:rPr>
+              <a:t>in</a:t>
+            </a:r>
+            <a:r>
+              <a:rPr lang="en-US" dirty="0">
+                <a:solidFill>
+                  <a:srgbClr val="000000"/>
+                </a:solidFill>
+                <a:latin typeface=" SourceCodePro-Light" panose="020B0509030403020204" pitchFamily="49" charset="77"/>
+              </a:rPr>
+              <a:t> </a:t>
+            </a:r>
+            <a:r>
+              <a:rPr lang="en-US" dirty="0">
+                <a:solidFill>
+                  <a:srgbClr val="795E26"/>
+                </a:solidFill>
+                <a:latin typeface=" SourceCodePro-Light" panose="020B0509030403020204" pitchFamily="49" charset="77"/>
+              </a:rPr>
+              <a:t>range</a:t>
+            </a:r>
+            <a:r>
+              <a:rPr lang="en-US" dirty="0">
+                <a:solidFill>
+                  <a:srgbClr val="000000"/>
+                </a:solidFill>
+                <a:latin typeface=" SourceCodePro-Light" panose="020B0509030403020204" pitchFamily="49" charset="77"/>
+              </a:rPr>
+              <a:t>(</a:t>
+            </a:r>
+            <a:r>
+              <a:rPr lang="en-US" dirty="0">
+                <a:solidFill>
+                  <a:srgbClr val="098658"/>
+                </a:solidFill>
+                <a:latin typeface=" SourceCodePro-Light" panose="020B0509030403020204" pitchFamily="49" charset="77"/>
+              </a:rPr>
+              <a:t>2</a:t>
+            </a:r>
+            <a:r>
+              <a:rPr lang="en-US" dirty="0">
+                <a:solidFill>
+                  <a:srgbClr val="000000"/>
+                </a:solidFill>
+                <a:latin typeface=" SourceCodePro-Light" panose="020B0509030403020204" pitchFamily="49" charset="77"/>
+              </a:rPr>
+              <a:t>, </a:t>
+            </a:r>
+            <a:r>
+              <a:rPr lang="en-US" dirty="0" err="1">
+                <a:solidFill>
+                  <a:srgbClr val="795E26"/>
+                </a:solidFill>
+                <a:latin typeface=" SourceCodePro-Light" panose="020B0509030403020204" pitchFamily="49" charset="77"/>
+              </a:rPr>
+              <a:t>len</a:t>
+            </a:r>
+            <a:r>
+              <a:rPr lang="en-US" dirty="0">
+                <a:solidFill>
+                  <a:srgbClr val="000000"/>
+                </a:solidFill>
+                <a:latin typeface=" SourceCodePro-Light" panose="020B0509030403020204" pitchFamily="49" charset="77"/>
+              </a:rPr>
+              <a:t>(sequence)):</a:t>
+            </a:r>
+          </a:p>
+          <a:p>
+            <a:r>
+              <a:rPr lang="en-US" dirty="0">
+                <a:solidFill>
+                  <a:srgbClr val="000000"/>
+                </a:solidFill>
+                <a:latin typeface=" SourceCodePro-Light" panose="020B0509030403020204" pitchFamily="49" charset="77"/>
+              </a:rPr>
+              <a:t>        result = function(result, sequence[index])</a:t>
+            </a:r>
+          </a:p>
+          <a:p>
+            <a:r>
+              <a:rPr lang="en-US" dirty="0">
+                <a:solidFill>
+                  <a:srgbClr val="AF00DB"/>
+                </a:solidFill>
+                <a:latin typeface=" SourceCodePro-Light" panose="020B0509030403020204" pitchFamily="49" charset="77"/>
+              </a:rPr>
+              <a:t>    return</a:t>
+            </a:r>
+            <a:r>
+              <a:rPr lang="en-US" dirty="0">
+                <a:solidFill>
+                  <a:srgbClr val="000000"/>
+                </a:solidFill>
+                <a:latin typeface=" SourceCodePro-Light" panose="020B0509030403020204" pitchFamily="49" charset="77"/>
+              </a:rPr>
+              <a:t> result</a:t>
             </a:r>
           </a:p>
         </p:txBody>
@@ -10299,7 +12595,7 @@
     </p:spTree>
     <p:extLst>
       <p:ext uri="{BB962C8B-B14F-4D97-AF65-F5344CB8AC3E}">
-        <p14:creationId xmlns:p14="http://schemas.microsoft.com/office/powerpoint/2010/main" val="2478242474"/>
+        <p14:creationId xmlns:p14="http://schemas.microsoft.com/office/powerpoint/2010/main" val="171068300"/>
       </p:ext>
     </p:extLst>
   </p:cSld>
